--- a/CS383/honours/presentation.pptx
+++ b/CS383/honours/presentation.pptx
@@ -109,6 +109,11 @@
       </a:defRPr>
     </a:lvl9pPr>
   </p:defaultTextStyle>
+  <p:extLst>
+    <p:ext uri="{EFAFB233-063F-42B5-8137-9DF3F51BA10A}">
+      <p15:sldGuideLst xmlns:p15="http://schemas.microsoft.com/office/powerpoint/2012/main"/>
+    </p:ext>
+  </p:extLst>
 </p:presentation>
 </file>
 
@@ -162,7 +167,7 @@
           <a:noFill/>
           <a:extLst>
             <a:ext uri="{909E8E84-426E-40dd-AFC4-6F175D3DCCD1}">
-              <a14:hiddenFill xmlns:a14="http://schemas.microsoft.com/office/drawing/2010/main" xmlns="">
+              <a14:hiddenFill xmlns="" xmlns:a14="http://schemas.microsoft.com/office/drawing/2010/main">
                 <a:solidFill>
                   <a:srgbClr val="FFFFFF"/>
                 </a:solidFill>
@@ -222,7 +227,7 @@
             </a:ln>
             <a:extLst>
               <a:ext uri="{91240B29-F687-4f45-9708-019B960494DF}">
-                <a14:hiddenLine xmlns:a14="http://schemas.microsoft.com/office/drawing/2010/main" xmlns="" w="9525">
+                <a14:hiddenLine xmlns="" xmlns:a14="http://schemas.microsoft.com/office/drawing/2010/main" w="9525">
                   <a:solidFill>
                     <a:srgbClr val="000000"/>
                   </a:solidFill>
@@ -312,7 +317,7 @@
             </a:ln>
             <a:extLst>
               <a:ext uri="{91240B29-F687-4f45-9708-019B960494DF}">
-                <a14:hiddenLine xmlns:a14="http://schemas.microsoft.com/office/drawing/2010/main" xmlns="" w="9525">
+                <a14:hiddenLine xmlns="" xmlns:a14="http://schemas.microsoft.com/office/drawing/2010/main" w="9525">
                   <a:solidFill>
                     <a:srgbClr val="000000"/>
                   </a:solidFill>
@@ -402,7 +407,7 @@
             </a:ln>
             <a:extLst>
               <a:ext uri="{91240B29-F687-4f45-9708-019B960494DF}">
-                <a14:hiddenLine xmlns:a14="http://schemas.microsoft.com/office/drawing/2010/main" xmlns="" w="9525">
+                <a14:hiddenLine xmlns="" xmlns:a14="http://schemas.microsoft.com/office/drawing/2010/main" w="9525">
                   <a:solidFill>
                     <a:srgbClr val="000000"/>
                   </a:solidFill>
@@ -436,7 +441,7 @@
             </a:ln>
             <a:extLst>
               <a:ext uri="{91240B29-F687-4f45-9708-019B960494DF}">
-                <a14:hiddenLine xmlns:a14="http://schemas.microsoft.com/office/drawing/2010/main" xmlns="" w="9525">
+                <a14:hiddenLine xmlns="" xmlns:a14="http://schemas.microsoft.com/office/drawing/2010/main" w="9525">
                   <a:solidFill>
                     <a:srgbClr val="000000"/>
                   </a:solidFill>
@@ -526,7 +531,7 @@
             </a:ln>
             <a:extLst>
               <a:ext uri="{91240B29-F687-4f45-9708-019B960494DF}">
-                <a14:hiddenLine xmlns:a14="http://schemas.microsoft.com/office/drawing/2010/main" xmlns="" w="9525">
+                <a14:hiddenLine xmlns="" xmlns:a14="http://schemas.microsoft.com/office/drawing/2010/main" w="9525">
                   <a:solidFill>
                     <a:srgbClr val="000000"/>
                   </a:solidFill>
@@ -588,7 +593,7 @@
             </a:ln>
             <a:extLst>
               <a:ext uri="{91240B29-F687-4f45-9708-019B960494DF}">
-                <a14:hiddenLine xmlns:a14="http://schemas.microsoft.com/office/drawing/2010/main" xmlns="" w="9525">
+                <a14:hiddenLine xmlns="" xmlns:a14="http://schemas.microsoft.com/office/drawing/2010/main" w="9525">
                   <a:solidFill>
                     <a:srgbClr val="000000"/>
                   </a:solidFill>
@@ -650,7 +655,7 @@
             </a:ln>
             <a:extLst>
               <a:ext uri="{91240B29-F687-4f45-9708-019B960494DF}">
-                <a14:hiddenLine xmlns:a14="http://schemas.microsoft.com/office/drawing/2010/main" xmlns="" w="9525">
+                <a14:hiddenLine xmlns="" xmlns:a14="http://schemas.microsoft.com/office/drawing/2010/main" w="9525">
                   <a:solidFill>
                     <a:srgbClr val="000000"/>
                   </a:solidFill>
@@ -740,7 +745,7 @@
             </a:ln>
             <a:extLst>
               <a:ext uri="{91240B29-F687-4f45-9708-019B960494DF}">
-                <a14:hiddenLine xmlns:a14="http://schemas.microsoft.com/office/drawing/2010/main" xmlns="" w="9525">
+                <a14:hiddenLine xmlns="" xmlns:a14="http://schemas.microsoft.com/office/drawing/2010/main" w="9525">
                   <a:solidFill>
                     <a:srgbClr val="000000"/>
                   </a:solidFill>
@@ -802,7 +807,7 @@
             </a:ln>
             <a:extLst>
               <a:ext uri="{91240B29-F687-4f45-9708-019B960494DF}">
-                <a14:hiddenLine xmlns:a14="http://schemas.microsoft.com/office/drawing/2010/main" xmlns="" w="9525">
+                <a14:hiddenLine xmlns="" xmlns:a14="http://schemas.microsoft.com/office/drawing/2010/main" w="9525">
                   <a:solidFill>
                     <a:srgbClr val="000000"/>
                   </a:solidFill>
@@ -864,7 +869,7 @@
             </a:ln>
             <a:extLst>
               <a:ext uri="{91240B29-F687-4f45-9708-019B960494DF}">
-                <a14:hiddenLine xmlns:a14="http://schemas.microsoft.com/office/drawing/2010/main" xmlns="" w="9525">
+                <a14:hiddenLine xmlns="" xmlns:a14="http://schemas.microsoft.com/office/drawing/2010/main" w="9525">
                   <a:solidFill>
                     <a:srgbClr val="000000"/>
                   </a:solidFill>
@@ -954,7 +959,7 @@
             </a:ln>
             <a:extLst>
               <a:ext uri="{91240B29-F687-4f45-9708-019B960494DF}">
-                <a14:hiddenLine xmlns:a14="http://schemas.microsoft.com/office/drawing/2010/main" xmlns="" w="9525">
+                <a14:hiddenLine xmlns="" xmlns:a14="http://schemas.microsoft.com/office/drawing/2010/main" w="9525">
                   <a:solidFill>
                     <a:srgbClr val="000000"/>
                   </a:solidFill>
@@ -1044,7 +1049,7 @@
             </a:ln>
             <a:extLst>
               <a:ext uri="{91240B29-F687-4f45-9708-019B960494DF}">
-                <a14:hiddenLine xmlns:a14="http://schemas.microsoft.com/office/drawing/2010/main" xmlns="" w="9525">
+                <a14:hiddenLine xmlns="" xmlns:a14="http://schemas.microsoft.com/office/drawing/2010/main" w="9525">
                   <a:solidFill>
                     <a:srgbClr val="000000"/>
                   </a:solidFill>
@@ -1106,7 +1111,7 @@
             </a:ln>
             <a:extLst>
               <a:ext uri="{91240B29-F687-4f45-9708-019B960494DF}">
-                <a14:hiddenLine xmlns:a14="http://schemas.microsoft.com/office/drawing/2010/main" xmlns="" w="9525">
+                <a14:hiddenLine xmlns="" xmlns:a14="http://schemas.microsoft.com/office/drawing/2010/main" w="9525">
                   <a:solidFill>
                     <a:srgbClr val="000000"/>
                   </a:solidFill>
@@ -1216,7 +1221,7 @@
             </a:ln>
             <a:extLst>
               <a:ext uri="{91240B29-F687-4f45-9708-019B960494DF}">
-                <a14:hiddenLine xmlns:a14="http://schemas.microsoft.com/office/drawing/2010/main" xmlns="" w="9525">
+                <a14:hiddenLine xmlns="" xmlns:a14="http://schemas.microsoft.com/office/drawing/2010/main" w="9525">
                   <a:solidFill>
                     <a:srgbClr val="000000"/>
                   </a:solidFill>
@@ -1278,7 +1283,7 @@
             </a:ln>
             <a:extLst>
               <a:ext uri="{91240B29-F687-4f45-9708-019B960494DF}">
-                <a14:hiddenLine xmlns:a14="http://schemas.microsoft.com/office/drawing/2010/main" xmlns="" w="9525">
+                <a14:hiddenLine xmlns="" xmlns:a14="http://schemas.microsoft.com/office/drawing/2010/main" w="9525">
                   <a:solidFill>
                     <a:srgbClr val="000000"/>
                   </a:solidFill>
@@ -1368,7 +1373,7 @@
             </a:ln>
             <a:extLst>
               <a:ext uri="{91240B29-F687-4f45-9708-019B960494DF}">
-                <a14:hiddenLine xmlns:a14="http://schemas.microsoft.com/office/drawing/2010/main" xmlns="" w="9525">
+                <a14:hiddenLine xmlns="" xmlns:a14="http://schemas.microsoft.com/office/drawing/2010/main" w="9525">
                   <a:solidFill>
                     <a:srgbClr val="000000"/>
                   </a:solidFill>
@@ -1458,7 +1463,7 @@
             </a:ln>
             <a:extLst>
               <a:ext uri="{91240B29-F687-4f45-9708-019B960494DF}">
-                <a14:hiddenLine xmlns:a14="http://schemas.microsoft.com/office/drawing/2010/main" xmlns="" w="9525">
+                <a14:hiddenLine xmlns="" xmlns:a14="http://schemas.microsoft.com/office/drawing/2010/main" w="9525">
                   <a:solidFill>
                     <a:srgbClr val="000000"/>
                   </a:solidFill>
@@ -1520,7 +1525,7 @@
             </a:ln>
             <a:extLst>
               <a:ext uri="{91240B29-F687-4f45-9708-019B960494DF}">
-                <a14:hiddenLine xmlns:a14="http://schemas.microsoft.com/office/drawing/2010/main" xmlns="" w="9525">
+                <a14:hiddenLine xmlns="" xmlns:a14="http://schemas.microsoft.com/office/drawing/2010/main" w="9525">
                   <a:solidFill>
                     <a:srgbClr val="000000"/>
                   </a:solidFill>
@@ -1610,7 +1615,7 @@
             </a:ln>
             <a:extLst>
               <a:ext uri="{91240B29-F687-4f45-9708-019B960494DF}">
-                <a14:hiddenLine xmlns:a14="http://schemas.microsoft.com/office/drawing/2010/main" xmlns="" w="9525">
+                <a14:hiddenLine xmlns="" xmlns:a14="http://schemas.microsoft.com/office/drawing/2010/main" w="9525">
                   <a:solidFill>
                     <a:srgbClr val="000000"/>
                   </a:solidFill>
@@ -1700,7 +1705,7 @@
             </a:ln>
             <a:extLst>
               <a:ext uri="{91240B29-F687-4f45-9708-019B960494DF}">
-                <a14:hiddenLine xmlns:a14="http://schemas.microsoft.com/office/drawing/2010/main" xmlns="" w="9525">
+                <a14:hiddenLine xmlns="" xmlns:a14="http://schemas.microsoft.com/office/drawing/2010/main" w="9525">
                   <a:solidFill>
                     <a:srgbClr val="000000"/>
                   </a:solidFill>
@@ -1756,7 +1761,7 @@
             </a:ln>
             <a:extLst>
               <a:ext uri="{91240B29-F687-4f45-9708-019B960494DF}">
-                <a14:hiddenLine xmlns:a14="http://schemas.microsoft.com/office/drawing/2010/main" xmlns="" w="9525">
+                <a14:hiddenLine xmlns="" xmlns:a14="http://schemas.microsoft.com/office/drawing/2010/main" w="9525">
                   <a:solidFill>
                     <a:srgbClr val="000000"/>
                   </a:solidFill>
@@ -1846,7 +1851,7 @@
             </a:ln>
             <a:extLst>
               <a:ext uri="{91240B29-F687-4f45-9708-019B960494DF}">
-                <a14:hiddenLine xmlns:a14="http://schemas.microsoft.com/office/drawing/2010/main" xmlns="" w="9525">
+                <a14:hiddenLine xmlns="" xmlns:a14="http://schemas.microsoft.com/office/drawing/2010/main" w="9525">
                   <a:solidFill>
                     <a:srgbClr val="000000"/>
                   </a:solidFill>
@@ -1902,7 +1907,7 @@
             </a:ln>
             <a:extLst>
               <a:ext uri="{91240B29-F687-4f45-9708-019B960494DF}">
-                <a14:hiddenLine xmlns:a14="http://schemas.microsoft.com/office/drawing/2010/main" xmlns="" w="9525">
+                <a14:hiddenLine xmlns="" xmlns:a14="http://schemas.microsoft.com/office/drawing/2010/main" w="9525">
                   <a:solidFill>
                     <a:srgbClr val="000000"/>
                   </a:solidFill>
@@ -1992,7 +1997,7 @@
             </a:ln>
             <a:extLst>
               <a:ext uri="{91240B29-F687-4f45-9708-019B960494DF}">
-                <a14:hiddenLine xmlns:a14="http://schemas.microsoft.com/office/drawing/2010/main" xmlns="" w="9525">
+                <a14:hiddenLine xmlns="" xmlns:a14="http://schemas.microsoft.com/office/drawing/2010/main" w="9525">
                   <a:solidFill>
                     <a:srgbClr val="000000"/>
                   </a:solidFill>
@@ -2060,7 +2065,7 @@
             </a:ln>
             <a:extLst>
               <a:ext uri="{91240B29-F687-4f45-9708-019B960494DF}">
-                <a14:hiddenLine xmlns:a14="http://schemas.microsoft.com/office/drawing/2010/main" xmlns="" w="9525">
+                <a14:hiddenLine xmlns="" xmlns:a14="http://schemas.microsoft.com/office/drawing/2010/main" w="9525">
                   <a:solidFill>
                     <a:srgbClr val="000000"/>
                   </a:solidFill>
@@ -2150,7 +2155,7 @@
             </a:ln>
             <a:extLst>
               <a:ext uri="{91240B29-F687-4f45-9708-019B960494DF}">
-                <a14:hiddenLine xmlns:a14="http://schemas.microsoft.com/office/drawing/2010/main" xmlns="" w="9525">
+                <a14:hiddenLine xmlns="" xmlns:a14="http://schemas.microsoft.com/office/drawing/2010/main" w="9525">
                   <a:solidFill>
                     <a:srgbClr val="000000"/>
                   </a:solidFill>
@@ -2218,7 +2223,7 @@
             </a:ln>
             <a:extLst>
               <a:ext uri="{91240B29-F687-4f45-9708-019B960494DF}">
-                <a14:hiddenLine xmlns:a14="http://schemas.microsoft.com/office/drawing/2010/main" xmlns="" w="9525">
+                <a14:hiddenLine xmlns="" xmlns:a14="http://schemas.microsoft.com/office/drawing/2010/main" w="9525">
                   <a:solidFill>
                     <a:srgbClr val="000000"/>
                   </a:solidFill>
@@ -2308,7 +2313,7 @@
             </a:ln>
             <a:extLst>
               <a:ext uri="{91240B29-F687-4f45-9708-019B960494DF}">
-                <a14:hiddenLine xmlns:a14="http://schemas.microsoft.com/office/drawing/2010/main" xmlns="" w="9525">
+                <a14:hiddenLine xmlns="" xmlns:a14="http://schemas.microsoft.com/office/drawing/2010/main" w="9525">
                   <a:solidFill>
                     <a:srgbClr val="000000"/>
                   </a:solidFill>
@@ -2342,7 +2347,7 @@
             </a:ln>
             <a:extLst>
               <a:ext uri="{91240B29-F687-4f45-9708-019B960494DF}">
-                <a14:hiddenLine xmlns:a14="http://schemas.microsoft.com/office/drawing/2010/main" xmlns="" w="9525">
+                <a14:hiddenLine xmlns="" xmlns:a14="http://schemas.microsoft.com/office/drawing/2010/main" w="9525">
                   <a:solidFill>
                     <a:srgbClr val="000000"/>
                   </a:solidFill>
@@ -2432,7 +2437,7 @@
             </a:ln>
             <a:extLst>
               <a:ext uri="{91240B29-F687-4f45-9708-019B960494DF}">
-                <a14:hiddenLine xmlns:a14="http://schemas.microsoft.com/office/drawing/2010/main" xmlns="" w="9525">
+                <a14:hiddenLine xmlns="" xmlns:a14="http://schemas.microsoft.com/office/drawing/2010/main" w="9525">
                   <a:solidFill>
                     <a:srgbClr val="000000"/>
                   </a:solidFill>
@@ -2494,7 +2499,7 @@
             </a:ln>
             <a:extLst>
               <a:ext uri="{91240B29-F687-4f45-9708-019B960494DF}">
-                <a14:hiddenLine xmlns:a14="http://schemas.microsoft.com/office/drawing/2010/main" xmlns="" w="9525">
+                <a14:hiddenLine xmlns="" xmlns:a14="http://schemas.microsoft.com/office/drawing/2010/main" w="9525">
                   <a:solidFill>
                     <a:srgbClr val="000000"/>
                   </a:solidFill>
@@ -2556,7 +2561,7 @@
             </a:ln>
             <a:extLst>
               <a:ext uri="{91240B29-F687-4f45-9708-019B960494DF}">
-                <a14:hiddenLine xmlns:a14="http://schemas.microsoft.com/office/drawing/2010/main" xmlns="" w="9525">
+                <a14:hiddenLine xmlns="" xmlns:a14="http://schemas.microsoft.com/office/drawing/2010/main" w="9525">
                   <a:solidFill>
                     <a:srgbClr val="000000"/>
                   </a:solidFill>
@@ -2646,7 +2651,7 @@
             </a:ln>
             <a:extLst>
               <a:ext uri="{91240B29-F687-4f45-9708-019B960494DF}">
-                <a14:hiddenLine xmlns:a14="http://schemas.microsoft.com/office/drawing/2010/main" xmlns="" w="9525">
+                <a14:hiddenLine xmlns="" xmlns:a14="http://schemas.microsoft.com/office/drawing/2010/main" w="9525">
                   <a:solidFill>
                     <a:srgbClr val="000000"/>
                   </a:solidFill>
@@ -2714,7 +2719,7 @@
             </a:ln>
             <a:extLst>
               <a:ext uri="{91240B29-F687-4f45-9708-019B960494DF}">
-                <a14:hiddenLine xmlns:a14="http://schemas.microsoft.com/office/drawing/2010/main" xmlns="" w="9525">
+                <a14:hiddenLine xmlns="" xmlns:a14="http://schemas.microsoft.com/office/drawing/2010/main" w="9525">
                   <a:solidFill>
                     <a:srgbClr val="000000"/>
                   </a:solidFill>
@@ -2776,7 +2781,7 @@
             </a:ln>
             <a:extLst>
               <a:ext uri="{91240B29-F687-4f45-9708-019B960494DF}">
-                <a14:hiddenLine xmlns:a14="http://schemas.microsoft.com/office/drawing/2010/main" xmlns="" w="9525">
+                <a14:hiddenLine xmlns="" xmlns:a14="http://schemas.microsoft.com/office/drawing/2010/main" w="9525">
                   <a:solidFill>
                     <a:srgbClr val="000000"/>
                   </a:solidFill>
@@ -2866,7 +2871,7 @@
             </a:ln>
             <a:extLst>
               <a:ext uri="{91240B29-F687-4f45-9708-019B960494DF}">
-                <a14:hiddenLine xmlns:a14="http://schemas.microsoft.com/office/drawing/2010/main" xmlns="" w="9525">
+                <a14:hiddenLine xmlns="" xmlns:a14="http://schemas.microsoft.com/office/drawing/2010/main" w="9525">
                   <a:solidFill>
                     <a:srgbClr val="000000"/>
                   </a:solidFill>
@@ -2928,7 +2933,7 @@
             </a:ln>
             <a:extLst>
               <a:ext uri="{91240B29-F687-4f45-9708-019B960494DF}">
-                <a14:hiddenLine xmlns:a14="http://schemas.microsoft.com/office/drawing/2010/main" xmlns="" w="9525">
+                <a14:hiddenLine xmlns="" xmlns:a14="http://schemas.microsoft.com/office/drawing/2010/main" w="9525">
                   <a:solidFill>
                     <a:srgbClr val="000000"/>
                   </a:solidFill>
@@ -3018,7 +3023,7 @@
             </a:ln>
             <a:extLst>
               <a:ext uri="{91240B29-F687-4f45-9708-019B960494DF}">
-                <a14:hiddenLine xmlns:a14="http://schemas.microsoft.com/office/drawing/2010/main" xmlns="" w="9525">
+                <a14:hiddenLine xmlns="" xmlns:a14="http://schemas.microsoft.com/office/drawing/2010/main" w="9525">
                   <a:solidFill>
                     <a:srgbClr val="000000"/>
                   </a:solidFill>
@@ -3080,7 +3085,7 @@
             </a:ln>
             <a:extLst>
               <a:ext uri="{91240B29-F687-4f45-9708-019B960494DF}">
-                <a14:hiddenLine xmlns:a14="http://schemas.microsoft.com/office/drawing/2010/main" xmlns="" w="9525">
+                <a14:hiddenLine xmlns="" xmlns:a14="http://schemas.microsoft.com/office/drawing/2010/main" w="9525">
                   <a:solidFill>
                     <a:srgbClr val="000000"/>
                   </a:solidFill>
@@ -3170,7 +3175,7 @@
             </a:ln>
             <a:extLst>
               <a:ext uri="{91240B29-F687-4f45-9708-019B960494DF}">
-                <a14:hiddenLine xmlns:a14="http://schemas.microsoft.com/office/drawing/2010/main" xmlns="" w="9525">
+                <a14:hiddenLine xmlns="" xmlns:a14="http://schemas.microsoft.com/office/drawing/2010/main" w="9525">
                   <a:solidFill>
                     <a:srgbClr val="000000"/>
                   </a:solidFill>
@@ -3204,7 +3209,7 @@
             </a:ln>
             <a:extLst>
               <a:ext uri="{91240B29-F687-4f45-9708-019B960494DF}">
-                <a14:hiddenLine xmlns:a14="http://schemas.microsoft.com/office/drawing/2010/main" xmlns="" w="9525">
+                <a14:hiddenLine xmlns="" xmlns:a14="http://schemas.microsoft.com/office/drawing/2010/main" w="9525">
                   <a:solidFill>
                     <a:srgbClr val="000000"/>
                   </a:solidFill>
@@ -3269,7 +3274,7 @@
             </a:ln>
             <a:extLst>
               <a:ext uri="{91240B29-F687-4f45-9708-019B960494DF}">
-                <a14:hiddenLine xmlns:a14="http://schemas.microsoft.com/office/drawing/2010/main" xmlns="" w="9525">
+                <a14:hiddenLine xmlns="" xmlns:a14="http://schemas.microsoft.com/office/drawing/2010/main" w="9525">
                   <a:solidFill>
                     <a:srgbClr val="000000"/>
                   </a:solidFill>
@@ -3359,7 +3364,7 @@
             </a:ln>
             <a:extLst>
               <a:ext uri="{91240B29-F687-4f45-9708-019B960494DF}">
-                <a14:hiddenLine xmlns:a14="http://schemas.microsoft.com/office/drawing/2010/main" xmlns="" w="9525">
+                <a14:hiddenLine xmlns="" xmlns:a14="http://schemas.microsoft.com/office/drawing/2010/main" w="9525">
                   <a:solidFill>
                     <a:srgbClr val="000000"/>
                   </a:solidFill>
@@ -3421,7 +3426,7 @@
             </a:ln>
             <a:extLst>
               <a:ext uri="{91240B29-F687-4f45-9708-019B960494DF}">
-                <a14:hiddenLine xmlns:a14="http://schemas.microsoft.com/office/drawing/2010/main" xmlns="" w="9525">
+                <a14:hiddenLine xmlns="" xmlns:a14="http://schemas.microsoft.com/office/drawing/2010/main" w="9525">
                   <a:solidFill>
                     <a:srgbClr val="000000"/>
                   </a:solidFill>
@@ -3511,7 +3516,7 @@
             </a:ln>
             <a:extLst>
               <a:ext uri="{91240B29-F687-4f45-9708-019B960494DF}">
-                <a14:hiddenLine xmlns:a14="http://schemas.microsoft.com/office/drawing/2010/main" xmlns="" w="9525">
+                <a14:hiddenLine xmlns="" xmlns:a14="http://schemas.microsoft.com/office/drawing/2010/main" w="9525">
                   <a:solidFill>
                     <a:srgbClr val="000000"/>
                   </a:solidFill>
@@ -3601,7 +3606,7 @@
             </a:ln>
             <a:extLst>
               <a:ext uri="{91240B29-F687-4f45-9708-019B960494DF}">
-                <a14:hiddenLine xmlns:a14="http://schemas.microsoft.com/office/drawing/2010/main" xmlns="" w="9525">
+                <a14:hiddenLine xmlns="" xmlns:a14="http://schemas.microsoft.com/office/drawing/2010/main" w="9525">
                   <a:solidFill>
                     <a:srgbClr val="000000"/>
                   </a:solidFill>
@@ -3666,7 +3671,7 @@
             </a:ln>
             <a:extLst>
               <a:ext uri="{91240B29-F687-4f45-9708-019B960494DF}">
-                <a14:hiddenLine xmlns:a14="http://schemas.microsoft.com/office/drawing/2010/main" xmlns="" w="9525">
+                <a14:hiddenLine xmlns="" xmlns:a14="http://schemas.microsoft.com/office/drawing/2010/main" w="9525">
                   <a:solidFill>
                     <a:srgbClr val="000000"/>
                   </a:solidFill>
@@ -3728,7 +3733,7 @@
             </a:ln>
             <a:extLst>
               <a:ext uri="{91240B29-F687-4f45-9708-019B960494DF}">
-                <a14:hiddenLine xmlns:a14="http://schemas.microsoft.com/office/drawing/2010/main" xmlns="" w="9525">
+                <a14:hiddenLine xmlns="" xmlns:a14="http://schemas.microsoft.com/office/drawing/2010/main" w="9525">
                   <a:solidFill>
                     <a:srgbClr val="000000"/>
                   </a:solidFill>
@@ -3818,7 +3823,7 @@
             </a:ln>
             <a:extLst>
               <a:ext uri="{91240B29-F687-4f45-9708-019B960494DF}">
-                <a14:hiddenLine xmlns:a14="http://schemas.microsoft.com/office/drawing/2010/main" xmlns="" w="9525">
+                <a14:hiddenLine xmlns="" xmlns:a14="http://schemas.microsoft.com/office/drawing/2010/main" w="9525">
                   <a:solidFill>
                     <a:srgbClr val="000000"/>
                   </a:solidFill>
@@ -3908,7 +3913,7 @@
             </a:ln>
             <a:extLst>
               <a:ext uri="{91240B29-F687-4f45-9708-019B960494DF}">
-                <a14:hiddenLine xmlns:a14="http://schemas.microsoft.com/office/drawing/2010/main" xmlns="" w="9525">
+                <a14:hiddenLine xmlns="" xmlns:a14="http://schemas.microsoft.com/office/drawing/2010/main" w="9525">
                   <a:solidFill>
                     <a:srgbClr val="000000"/>
                   </a:solidFill>
@@ -3970,7 +3975,7 @@
             </a:ln>
             <a:extLst>
               <a:ext uri="{91240B29-F687-4f45-9708-019B960494DF}">
-                <a14:hiddenLine xmlns:a14="http://schemas.microsoft.com/office/drawing/2010/main" xmlns="" w="9525">
+                <a14:hiddenLine xmlns="" xmlns:a14="http://schemas.microsoft.com/office/drawing/2010/main" w="9525">
                   <a:solidFill>
                     <a:srgbClr val="000000"/>
                   </a:solidFill>
@@ -4090,7 +4095,7 @@
             </a:ln>
             <a:extLst>
               <a:ext uri="{91240B29-F687-4f45-9708-019B960494DF}">
-                <a14:hiddenLine xmlns:a14="http://schemas.microsoft.com/office/drawing/2010/main" xmlns="" w="9525">
+                <a14:hiddenLine xmlns="" xmlns:a14="http://schemas.microsoft.com/office/drawing/2010/main" w="9525">
                   <a:solidFill>
                     <a:srgbClr val="000000"/>
                   </a:solidFill>
@@ -4158,7 +4163,7 @@
             </a:ln>
             <a:extLst>
               <a:ext uri="{91240B29-F687-4f45-9708-019B960494DF}">
-                <a14:hiddenLine xmlns:a14="http://schemas.microsoft.com/office/drawing/2010/main" xmlns="" w="9525">
+                <a14:hiddenLine xmlns="" xmlns:a14="http://schemas.microsoft.com/office/drawing/2010/main" w="9525">
                   <a:solidFill>
                     <a:srgbClr val="000000"/>
                   </a:solidFill>
@@ -4248,7 +4253,7 @@
             </a:ln>
             <a:extLst>
               <a:ext uri="{91240B29-F687-4f45-9708-019B960494DF}">
-                <a14:hiddenLine xmlns:a14="http://schemas.microsoft.com/office/drawing/2010/main" xmlns="" w="9525">
+                <a14:hiddenLine xmlns="" xmlns:a14="http://schemas.microsoft.com/office/drawing/2010/main" w="9525">
                   <a:solidFill>
                     <a:srgbClr val="000000"/>
                   </a:solidFill>
@@ -4388,7 +4393,7 @@
           <a:p>
             <a:fld id="{8B6C2AFC-E312-4DF4-802C-A2004B667576}" type="datetimeFigureOut">
               <a:rPr lang="en-GB" smtClean="0"/>
-              <a:t>16/05/2020</a:t>
+              <a:t>18/05/2020</a:t>
             </a:fld>
             <a:endParaRPr lang="en-GB"/>
           </a:p>
@@ -4655,7 +4660,7 @@
           <a:p>
             <a:fld id="{8B6C2AFC-E312-4DF4-802C-A2004B667576}" type="datetimeFigureOut">
               <a:rPr lang="en-GB" smtClean="0"/>
-              <a:t>16/05/2020</a:t>
+              <a:t>18/05/2020</a:t>
             </a:fld>
             <a:endParaRPr lang="en-GB"/>
           </a:p>
@@ -4851,7 +4856,7 @@
           <a:p>
             <a:fld id="{8B6C2AFC-E312-4DF4-802C-A2004B667576}" type="datetimeFigureOut">
               <a:rPr lang="en-GB" smtClean="0"/>
-              <a:t>16/05/2020</a:t>
+              <a:t>18/05/2020</a:t>
             </a:fld>
             <a:endParaRPr lang="en-GB"/>
           </a:p>
@@ -5114,7 +5119,7 @@
           <a:p>
             <a:fld id="{8B6C2AFC-E312-4DF4-802C-A2004B667576}" type="datetimeFigureOut">
               <a:rPr lang="en-GB" smtClean="0"/>
-              <a:t>16/05/2020</a:t>
+              <a:t>18/05/2020</a:t>
             </a:fld>
             <a:endParaRPr lang="en-GB"/>
           </a:p>
@@ -5548,7 +5553,7 @@
           <a:p>
             <a:fld id="{8B6C2AFC-E312-4DF4-802C-A2004B667576}" type="datetimeFigureOut">
               <a:rPr lang="en-GB" smtClean="0"/>
-              <a:t>16/05/2020</a:t>
+              <a:t>18/05/2020</a:t>
             </a:fld>
             <a:endParaRPr lang="en-GB"/>
           </a:p>
@@ -6094,7 +6099,7 @@
           <a:p>
             <a:fld id="{8B6C2AFC-E312-4DF4-802C-A2004B667576}" type="datetimeFigureOut">
               <a:rPr lang="en-GB" smtClean="0"/>
-              <a:t>16/05/2020</a:t>
+              <a:t>18/05/2020</a:t>
             </a:fld>
             <a:endParaRPr lang="en-GB"/>
           </a:p>
@@ -6814,7 +6819,7 @@
           <a:p>
             <a:fld id="{8B6C2AFC-E312-4DF4-802C-A2004B667576}" type="datetimeFigureOut">
               <a:rPr lang="en-GB" smtClean="0"/>
-              <a:t>16/05/2020</a:t>
+              <a:t>18/05/2020</a:t>
             </a:fld>
             <a:endParaRPr lang="en-GB"/>
           </a:p>
@@ -6984,7 +6989,7 @@
           <a:p>
             <a:fld id="{8B6C2AFC-E312-4DF4-802C-A2004B667576}" type="datetimeFigureOut">
               <a:rPr lang="en-GB" smtClean="0"/>
-              <a:t>16/05/2020</a:t>
+              <a:t>18/05/2020</a:t>
             </a:fld>
             <a:endParaRPr lang="en-GB"/>
           </a:p>
@@ -7164,7 +7169,7 @@
           <a:p>
             <a:fld id="{8B6C2AFC-E312-4DF4-802C-A2004B667576}" type="datetimeFigureOut">
               <a:rPr lang="en-GB" smtClean="0"/>
-              <a:t>16/05/2020</a:t>
+              <a:t>18/05/2020</a:t>
             </a:fld>
             <a:endParaRPr lang="en-GB"/>
           </a:p>
@@ -7334,7 +7339,7 @@
           <a:p>
             <a:fld id="{8B6C2AFC-E312-4DF4-802C-A2004B667576}" type="datetimeFigureOut">
               <a:rPr lang="en-GB" smtClean="0"/>
-              <a:t>16/05/2020</a:t>
+              <a:t>18/05/2020</a:t>
             </a:fld>
             <a:endParaRPr lang="en-GB"/>
           </a:p>
@@ -7584,7 +7589,7 @@
           <a:p>
             <a:fld id="{8B6C2AFC-E312-4DF4-802C-A2004B667576}" type="datetimeFigureOut">
               <a:rPr lang="en-GB" smtClean="0"/>
-              <a:t>16/05/2020</a:t>
+              <a:t>18/05/2020</a:t>
             </a:fld>
             <a:endParaRPr lang="en-GB"/>
           </a:p>
@@ -7816,7 +7821,7 @@
           <a:p>
             <a:fld id="{8B6C2AFC-E312-4DF4-802C-A2004B667576}" type="datetimeFigureOut">
               <a:rPr lang="en-GB" smtClean="0"/>
-              <a:t>16/05/2020</a:t>
+              <a:t>18/05/2020</a:t>
             </a:fld>
             <a:endParaRPr lang="en-GB"/>
           </a:p>
@@ -8197,7 +8202,7 @@
           <a:p>
             <a:fld id="{8B6C2AFC-E312-4DF4-802C-A2004B667576}" type="datetimeFigureOut">
               <a:rPr lang="en-GB" smtClean="0"/>
-              <a:t>16/05/2020</a:t>
+              <a:t>18/05/2020</a:t>
             </a:fld>
             <a:endParaRPr lang="en-GB"/>
           </a:p>
@@ -8315,7 +8320,7 @@
           <a:p>
             <a:fld id="{8B6C2AFC-E312-4DF4-802C-A2004B667576}" type="datetimeFigureOut">
               <a:rPr lang="en-GB" smtClean="0"/>
-              <a:t>16/05/2020</a:t>
+              <a:t>18/05/2020</a:t>
             </a:fld>
             <a:endParaRPr lang="en-GB"/>
           </a:p>
@@ -8410,7 +8415,7 @@
           <a:p>
             <a:fld id="{8B6C2AFC-E312-4DF4-802C-A2004B667576}" type="datetimeFigureOut">
               <a:rPr lang="en-GB" smtClean="0"/>
-              <a:t>16/05/2020</a:t>
+              <a:t>18/05/2020</a:t>
             </a:fld>
             <a:endParaRPr lang="en-GB"/>
           </a:p>
@@ -8659,7 +8664,7 @@
           <a:p>
             <a:fld id="{8B6C2AFC-E312-4DF4-802C-A2004B667576}" type="datetimeFigureOut">
               <a:rPr lang="en-GB" smtClean="0"/>
-              <a:t>16/05/2020</a:t>
+              <a:t>18/05/2020</a:t>
             </a:fld>
             <a:endParaRPr lang="en-GB"/>
           </a:p>
@@ -8939,7 +8944,7 @@
           <a:p>
             <a:fld id="{8B6C2AFC-E312-4DF4-802C-A2004B667576}" type="datetimeFigureOut">
               <a:rPr lang="en-GB" smtClean="0"/>
-              <a:t>16/05/2020</a:t>
+              <a:t>18/05/2020</a:t>
             </a:fld>
             <a:endParaRPr lang="en-GB"/>
           </a:p>
@@ -9055,7 +9060,7 @@
           <a:noFill/>
           <a:extLst>
             <a:ext uri="{909E8E84-426E-40dd-AFC4-6F175D3DCCD1}">
-              <a14:hiddenFill xmlns:a14="http://schemas.microsoft.com/office/drawing/2010/main" xmlns="">
+              <a14:hiddenFill xmlns="" xmlns:a14="http://schemas.microsoft.com/office/drawing/2010/main">
                 <a:solidFill>
                   <a:srgbClr val="FFFFFF"/>
                 </a:solidFill>
@@ -9129,7 +9134,7 @@
               </a:ln>
               <a:extLst>
                 <a:ext uri="{91240B29-F687-4f45-9708-019B960494DF}">
-                  <a14:hiddenLine xmlns:a14="http://schemas.microsoft.com/office/drawing/2010/main" xmlns="" w="9525">
+                  <a14:hiddenLine xmlns="" xmlns:a14="http://schemas.microsoft.com/office/drawing/2010/main" w="9525">
                     <a:solidFill>
                       <a:srgbClr val="000000"/>
                     </a:solidFill>
@@ -9219,7 +9224,7 @@
               </a:ln>
               <a:extLst>
                 <a:ext uri="{91240B29-F687-4f45-9708-019B960494DF}">
-                  <a14:hiddenLine xmlns:a14="http://schemas.microsoft.com/office/drawing/2010/main" xmlns="" w="9525">
+                  <a14:hiddenLine xmlns="" xmlns:a14="http://schemas.microsoft.com/office/drawing/2010/main" w="9525">
                     <a:solidFill>
                       <a:srgbClr val="000000"/>
                     </a:solidFill>
@@ -9309,7 +9314,7 @@
               </a:ln>
               <a:extLst>
                 <a:ext uri="{91240B29-F687-4f45-9708-019B960494DF}">
-                  <a14:hiddenLine xmlns:a14="http://schemas.microsoft.com/office/drawing/2010/main" xmlns="" w="9525">
+                  <a14:hiddenLine xmlns="" xmlns:a14="http://schemas.microsoft.com/office/drawing/2010/main" w="9525">
                     <a:solidFill>
                       <a:srgbClr val="000000"/>
                     </a:solidFill>
@@ -9371,7 +9376,7 @@
               </a:ln>
               <a:extLst>
                 <a:ext uri="{91240B29-F687-4f45-9708-019B960494DF}">
-                  <a14:hiddenLine xmlns:a14="http://schemas.microsoft.com/office/drawing/2010/main" xmlns="" w="9525">
+                  <a14:hiddenLine xmlns="" xmlns:a14="http://schemas.microsoft.com/office/drawing/2010/main" w="9525">
                     <a:solidFill>
                       <a:srgbClr val="000000"/>
                     </a:solidFill>
@@ -9461,7 +9466,7 @@
               </a:ln>
               <a:extLst>
                 <a:ext uri="{91240B29-F687-4f45-9708-019B960494DF}">
-                  <a14:hiddenLine xmlns:a14="http://schemas.microsoft.com/office/drawing/2010/main" xmlns="" w="9525">
+                  <a14:hiddenLine xmlns="" xmlns:a14="http://schemas.microsoft.com/office/drawing/2010/main" w="9525">
                     <a:solidFill>
                       <a:srgbClr val="000000"/>
                     </a:solidFill>
@@ -9523,7 +9528,7 @@
               </a:ln>
               <a:extLst>
                 <a:ext uri="{91240B29-F687-4f45-9708-019B960494DF}">
-                  <a14:hiddenLine xmlns:a14="http://schemas.microsoft.com/office/drawing/2010/main" xmlns="" w="9525">
+                  <a14:hiddenLine xmlns="" xmlns:a14="http://schemas.microsoft.com/office/drawing/2010/main" w="9525">
                     <a:solidFill>
                       <a:srgbClr val="000000"/>
                     </a:solidFill>
@@ -9585,7 +9590,7 @@
               </a:ln>
               <a:extLst>
                 <a:ext uri="{91240B29-F687-4f45-9708-019B960494DF}">
-                  <a14:hiddenLine xmlns:a14="http://schemas.microsoft.com/office/drawing/2010/main" xmlns="" w="9525">
+                  <a14:hiddenLine xmlns="" xmlns:a14="http://schemas.microsoft.com/office/drawing/2010/main" w="9525">
                     <a:solidFill>
                       <a:srgbClr val="000000"/>
                     </a:solidFill>
@@ -9675,7 +9680,7 @@
               </a:ln>
               <a:extLst>
                 <a:ext uri="{91240B29-F687-4f45-9708-019B960494DF}">
-                  <a14:hiddenLine xmlns:a14="http://schemas.microsoft.com/office/drawing/2010/main" xmlns="" w="9525">
+                  <a14:hiddenLine xmlns="" xmlns:a14="http://schemas.microsoft.com/office/drawing/2010/main" w="9525">
                     <a:solidFill>
                       <a:srgbClr val="000000"/>
                     </a:solidFill>
@@ -9765,7 +9770,7 @@
               </a:ln>
               <a:extLst>
                 <a:ext uri="{91240B29-F687-4f45-9708-019B960494DF}">
-                  <a14:hiddenLine xmlns:a14="http://schemas.microsoft.com/office/drawing/2010/main" xmlns="" w="9525">
+                  <a14:hiddenLine xmlns="" xmlns:a14="http://schemas.microsoft.com/office/drawing/2010/main" w="9525">
                     <a:solidFill>
                       <a:srgbClr val="000000"/>
                     </a:solidFill>
@@ -9827,7 +9832,7 @@
               </a:ln>
               <a:extLst>
                 <a:ext uri="{91240B29-F687-4f45-9708-019B960494DF}">
-                  <a14:hiddenLine xmlns:a14="http://schemas.microsoft.com/office/drawing/2010/main" xmlns="" w="9525">
+                  <a14:hiddenLine xmlns="" xmlns:a14="http://schemas.microsoft.com/office/drawing/2010/main" w="9525">
                     <a:solidFill>
                       <a:srgbClr val="000000"/>
                     </a:solidFill>
@@ -9937,7 +9942,7 @@
               </a:ln>
               <a:extLst>
                 <a:ext uri="{91240B29-F687-4f45-9708-019B960494DF}">
-                  <a14:hiddenLine xmlns:a14="http://schemas.microsoft.com/office/drawing/2010/main" xmlns="" w="9525">
+                  <a14:hiddenLine xmlns="" xmlns:a14="http://schemas.microsoft.com/office/drawing/2010/main" w="9525">
                     <a:solidFill>
                       <a:srgbClr val="000000"/>
                     </a:solidFill>
@@ -10021,7 +10026,7 @@
               </a:ln>
               <a:extLst>
                 <a:ext uri="{91240B29-F687-4f45-9708-019B960494DF}">
-                  <a14:hiddenLine xmlns:a14="http://schemas.microsoft.com/office/drawing/2010/main" xmlns="" w="9525">
+                  <a14:hiddenLine xmlns="" xmlns:a14="http://schemas.microsoft.com/office/drawing/2010/main" w="9525">
                     <a:solidFill>
                       <a:srgbClr val="000000"/>
                     </a:solidFill>
@@ -10083,7 +10088,7 @@
               </a:ln>
               <a:extLst>
                 <a:ext uri="{91240B29-F687-4f45-9708-019B960494DF}">
-                  <a14:hiddenLine xmlns:a14="http://schemas.microsoft.com/office/drawing/2010/main" xmlns="" w="9525">
+                  <a14:hiddenLine xmlns="" xmlns:a14="http://schemas.microsoft.com/office/drawing/2010/main" w="9525">
                     <a:solidFill>
                       <a:srgbClr val="000000"/>
                     </a:solidFill>
@@ -10145,7 +10150,7 @@
               </a:ln>
               <a:extLst>
                 <a:ext uri="{91240B29-F687-4f45-9708-019B960494DF}">
-                  <a14:hiddenLine xmlns:a14="http://schemas.microsoft.com/office/drawing/2010/main" xmlns="" w="9525">
+                  <a14:hiddenLine xmlns="" xmlns:a14="http://schemas.microsoft.com/office/drawing/2010/main" w="9525">
                     <a:solidFill>
                       <a:srgbClr val="000000"/>
                     </a:solidFill>
@@ -10235,7 +10240,7 @@
               </a:ln>
               <a:extLst>
                 <a:ext uri="{91240B29-F687-4f45-9708-019B960494DF}">
-                  <a14:hiddenLine xmlns:a14="http://schemas.microsoft.com/office/drawing/2010/main" xmlns="" w="9525">
+                  <a14:hiddenLine xmlns="" xmlns:a14="http://schemas.microsoft.com/office/drawing/2010/main" w="9525">
                     <a:solidFill>
                       <a:srgbClr val="000000"/>
                     </a:solidFill>
@@ -10269,7 +10274,7 @@
               </a:ln>
               <a:extLst>
                 <a:ext uri="{91240B29-F687-4f45-9708-019B960494DF}">
-                  <a14:hiddenLine xmlns:a14="http://schemas.microsoft.com/office/drawing/2010/main" xmlns="" w="9525">
+                  <a14:hiddenLine xmlns="" xmlns:a14="http://schemas.microsoft.com/office/drawing/2010/main" w="9525">
                     <a:solidFill>
                       <a:srgbClr val="000000"/>
                     </a:solidFill>
@@ -10334,7 +10339,7 @@
               </a:ln>
               <a:extLst>
                 <a:ext uri="{91240B29-F687-4f45-9708-019B960494DF}">
-                  <a14:hiddenLine xmlns:a14="http://schemas.microsoft.com/office/drawing/2010/main" xmlns="" w="9525">
+                  <a14:hiddenLine xmlns="" xmlns:a14="http://schemas.microsoft.com/office/drawing/2010/main" w="9525">
                     <a:solidFill>
                       <a:srgbClr val="000000"/>
                     </a:solidFill>
@@ -10424,7 +10429,7 @@
               </a:ln>
               <a:extLst>
                 <a:ext uri="{91240B29-F687-4f45-9708-019B960494DF}">
-                  <a14:hiddenLine xmlns:a14="http://schemas.microsoft.com/office/drawing/2010/main" xmlns="" w="9525">
+                  <a14:hiddenLine xmlns="" xmlns:a14="http://schemas.microsoft.com/office/drawing/2010/main" w="9525">
                     <a:solidFill>
                       <a:srgbClr val="000000"/>
                     </a:solidFill>
@@ -10486,7 +10491,7 @@
               </a:ln>
               <a:extLst>
                 <a:ext uri="{91240B29-F687-4f45-9708-019B960494DF}">
-                  <a14:hiddenLine xmlns:a14="http://schemas.microsoft.com/office/drawing/2010/main" xmlns="" w="9525">
+                  <a14:hiddenLine xmlns="" xmlns:a14="http://schemas.microsoft.com/office/drawing/2010/main" w="9525">
                     <a:solidFill>
                       <a:srgbClr val="000000"/>
                     </a:solidFill>
@@ -10576,7 +10581,7 @@
               </a:ln>
               <a:extLst>
                 <a:ext uri="{91240B29-F687-4f45-9708-019B960494DF}">
-                  <a14:hiddenLine xmlns:a14="http://schemas.microsoft.com/office/drawing/2010/main" xmlns="" w="9525">
+                  <a14:hiddenLine xmlns="" xmlns:a14="http://schemas.microsoft.com/office/drawing/2010/main" w="9525">
                     <a:solidFill>
                       <a:srgbClr val="000000"/>
                     </a:solidFill>
@@ -10641,7 +10646,7 @@
               </a:ln>
               <a:extLst>
                 <a:ext uri="{91240B29-F687-4f45-9708-019B960494DF}">
-                  <a14:hiddenLine xmlns:a14="http://schemas.microsoft.com/office/drawing/2010/main" xmlns="" w="9525">
+                  <a14:hiddenLine xmlns="" xmlns:a14="http://schemas.microsoft.com/office/drawing/2010/main" w="9525">
                     <a:solidFill>
                       <a:srgbClr val="000000"/>
                     </a:solidFill>
@@ -10703,7 +10708,7 @@
               </a:ln>
               <a:extLst>
                 <a:ext uri="{91240B29-F687-4f45-9708-019B960494DF}">
-                  <a14:hiddenLine xmlns:a14="http://schemas.microsoft.com/office/drawing/2010/main" xmlns="" w="9525">
+                  <a14:hiddenLine xmlns="" xmlns:a14="http://schemas.microsoft.com/office/drawing/2010/main" w="9525">
                     <a:solidFill>
                       <a:srgbClr val="000000"/>
                     </a:solidFill>
@@ -10793,7 +10798,7 @@
               </a:ln>
               <a:extLst>
                 <a:ext uri="{91240B29-F687-4f45-9708-019B960494DF}">
-                  <a14:hiddenLine xmlns:a14="http://schemas.microsoft.com/office/drawing/2010/main" xmlns="" w="9525">
+                  <a14:hiddenLine xmlns="" xmlns:a14="http://schemas.microsoft.com/office/drawing/2010/main" w="9525">
                     <a:solidFill>
                       <a:srgbClr val="000000"/>
                     </a:solidFill>
@@ -10883,7 +10888,7 @@
               </a:ln>
               <a:extLst>
                 <a:ext uri="{91240B29-F687-4f45-9708-019B960494DF}">
-                  <a14:hiddenLine xmlns:a14="http://schemas.microsoft.com/office/drawing/2010/main" xmlns="" w="9525">
+                  <a14:hiddenLine xmlns="" xmlns:a14="http://schemas.microsoft.com/office/drawing/2010/main" w="9525">
                     <a:solidFill>
                       <a:srgbClr val="000000"/>
                     </a:solidFill>
@@ -10948,7 +10953,7 @@
               </a:ln>
               <a:extLst>
                 <a:ext uri="{91240B29-F687-4f45-9708-019B960494DF}">
-                  <a14:hiddenLine xmlns:a14="http://schemas.microsoft.com/office/drawing/2010/main" xmlns="" w="9525">
+                  <a14:hiddenLine xmlns="" xmlns:a14="http://schemas.microsoft.com/office/drawing/2010/main" w="9525">
                     <a:solidFill>
                       <a:srgbClr val="000000"/>
                     </a:solidFill>
@@ -11068,7 +11073,7 @@
               </a:ln>
               <a:extLst>
                 <a:ext uri="{91240B29-F687-4f45-9708-019B960494DF}">
-                  <a14:hiddenLine xmlns:a14="http://schemas.microsoft.com/office/drawing/2010/main" xmlns="" w="9525">
+                  <a14:hiddenLine xmlns="" xmlns:a14="http://schemas.microsoft.com/office/drawing/2010/main" w="9525">
                     <a:solidFill>
                       <a:srgbClr val="000000"/>
                     </a:solidFill>
@@ -11166,7 +11171,7 @@
               </a:ln>
               <a:extLst>
                 <a:ext uri="{91240B29-F687-4f45-9708-019B960494DF}">
-                  <a14:hiddenLine xmlns:a14="http://schemas.microsoft.com/office/drawing/2010/main" xmlns="" w="9525">
+                  <a14:hiddenLine xmlns="" xmlns:a14="http://schemas.microsoft.com/office/drawing/2010/main" w="9525">
                     <a:solidFill>
                       <a:srgbClr val="000000"/>
                     </a:solidFill>
@@ -11281,7 +11286,7 @@
               </a:ln>
               <a:extLst>
                 <a:ext uri="{91240B29-F687-4f45-9708-019B960494DF}">
-                  <a14:hiddenLine xmlns:a14="http://schemas.microsoft.com/office/drawing/2010/main" xmlns="" w="9525">
+                  <a14:hiddenLine xmlns="" xmlns:a14="http://schemas.microsoft.com/office/drawing/2010/main" w="9525">
                     <a:solidFill>
                       <a:srgbClr val="000000"/>
                     </a:solidFill>
@@ -11371,7 +11376,7 @@
               </a:ln>
               <a:extLst>
                 <a:ext uri="{91240B29-F687-4f45-9708-019B960494DF}">
-                  <a14:hiddenLine xmlns:a14="http://schemas.microsoft.com/office/drawing/2010/main" xmlns="" w="9525">
+                  <a14:hiddenLine xmlns="" xmlns:a14="http://schemas.microsoft.com/office/drawing/2010/main" w="9525">
                     <a:solidFill>
                       <a:srgbClr val="000000"/>
                     </a:solidFill>
@@ -11436,7 +11441,7 @@
               </a:ln>
               <a:extLst>
                 <a:ext uri="{91240B29-F687-4f45-9708-019B960494DF}">
-                  <a14:hiddenLine xmlns:a14="http://schemas.microsoft.com/office/drawing/2010/main" xmlns="" w="9525">
+                  <a14:hiddenLine xmlns="" xmlns:a14="http://schemas.microsoft.com/office/drawing/2010/main" w="9525">
                     <a:solidFill>
                       <a:srgbClr val="000000"/>
                     </a:solidFill>
@@ -11526,7 +11531,7 @@
               </a:ln>
               <a:extLst>
                 <a:ext uri="{91240B29-F687-4f45-9708-019B960494DF}">
-                  <a14:hiddenLine xmlns:a14="http://schemas.microsoft.com/office/drawing/2010/main" xmlns="" w="9525">
+                  <a14:hiddenLine xmlns="" xmlns:a14="http://schemas.microsoft.com/office/drawing/2010/main" w="9525">
                     <a:solidFill>
                       <a:srgbClr val="000000"/>
                     </a:solidFill>
@@ -11594,7 +11599,7 @@
               </a:ln>
               <a:extLst>
                 <a:ext uri="{91240B29-F687-4f45-9708-019B960494DF}">
-                  <a14:hiddenLine xmlns:a14="http://schemas.microsoft.com/office/drawing/2010/main" xmlns="" w="9525">
+                  <a14:hiddenLine xmlns="" xmlns:a14="http://schemas.microsoft.com/office/drawing/2010/main" w="9525">
                     <a:solidFill>
                       <a:srgbClr val="000000"/>
                     </a:solidFill>
@@ -11684,7 +11689,7 @@
               </a:ln>
               <a:extLst>
                 <a:ext uri="{91240B29-F687-4f45-9708-019B960494DF}">
-                  <a14:hiddenLine xmlns:a14="http://schemas.microsoft.com/office/drawing/2010/main" xmlns="" w="9525">
+                  <a14:hiddenLine xmlns="" xmlns:a14="http://schemas.microsoft.com/office/drawing/2010/main" w="9525">
                     <a:solidFill>
                       <a:srgbClr val="000000"/>
                     </a:solidFill>
@@ -11752,7 +11757,7 @@
               </a:ln>
               <a:extLst>
                 <a:ext uri="{91240B29-F687-4f45-9708-019B960494DF}">
-                  <a14:hiddenLine xmlns:a14="http://schemas.microsoft.com/office/drawing/2010/main" xmlns="" w="9525">
+                  <a14:hiddenLine xmlns="" xmlns:a14="http://schemas.microsoft.com/office/drawing/2010/main" w="9525">
                     <a:solidFill>
                       <a:srgbClr val="000000"/>
                     </a:solidFill>
@@ -11842,7 +11847,7 @@
               </a:ln>
               <a:extLst>
                 <a:ext uri="{91240B29-F687-4f45-9708-019B960494DF}">
-                  <a14:hiddenLine xmlns:a14="http://schemas.microsoft.com/office/drawing/2010/main" xmlns="" w="9525">
+                  <a14:hiddenLine xmlns="" xmlns:a14="http://schemas.microsoft.com/office/drawing/2010/main" w="9525">
                     <a:solidFill>
                       <a:srgbClr val="000000"/>
                     </a:solidFill>
@@ -11876,7 +11881,7 @@
               </a:ln>
               <a:extLst>
                 <a:ext uri="{91240B29-F687-4f45-9708-019B960494DF}">
-                  <a14:hiddenLine xmlns:a14="http://schemas.microsoft.com/office/drawing/2010/main" xmlns="" w="9525">
+                  <a14:hiddenLine xmlns="" xmlns:a14="http://schemas.microsoft.com/office/drawing/2010/main" w="9525">
                     <a:solidFill>
                       <a:srgbClr val="000000"/>
                     </a:solidFill>
@@ -12016,7 +12021,7 @@
           <a:p>
             <a:fld id="{8B6C2AFC-E312-4DF4-802C-A2004B667576}" type="datetimeFigureOut">
               <a:rPr lang="en-GB" smtClean="0"/>
-              <a:t>16/05/2020</a:t>
+              <a:t>18/05/2020</a:t>
             </a:fld>
             <a:endParaRPr lang="en-GB"/>
           </a:p>
@@ -12793,11 +12798,23 @@
           <a:p>
             <a:r>
               <a:rPr lang="en-US" dirty="0"/>
-              <a:t>Artificially discourages complex equations </a:t>
+              <a:t>Artificially discourages complex equations and solutions.</a:t>
+            </a:r>
+          </a:p>
+          <a:p>
+            <a:r>
+              <a:rPr lang="en-GB" dirty="0"/>
+              <a:t>The most common types of regularisation are L2 and L1 Norm.</a:t>
+            </a:r>
+          </a:p>
+          <a:p>
+            <a:r>
+              <a:rPr lang="en-GB" dirty="0"/>
+              <a:t>The core idea remains the same, the only difference comes in the way one adds a penalty system in the </a:t>
             </a:r>
             <a:r>
-              <a:rPr lang="en-US"/>
-              <a:t>and solutions.</a:t>
+              <a:rPr lang="en-GB"/>
+              <a:t>loss function.</a:t>
             </a:r>
             <a:endParaRPr lang="en-GB" dirty="0"/>
           </a:p>
@@ -12883,7 +12900,13 @@
           <a:bodyPr/>
           <a:lstStyle/>
           <a:p>
-            <a:endParaRPr lang="en-GB"/>
+            <a:r>
+              <a:rPr lang="en-US" dirty="0"/>
+              <a:t>In this project, I used L1 norm to implement regularization in the model.</a:t>
+            </a:r>
+          </a:p>
+          <a:p>
+            <a:endParaRPr lang="en-GB" dirty="0"/>
           </a:p>
         </p:txBody>
       </p:sp>

--- a/CS383/honours/presentation.pptx
+++ b/CS383/honours/presentation.pptx
@@ -167,7 +167,7 @@
           <a:noFill/>
           <a:extLst>
             <a:ext uri="{909E8E84-426E-40dd-AFC4-6F175D3DCCD1}">
-              <a14:hiddenFill xmlns="" xmlns:a14="http://schemas.microsoft.com/office/drawing/2010/main">
+              <a14:hiddenFill xmlns:a14="http://schemas.microsoft.com/office/drawing/2010/main" xmlns="">
                 <a:solidFill>
                   <a:srgbClr val="FFFFFF"/>
                 </a:solidFill>
@@ -227,7 +227,7 @@
             </a:ln>
             <a:extLst>
               <a:ext uri="{91240B29-F687-4f45-9708-019B960494DF}">
-                <a14:hiddenLine xmlns="" xmlns:a14="http://schemas.microsoft.com/office/drawing/2010/main" w="9525">
+                <a14:hiddenLine xmlns:a14="http://schemas.microsoft.com/office/drawing/2010/main" xmlns="" w="9525">
                   <a:solidFill>
                     <a:srgbClr val="000000"/>
                   </a:solidFill>
@@ -317,7 +317,7 @@
             </a:ln>
             <a:extLst>
               <a:ext uri="{91240B29-F687-4f45-9708-019B960494DF}">
-                <a14:hiddenLine xmlns="" xmlns:a14="http://schemas.microsoft.com/office/drawing/2010/main" w="9525">
+                <a14:hiddenLine xmlns:a14="http://schemas.microsoft.com/office/drawing/2010/main" xmlns="" w="9525">
                   <a:solidFill>
                     <a:srgbClr val="000000"/>
                   </a:solidFill>
@@ -407,7 +407,7 @@
             </a:ln>
             <a:extLst>
               <a:ext uri="{91240B29-F687-4f45-9708-019B960494DF}">
-                <a14:hiddenLine xmlns="" xmlns:a14="http://schemas.microsoft.com/office/drawing/2010/main" w="9525">
+                <a14:hiddenLine xmlns:a14="http://schemas.microsoft.com/office/drawing/2010/main" xmlns="" w="9525">
                   <a:solidFill>
                     <a:srgbClr val="000000"/>
                   </a:solidFill>
@@ -441,7 +441,7 @@
             </a:ln>
             <a:extLst>
               <a:ext uri="{91240B29-F687-4f45-9708-019B960494DF}">
-                <a14:hiddenLine xmlns="" xmlns:a14="http://schemas.microsoft.com/office/drawing/2010/main" w="9525">
+                <a14:hiddenLine xmlns:a14="http://schemas.microsoft.com/office/drawing/2010/main" xmlns="" w="9525">
                   <a:solidFill>
                     <a:srgbClr val="000000"/>
                   </a:solidFill>
@@ -531,7 +531,7 @@
             </a:ln>
             <a:extLst>
               <a:ext uri="{91240B29-F687-4f45-9708-019B960494DF}">
-                <a14:hiddenLine xmlns="" xmlns:a14="http://schemas.microsoft.com/office/drawing/2010/main" w="9525">
+                <a14:hiddenLine xmlns:a14="http://schemas.microsoft.com/office/drawing/2010/main" xmlns="" w="9525">
                   <a:solidFill>
                     <a:srgbClr val="000000"/>
                   </a:solidFill>
@@ -593,7 +593,7 @@
             </a:ln>
             <a:extLst>
               <a:ext uri="{91240B29-F687-4f45-9708-019B960494DF}">
-                <a14:hiddenLine xmlns="" xmlns:a14="http://schemas.microsoft.com/office/drawing/2010/main" w="9525">
+                <a14:hiddenLine xmlns:a14="http://schemas.microsoft.com/office/drawing/2010/main" xmlns="" w="9525">
                   <a:solidFill>
                     <a:srgbClr val="000000"/>
                   </a:solidFill>
@@ -655,7 +655,7 @@
             </a:ln>
             <a:extLst>
               <a:ext uri="{91240B29-F687-4f45-9708-019B960494DF}">
-                <a14:hiddenLine xmlns="" xmlns:a14="http://schemas.microsoft.com/office/drawing/2010/main" w="9525">
+                <a14:hiddenLine xmlns:a14="http://schemas.microsoft.com/office/drawing/2010/main" xmlns="" w="9525">
                   <a:solidFill>
                     <a:srgbClr val="000000"/>
                   </a:solidFill>
@@ -745,7 +745,7 @@
             </a:ln>
             <a:extLst>
               <a:ext uri="{91240B29-F687-4f45-9708-019B960494DF}">
-                <a14:hiddenLine xmlns="" xmlns:a14="http://schemas.microsoft.com/office/drawing/2010/main" w="9525">
+                <a14:hiddenLine xmlns:a14="http://schemas.microsoft.com/office/drawing/2010/main" xmlns="" w="9525">
                   <a:solidFill>
                     <a:srgbClr val="000000"/>
                   </a:solidFill>
@@ -807,7 +807,7 @@
             </a:ln>
             <a:extLst>
               <a:ext uri="{91240B29-F687-4f45-9708-019B960494DF}">
-                <a14:hiddenLine xmlns="" xmlns:a14="http://schemas.microsoft.com/office/drawing/2010/main" w="9525">
+                <a14:hiddenLine xmlns:a14="http://schemas.microsoft.com/office/drawing/2010/main" xmlns="" w="9525">
                   <a:solidFill>
                     <a:srgbClr val="000000"/>
                   </a:solidFill>
@@ -869,7 +869,7 @@
             </a:ln>
             <a:extLst>
               <a:ext uri="{91240B29-F687-4f45-9708-019B960494DF}">
-                <a14:hiddenLine xmlns="" xmlns:a14="http://schemas.microsoft.com/office/drawing/2010/main" w="9525">
+                <a14:hiddenLine xmlns:a14="http://schemas.microsoft.com/office/drawing/2010/main" xmlns="" w="9525">
                   <a:solidFill>
                     <a:srgbClr val="000000"/>
                   </a:solidFill>
@@ -959,7 +959,7 @@
             </a:ln>
             <a:extLst>
               <a:ext uri="{91240B29-F687-4f45-9708-019B960494DF}">
-                <a14:hiddenLine xmlns="" xmlns:a14="http://schemas.microsoft.com/office/drawing/2010/main" w="9525">
+                <a14:hiddenLine xmlns:a14="http://schemas.microsoft.com/office/drawing/2010/main" xmlns="" w="9525">
                   <a:solidFill>
                     <a:srgbClr val="000000"/>
                   </a:solidFill>
@@ -1049,7 +1049,7 @@
             </a:ln>
             <a:extLst>
               <a:ext uri="{91240B29-F687-4f45-9708-019B960494DF}">
-                <a14:hiddenLine xmlns="" xmlns:a14="http://schemas.microsoft.com/office/drawing/2010/main" w="9525">
+                <a14:hiddenLine xmlns:a14="http://schemas.microsoft.com/office/drawing/2010/main" xmlns="" w="9525">
                   <a:solidFill>
                     <a:srgbClr val="000000"/>
                   </a:solidFill>
@@ -1111,7 +1111,7 @@
             </a:ln>
             <a:extLst>
               <a:ext uri="{91240B29-F687-4f45-9708-019B960494DF}">
-                <a14:hiddenLine xmlns="" xmlns:a14="http://schemas.microsoft.com/office/drawing/2010/main" w="9525">
+                <a14:hiddenLine xmlns:a14="http://schemas.microsoft.com/office/drawing/2010/main" xmlns="" w="9525">
                   <a:solidFill>
                     <a:srgbClr val="000000"/>
                   </a:solidFill>
@@ -1221,7 +1221,7 @@
             </a:ln>
             <a:extLst>
               <a:ext uri="{91240B29-F687-4f45-9708-019B960494DF}">
-                <a14:hiddenLine xmlns="" xmlns:a14="http://schemas.microsoft.com/office/drawing/2010/main" w="9525">
+                <a14:hiddenLine xmlns:a14="http://schemas.microsoft.com/office/drawing/2010/main" xmlns="" w="9525">
                   <a:solidFill>
                     <a:srgbClr val="000000"/>
                   </a:solidFill>
@@ -1283,7 +1283,7 @@
             </a:ln>
             <a:extLst>
               <a:ext uri="{91240B29-F687-4f45-9708-019B960494DF}">
-                <a14:hiddenLine xmlns="" xmlns:a14="http://schemas.microsoft.com/office/drawing/2010/main" w="9525">
+                <a14:hiddenLine xmlns:a14="http://schemas.microsoft.com/office/drawing/2010/main" xmlns="" w="9525">
                   <a:solidFill>
                     <a:srgbClr val="000000"/>
                   </a:solidFill>
@@ -1373,7 +1373,7 @@
             </a:ln>
             <a:extLst>
               <a:ext uri="{91240B29-F687-4f45-9708-019B960494DF}">
-                <a14:hiddenLine xmlns="" xmlns:a14="http://schemas.microsoft.com/office/drawing/2010/main" w="9525">
+                <a14:hiddenLine xmlns:a14="http://schemas.microsoft.com/office/drawing/2010/main" xmlns="" w="9525">
                   <a:solidFill>
                     <a:srgbClr val="000000"/>
                   </a:solidFill>
@@ -1463,7 +1463,7 @@
             </a:ln>
             <a:extLst>
               <a:ext uri="{91240B29-F687-4f45-9708-019B960494DF}">
-                <a14:hiddenLine xmlns="" xmlns:a14="http://schemas.microsoft.com/office/drawing/2010/main" w="9525">
+                <a14:hiddenLine xmlns:a14="http://schemas.microsoft.com/office/drawing/2010/main" xmlns="" w="9525">
                   <a:solidFill>
                     <a:srgbClr val="000000"/>
                   </a:solidFill>
@@ -1525,7 +1525,7 @@
             </a:ln>
             <a:extLst>
               <a:ext uri="{91240B29-F687-4f45-9708-019B960494DF}">
-                <a14:hiddenLine xmlns="" xmlns:a14="http://schemas.microsoft.com/office/drawing/2010/main" w="9525">
+                <a14:hiddenLine xmlns:a14="http://schemas.microsoft.com/office/drawing/2010/main" xmlns="" w="9525">
                   <a:solidFill>
                     <a:srgbClr val="000000"/>
                   </a:solidFill>
@@ -1615,7 +1615,7 @@
             </a:ln>
             <a:extLst>
               <a:ext uri="{91240B29-F687-4f45-9708-019B960494DF}">
-                <a14:hiddenLine xmlns="" xmlns:a14="http://schemas.microsoft.com/office/drawing/2010/main" w="9525">
+                <a14:hiddenLine xmlns:a14="http://schemas.microsoft.com/office/drawing/2010/main" xmlns="" w="9525">
                   <a:solidFill>
                     <a:srgbClr val="000000"/>
                   </a:solidFill>
@@ -1705,7 +1705,7 @@
             </a:ln>
             <a:extLst>
               <a:ext uri="{91240B29-F687-4f45-9708-019B960494DF}">
-                <a14:hiddenLine xmlns="" xmlns:a14="http://schemas.microsoft.com/office/drawing/2010/main" w="9525">
+                <a14:hiddenLine xmlns:a14="http://schemas.microsoft.com/office/drawing/2010/main" xmlns="" w="9525">
                   <a:solidFill>
                     <a:srgbClr val="000000"/>
                   </a:solidFill>
@@ -1761,7 +1761,7 @@
             </a:ln>
             <a:extLst>
               <a:ext uri="{91240B29-F687-4f45-9708-019B960494DF}">
-                <a14:hiddenLine xmlns="" xmlns:a14="http://schemas.microsoft.com/office/drawing/2010/main" w="9525">
+                <a14:hiddenLine xmlns:a14="http://schemas.microsoft.com/office/drawing/2010/main" xmlns="" w="9525">
                   <a:solidFill>
                     <a:srgbClr val="000000"/>
                   </a:solidFill>
@@ -1851,7 +1851,7 @@
             </a:ln>
             <a:extLst>
               <a:ext uri="{91240B29-F687-4f45-9708-019B960494DF}">
-                <a14:hiddenLine xmlns="" xmlns:a14="http://schemas.microsoft.com/office/drawing/2010/main" w="9525">
+                <a14:hiddenLine xmlns:a14="http://schemas.microsoft.com/office/drawing/2010/main" xmlns="" w="9525">
                   <a:solidFill>
                     <a:srgbClr val="000000"/>
                   </a:solidFill>
@@ -1907,7 +1907,7 @@
             </a:ln>
             <a:extLst>
               <a:ext uri="{91240B29-F687-4f45-9708-019B960494DF}">
-                <a14:hiddenLine xmlns="" xmlns:a14="http://schemas.microsoft.com/office/drawing/2010/main" w="9525">
+                <a14:hiddenLine xmlns:a14="http://schemas.microsoft.com/office/drawing/2010/main" xmlns="" w="9525">
                   <a:solidFill>
                     <a:srgbClr val="000000"/>
                   </a:solidFill>
@@ -1997,7 +1997,7 @@
             </a:ln>
             <a:extLst>
               <a:ext uri="{91240B29-F687-4f45-9708-019B960494DF}">
-                <a14:hiddenLine xmlns="" xmlns:a14="http://schemas.microsoft.com/office/drawing/2010/main" w="9525">
+                <a14:hiddenLine xmlns:a14="http://schemas.microsoft.com/office/drawing/2010/main" xmlns="" w="9525">
                   <a:solidFill>
                     <a:srgbClr val="000000"/>
                   </a:solidFill>
@@ -2065,7 +2065,7 @@
             </a:ln>
             <a:extLst>
               <a:ext uri="{91240B29-F687-4f45-9708-019B960494DF}">
-                <a14:hiddenLine xmlns="" xmlns:a14="http://schemas.microsoft.com/office/drawing/2010/main" w="9525">
+                <a14:hiddenLine xmlns:a14="http://schemas.microsoft.com/office/drawing/2010/main" xmlns="" w="9525">
                   <a:solidFill>
                     <a:srgbClr val="000000"/>
                   </a:solidFill>
@@ -2155,7 +2155,7 @@
             </a:ln>
             <a:extLst>
               <a:ext uri="{91240B29-F687-4f45-9708-019B960494DF}">
-                <a14:hiddenLine xmlns="" xmlns:a14="http://schemas.microsoft.com/office/drawing/2010/main" w="9525">
+                <a14:hiddenLine xmlns:a14="http://schemas.microsoft.com/office/drawing/2010/main" xmlns="" w="9525">
                   <a:solidFill>
                     <a:srgbClr val="000000"/>
                   </a:solidFill>
@@ -2223,7 +2223,7 @@
             </a:ln>
             <a:extLst>
               <a:ext uri="{91240B29-F687-4f45-9708-019B960494DF}">
-                <a14:hiddenLine xmlns="" xmlns:a14="http://schemas.microsoft.com/office/drawing/2010/main" w="9525">
+                <a14:hiddenLine xmlns:a14="http://schemas.microsoft.com/office/drawing/2010/main" xmlns="" w="9525">
                   <a:solidFill>
                     <a:srgbClr val="000000"/>
                   </a:solidFill>
@@ -2313,7 +2313,7 @@
             </a:ln>
             <a:extLst>
               <a:ext uri="{91240B29-F687-4f45-9708-019B960494DF}">
-                <a14:hiddenLine xmlns="" xmlns:a14="http://schemas.microsoft.com/office/drawing/2010/main" w="9525">
+                <a14:hiddenLine xmlns:a14="http://schemas.microsoft.com/office/drawing/2010/main" xmlns="" w="9525">
                   <a:solidFill>
                     <a:srgbClr val="000000"/>
                   </a:solidFill>
@@ -2347,7 +2347,7 @@
             </a:ln>
             <a:extLst>
               <a:ext uri="{91240B29-F687-4f45-9708-019B960494DF}">
-                <a14:hiddenLine xmlns="" xmlns:a14="http://schemas.microsoft.com/office/drawing/2010/main" w="9525">
+                <a14:hiddenLine xmlns:a14="http://schemas.microsoft.com/office/drawing/2010/main" xmlns="" w="9525">
                   <a:solidFill>
                     <a:srgbClr val="000000"/>
                   </a:solidFill>
@@ -2437,7 +2437,7 @@
             </a:ln>
             <a:extLst>
               <a:ext uri="{91240B29-F687-4f45-9708-019B960494DF}">
-                <a14:hiddenLine xmlns="" xmlns:a14="http://schemas.microsoft.com/office/drawing/2010/main" w="9525">
+                <a14:hiddenLine xmlns:a14="http://schemas.microsoft.com/office/drawing/2010/main" xmlns="" w="9525">
                   <a:solidFill>
                     <a:srgbClr val="000000"/>
                   </a:solidFill>
@@ -2499,7 +2499,7 @@
             </a:ln>
             <a:extLst>
               <a:ext uri="{91240B29-F687-4f45-9708-019B960494DF}">
-                <a14:hiddenLine xmlns="" xmlns:a14="http://schemas.microsoft.com/office/drawing/2010/main" w="9525">
+                <a14:hiddenLine xmlns:a14="http://schemas.microsoft.com/office/drawing/2010/main" xmlns="" w="9525">
                   <a:solidFill>
                     <a:srgbClr val="000000"/>
                   </a:solidFill>
@@ -2561,7 +2561,7 @@
             </a:ln>
             <a:extLst>
               <a:ext uri="{91240B29-F687-4f45-9708-019B960494DF}">
-                <a14:hiddenLine xmlns="" xmlns:a14="http://schemas.microsoft.com/office/drawing/2010/main" w="9525">
+                <a14:hiddenLine xmlns:a14="http://schemas.microsoft.com/office/drawing/2010/main" xmlns="" w="9525">
                   <a:solidFill>
                     <a:srgbClr val="000000"/>
                   </a:solidFill>
@@ -2651,7 +2651,7 @@
             </a:ln>
             <a:extLst>
               <a:ext uri="{91240B29-F687-4f45-9708-019B960494DF}">
-                <a14:hiddenLine xmlns="" xmlns:a14="http://schemas.microsoft.com/office/drawing/2010/main" w="9525">
+                <a14:hiddenLine xmlns:a14="http://schemas.microsoft.com/office/drawing/2010/main" xmlns="" w="9525">
                   <a:solidFill>
                     <a:srgbClr val="000000"/>
                   </a:solidFill>
@@ -2719,7 +2719,7 @@
             </a:ln>
             <a:extLst>
               <a:ext uri="{91240B29-F687-4f45-9708-019B960494DF}">
-                <a14:hiddenLine xmlns="" xmlns:a14="http://schemas.microsoft.com/office/drawing/2010/main" w="9525">
+                <a14:hiddenLine xmlns:a14="http://schemas.microsoft.com/office/drawing/2010/main" xmlns="" w="9525">
                   <a:solidFill>
                     <a:srgbClr val="000000"/>
                   </a:solidFill>
@@ -2781,7 +2781,7 @@
             </a:ln>
             <a:extLst>
               <a:ext uri="{91240B29-F687-4f45-9708-019B960494DF}">
-                <a14:hiddenLine xmlns="" xmlns:a14="http://schemas.microsoft.com/office/drawing/2010/main" w="9525">
+                <a14:hiddenLine xmlns:a14="http://schemas.microsoft.com/office/drawing/2010/main" xmlns="" w="9525">
                   <a:solidFill>
                     <a:srgbClr val="000000"/>
                   </a:solidFill>
@@ -2871,7 +2871,7 @@
             </a:ln>
             <a:extLst>
               <a:ext uri="{91240B29-F687-4f45-9708-019B960494DF}">
-                <a14:hiddenLine xmlns="" xmlns:a14="http://schemas.microsoft.com/office/drawing/2010/main" w="9525">
+                <a14:hiddenLine xmlns:a14="http://schemas.microsoft.com/office/drawing/2010/main" xmlns="" w="9525">
                   <a:solidFill>
                     <a:srgbClr val="000000"/>
                   </a:solidFill>
@@ -2933,7 +2933,7 @@
             </a:ln>
             <a:extLst>
               <a:ext uri="{91240B29-F687-4f45-9708-019B960494DF}">
-                <a14:hiddenLine xmlns="" xmlns:a14="http://schemas.microsoft.com/office/drawing/2010/main" w="9525">
+                <a14:hiddenLine xmlns:a14="http://schemas.microsoft.com/office/drawing/2010/main" xmlns="" w="9525">
                   <a:solidFill>
                     <a:srgbClr val="000000"/>
                   </a:solidFill>
@@ -3023,7 +3023,7 @@
             </a:ln>
             <a:extLst>
               <a:ext uri="{91240B29-F687-4f45-9708-019B960494DF}">
-                <a14:hiddenLine xmlns="" xmlns:a14="http://schemas.microsoft.com/office/drawing/2010/main" w="9525">
+                <a14:hiddenLine xmlns:a14="http://schemas.microsoft.com/office/drawing/2010/main" xmlns="" w="9525">
                   <a:solidFill>
                     <a:srgbClr val="000000"/>
                   </a:solidFill>
@@ -3085,7 +3085,7 @@
             </a:ln>
             <a:extLst>
               <a:ext uri="{91240B29-F687-4f45-9708-019B960494DF}">
-                <a14:hiddenLine xmlns="" xmlns:a14="http://schemas.microsoft.com/office/drawing/2010/main" w="9525">
+                <a14:hiddenLine xmlns:a14="http://schemas.microsoft.com/office/drawing/2010/main" xmlns="" w="9525">
                   <a:solidFill>
                     <a:srgbClr val="000000"/>
                   </a:solidFill>
@@ -3175,7 +3175,7 @@
             </a:ln>
             <a:extLst>
               <a:ext uri="{91240B29-F687-4f45-9708-019B960494DF}">
-                <a14:hiddenLine xmlns="" xmlns:a14="http://schemas.microsoft.com/office/drawing/2010/main" w="9525">
+                <a14:hiddenLine xmlns:a14="http://schemas.microsoft.com/office/drawing/2010/main" xmlns="" w="9525">
                   <a:solidFill>
                     <a:srgbClr val="000000"/>
                   </a:solidFill>
@@ -3209,7 +3209,7 @@
             </a:ln>
             <a:extLst>
               <a:ext uri="{91240B29-F687-4f45-9708-019B960494DF}">
-                <a14:hiddenLine xmlns="" xmlns:a14="http://schemas.microsoft.com/office/drawing/2010/main" w="9525">
+                <a14:hiddenLine xmlns:a14="http://schemas.microsoft.com/office/drawing/2010/main" xmlns="" w="9525">
                   <a:solidFill>
                     <a:srgbClr val="000000"/>
                   </a:solidFill>
@@ -3274,7 +3274,7 @@
             </a:ln>
             <a:extLst>
               <a:ext uri="{91240B29-F687-4f45-9708-019B960494DF}">
-                <a14:hiddenLine xmlns="" xmlns:a14="http://schemas.microsoft.com/office/drawing/2010/main" w="9525">
+                <a14:hiddenLine xmlns:a14="http://schemas.microsoft.com/office/drawing/2010/main" xmlns="" w="9525">
                   <a:solidFill>
                     <a:srgbClr val="000000"/>
                   </a:solidFill>
@@ -3364,7 +3364,7 @@
             </a:ln>
             <a:extLst>
               <a:ext uri="{91240B29-F687-4f45-9708-019B960494DF}">
-                <a14:hiddenLine xmlns="" xmlns:a14="http://schemas.microsoft.com/office/drawing/2010/main" w="9525">
+                <a14:hiddenLine xmlns:a14="http://schemas.microsoft.com/office/drawing/2010/main" xmlns="" w="9525">
                   <a:solidFill>
                     <a:srgbClr val="000000"/>
                   </a:solidFill>
@@ -3426,7 +3426,7 @@
             </a:ln>
             <a:extLst>
               <a:ext uri="{91240B29-F687-4f45-9708-019B960494DF}">
-                <a14:hiddenLine xmlns="" xmlns:a14="http://schemas.microsoft.com/office/drawing/2010/main" w="9525">
+                <a14:hiddenLine xmlns:a14="http://schemas.microsoft.com/office/drawing/2010/main" xmlns="" w="9525">
                   <a:solidFill>
                     <a:srgbClr val="000000"/>
                   </a:solidFill>
@@ -3516,7 +3516,7 @@
             </a:ln>
             <a:extLst>
               <a:ext uri="{91240B29-F687-4f45-9708-019B960494DF}">
-                <a14:hiddenLine xmlns="" xmlns:a14="http://schemas.microsoft.com/office/drawing/2010/main" w="9525">
+                <a14:hiddenLine xmlns:a14="http://schemas.microsoft.com/office/drawing/2010/main" xmlns="" w="9525">
                   <a:solidFill>
                     <a:srgbClr val="000000"/>
                   </a:solidFill>
@@ -3606,7 +3606,7 @@
             </a:ln>
             <a:extLst>
               <a:ext uri="{91240B29-F687-4f45-9708-019B960494DF}">
-                <a14:hiddenLine xmlns="" xmlns:a14="http://schemas.microsoft.com/office/drawing/2010/main" w="9525">
+                <a14:hiddenLine xmlns:a14="http://schemas.microsoft.com/office/drawing/2010/main" xmlns="" w="9525">
                   <a:solidFill>
                     <a:srgbClr val="000000"/>
                   </a:solidFill>
@@ -3671,7 +3671,7 @@
             </a:ln>
             <a:extLst>
               <a:ext uri="{91240B29-F687-4f45-9708-019B960494DF}">
-                <a14:hiddenLine xmlns="" xmlns:a14="http://schemas.microsoft.com/office/drawing/2010/main" w="9525">
+                <a14:hiddenLine xmlns:a14="http://schemas.microsoft.com/office/drawing/2010/main" xmlns="" w="9525">
                   <a:solidFill>
                     <a:srgbClr val="000000"/>
                   </a:solidFill>
@@ -3733,7 +3733,7 @@
             </a:ln>
             <a:extLst>
               <a:ext uri="{91240B29-F687-4f45-9708-019B960494DF}">
-                <a14:hiddenLine xmlns="" xmlns:a14="http://schemas.microsoft.com/office/drawing/2010/main" w="9525">
+                <a14:hiddenLine xmlns:a14="http://schemas.microsoft.com/office/drawing/2010/main" xmlns="" w="9525">
                   <a:solidFill>
                     <a:srgbClr val="000000"/>
                   </a:solidFill>
@@ -3823,7 +3823,7 @@
             </a:ln>
             <a:extLst>
               <a:ext uri="{91240B29-F687-4f45-9708-019B960494DF}">
-                <a14:hiddenLine xmlns="" xmlns:a14="http://schemas.microsoft.com/office/drawing/2010/main" w="9525">
+                <a14:hiddenLine xmlns:a14="http://schemas.microsoft.com/office/drawing/2010/main" xmlns="" w="9525">
                   <a:solidFill>
                     <a:srgbClr val="000000"/>
                   </a:solidFill>
@@ -3913,7 +3913,7 @@
             </a:ln>
             <a:extLst>
               <a:ext uri="{91240B29-F687-4f45-9708-019B960494DF}">
-                <a14:hiddenLine xmlns="" xmlns:a14="http://schemas.microsoft.com/office/drawing/2010/main" w="9525">
+                <a14:hiddenLine xmlns:a14="http://schemas.microsoft.com/office/drawing/2010/main" xmlns="" w="9525">
                   <a:solidFill>
                     <a:srgbClr val="000000"/>
                   </a:solidFill>
@@ -3975,7 +3975,7 @@
             </a:ln>
             <a:extLst>
               <a:ext uri="{91240B29-F687-4f45-9708-019B960494DF}">
-                <a14:hiddenLine xmlns="" xmlns:a14="http://schemas.microsoft.com/office/drawing/2010/main" w="9525">
+                <a14:hiddenLine xmlns:a14="http://schemas.microsoft.com/office/drawing/2010/main" xmlns="" w="9525">
                   <a:solidFill>
                     <a:srgbClr val="000000"/>
                   </a:solidFill>
@@ -4095,7 +4095,7 @@
             </a:ln>
             <a:extLst>
               <a:ext uri="{91240B29-F687-4f45-9708-019B960494DF}">
-                <a14:hiddenLine xmlns="" xmlns:a14="http://schemas.microsoft.com/office/drawing/2010/main" w="9525">
+                <a14:hiddenLine xmlns:a14="http://schemas.microsoft.com/office/drawing/2010/main" xmlns="" w="9525">
                   <a:solidFill>
                     <a:srgbClr val="000000"/>
                   </a:solidFill>
@@ -4163,7 +4163,7 @@
             </a:ln>
             <a:extLst>
               <a:ext uri="{91240B29-F687-4f45-9708-019B960494DF}">
-                <a14:hiddenLine xmlns="" xmlns:a14="http://schemas.microsoft.com/office/drawing/2010/main" w="9525">
+                <a14:hiddenLine xmlns:a14="http://schemas.microsoft.com/office/drawing/2010/main" xmlns="" w="9525">
                   <a:solidFill>
                     <a:srgbClr val="000000"/>
                   </a:solidFill>
@@ -4253,7 +4253,7 @@
             </a:ln>
             <a:extLst>
               <a:ext uri="{91240B29-F687-4f45-9708-019B960494DF}">
-                <a14:hiddenLine xmlns="" xmlns:a14="http://schemas.microsoft.com/office/drawing/2010/main" w="9525">
+                <a14:hiddenLine xmlns:a14="http://schemas.microsoft.com/office/drawing/2010/main" xmlns="" w="9525">
                   <a:solidFill>
                     <a:srgbClr val="000000"/>
                   </a:solidFill>
@@ -4393,7 +4393,7 @@
           <a:p>
             <a:fld id="{8B6C2AFC-E312-4DF4-802C-A2004B667576}" type="datetimeFigureOut">
               <a:rPr lang="en-GB" smtClean="0"/>
-              <a:t>18/05/2020</a:t>
+              <a:t>01/06/2020</a:t>
             </a:fld>
             <a:endParaRPr lang="en-GB"/>
           </a:p>
@@ -4660,7 +4660,7 @@
           <a:p>
             <a:fld id="{8B6C2AFC-E312-4DF4-802C-A2004B667576}" type="datetimeFigureOut">
               <a:rPr lang="en-GB" smtClean="0"/>
-              <a:t>18/05/2020</a:t>
+              <a:t>01/06/2020</a:t>
             </a:fld>
             <a:endParaRPr lang="en-GB"/>
           </a:p>
@@ -4856,7 +4856,7 @@
           <a:p>
             <a:fld id="{8B6C2AFC-E312-4DF4-802C-A2004B667576}" type="datetimeFigureOut">
               <a:rPr lang="en-GB" smtClean="0"/>
-              <a:t>18/05/2020</a:t>
+              <a:t>01/06/2020</a:t>
             </a:fld>
             <a:endParaRPr lang="en-GB"/>
           </a:p>
@@ -5119,7 +5119,7 @@
           <a:p>
             <a:fld id="{8B6C2AFC-E312-4DF4-802C-A2004B667576}" type="datetimeFigureOut">
               <a:rPr lang="en-GB" smtClean="0"/>
-              <a:t>18/05/2020</a:t>
+              <a:t>01/06/2020</a:t>
             </a:fld>
             <a:endParaRPr lang="en-GB"/>
           </a:p>
@@ -5553,7 +5553,7 @@
           <a:p>
             <a:fld id="{8B6C2AFC-E312-4DF4-802C-A2004B667576}" type="datetimeFigureOut">
               <a:rPr lang="en-GB" smtClean="0"/>
-              <a:t>18/05/2020</a:t>
+              <a:t>01/06/2020</a:t>
             </a:fld>
             <a:endParaRPr lang="en-GB"/>
           </a:p>
@@ -6099,7 +6099,7 @@
           <a:p>
             <a:fld id="{8B6C2AFC-E312-4DF4-802C-A2004B667576}" type="datetimeFigureOut">
               <a:rPr lang="en-GB" smtClean="0"/>
-              <a:t>18/05/2020</a:t>
+              <a:t>01/06/2020</a:t>
             </a:fld>
             <a:endParaRPr lang="en-GB"/>
           </a:p>
@@ -6819,7 +6819,7 @@
           <a:p>
             <a:fld id="{8B6C2AFC-E312-4DF4-802C-A2004B667576}" type="datetimeFigureOut">
               <a:rPr lang="en-GB" smtClean="0"/>
-              <a:t>18/05/2020</a:t>
+              <a:t>01/06/2020</a:t>
             </a:fld>
             <a:endParaRPr lang="en-GB"/>
           </a:p>
@@ -6989,7 +6989,7 @@
           <a:p>
             <a:fld id="{8B6C2AFC-E312-4DF4-802C-A2004B667576}" type="datetimeFigureOut">
               <a:rPr lang="en-GB" smtClean="0"/>
-              <a:t>18/05/2020</a:t>
+              <a:t>01/06/2020</a:t>
             </a:fld>
             <a:endParaRPr lang="en-GB"/>
           </a:p>
@@ -7169,7 +7169,7 @@
           <a:p>
             <a:fld id="{8B6C2AFC-E312-4DF4-802C-A2004B667576}" type="datetimeFigureOut">
               <a:rPr lang="en-GB" smtClean="0"/>
-              <a:t>18/05/2020</a:t>
+              <a:t>01/06/2020</a:t>
             </a:fld>
             <a:endParaRPr lang="en-GB"/>
           </a:p>
@@ -7339,7 +7339,7 @@
           <a:p>
             <a:fld id="{8B6C2AFC-E312-4DF4-802C-A2004B667576}" type="datetimeFigureOut">
               <a:rPr lang="en-GB" smtClean="0"/>
-              <a:t>18/05/2020</a:t>
+              <a:t>01/06/2020</a:t>
             </a:fld>
             <a:endParaRPr lang="en-GB"/>
           </a:p>
@@ -7589,7 +7589,7 @@
           <a:p>
             <a:fld id="{8B6C2AFC-E312-4DF4-802C-A2004B667576}" type="datetimeFigureOut">
               <a:rPr lang="en-GB" smtClean="0"/>
-              <a:t>18/05/2020</a:t>
+              <a:t>01/06/2020</a:t>
             </a:fld>
             <a:endParaRPr lang="en-GB"/>
           </a:p>
@@ -7821,7 +7821,7 @@
           <a:p>
             <a:fld id="{8B6C2AFC-E312-4DF4-802C-A2004B667576}" type="datetimeFigureOut">
               <a:rPr lang="en-GB" smtClean="0"/>
-              <a:t>18/05/2020</a:t>
+              <a:t>01/06/2020</a:t>
             </a:fld>
             <a:endParaRPr lang="en-GB"/>
           </a:p>
@@ -8202,7 +8202,7 @@
           <a:p>
             <a:fld id="{8B6C2AFC-E312-4DF4-802C-A2004B667576}" type="datetimeFigureOut">
               <a:rPr lang="en-GB" smtClean="0"/>
-              <a:t>18/05/2020</a:t>
+              <a:t>01/06/2020</a:t>
             </a:fld>
             <a:endParaRPr lang="en-GB"/>
           </a:p>
@@ -8320,7 +8320,7 @@
           <a:p>
             <a:fld id="{8B6C2AFC-E312-4DF4-802C-A2004B667576}" type="datetimeFigureOut">
               <a:rPr lang="en-GB" smtClean="0"/>
-              <a:t>18/05/2020</a:t>
+              <a:t>01/06/2020</a:t>
             </a:fld>
             <a:endParaRPr lang="en-GB"/>
           </a:p>
@@ -8415,7 +8415,7 @@
           <a:p>
             <a:fld id="{8B6C2AFC-E312-4DF4-802C-A2004B667576}" type="datetimeFigureOut">
               <a:rPr lang="en-GB" smtClean="0"/>
-              <a:t>18/05/2020</a:t>
+              <a:t>01/06/2020</a:t>
             </a:fld>
             <a:endParaRPr lang="en-GB"/>
           </a:p>
@@ -8664,7 +8664,7 @@
           <a:p>
             <a:fld id="{8B6C2AFC-E312-4DF4-802C-A2004B667576}" type="datetimeFigureOut">
               <a:rPr lang="en-GB" smtClean="0"/>
-              <a:t>18/05/2020</a:t>
+              <a:t>01/06/2020</a:t>
             </a:fld>
             <a:endParaRPr lang="en-GB"/>
           </a:p>
@@ -8944,7 +8944,7 @@
           <a:p>
             <a:fld id="{8B6C2AFC-E312-4DF4-802C-A2004B667576}" type="datetimeFigureOut">
               <a:rPr lang="en-GB" smtClean="0"/>
-              <a:t>18/05/2020</a:t>
+              <a:t>01/06/2020</a:t>
             </a:fld>
             <a:endParaRPr lang="en-GB"/>
           </a:p>
@@ -9060,7 +9060,7 @@
           <a:noFill/>
           <a:extLst>
             <a:ext uri="{909E8E84-426E-40dd-AFC4-6F175D3DCCD1}">
-              <a14:hiddenFill xmlns="" xmlns:a14="http://schemas.microsoft.com/office/drawing/2010/main">
+              <a14:hiddenFill xmlns:a14="http://schemas.microsoft.com/office/drawing/2010/main" xmlns="">
                 <a:solidFill>
                   <a:srgbClr val="FFFFFF"/>
                 </a:solidFill>
@@ -9134,7 +9134,7 @@
               </a:ln>
               <a:extLst>
                 <a:ext uri="{91240B29-F687-4f45-9708-019B960494DF}">
-                  <a14:hiddenLine xmlns="" xmlns:a14="http://schemas.microsoft.com/office/drawing/2010/main" w="9525">
+                  <a14:hiddenLine xmlns:a14="http://schemas.microsoft.com/office/drawing/2010/main" xmlns="" w="9525">
                     <a:solidFill>
                       <a:srgbClr val="000000"/>
                     </a:solidFill>
@@ -9224,7 +9224,7 @@
               </a:ln>
               <a:extLst>
                 <a:ext uri="{91240B29-F687-4f45-9708-019B960494DF}">
-                  <a14:hiddenLine xmlns="" xmlns:a14="http://schemas.microsoft.com/office/drawing/2010/main" w="9525">
+                  <a14:hiddenLine xmlns:a14="http://schemas.microsoft.com/office/drawing/2010/main" xmlns="" w="9525">
                     <a:solidFill>
                       <a:srgbClr val="000000"/>
                     </a:solidFill>
@@ -9314,7 +9314,7 @@
               </a:ln>
               <a:extLst>
                 <a:ext uri="{91240B29-F687-4f45-9708-019B960494DF}">
-                  <a14:hiddenLine xmlns="" xmlns:a14="http://schemas.microsoft.com/office/drawing/2010/main" w="9525">
+                  <a14:hiddenLine xmlns:a14="http://schemas.microsoft.com/office/drawing/2010/main" xmlns="" w="9525">
                     <a:solidFill>
                       <a:srgbClr val="000000"/>
                     </a:solidFill>
@@ -9376,7 +9376,7 @@
               </a:ln>
               <a:extLst>
                 <a:ext uri="{91240B29-F687-4f45-9708-019B960494DF}">
-                  <a14:hiddenLine xmlns="" xmlns:a14="http://schemas.microsoft.com/office/drawing/2010/main" w="9525">
+                  <a14:hiddenLine xmlns:a14="http://schemas.microsoft.com/office/drawing/2010/main" xmlns="" w="9525">
                     <a:solidFill>
                       <a:srgbClr val="000000"/>
                     </a:solidFill>
@@ -9466,7 +9466,7 @@
               </a:ln>
               <a:extLst>
                 <a:ext uri="{91240B29-F687-4f45-9708-019B960494DF}">
-                  <a14:hiddenLine xmlns="" xmlns:a14="http://schemas.microsoft.com/office/drawing/2010/main" w="9525">
+                  <a14:hiddenLine xmlns:a14="http://schemas.microsoft.com/office/drawing/2010/main" xmlns="" w="9525">
                     <a:solidFill>
                       <a:srgbClr val="000000"/>
                     </a:solidFill>
@@ -9528,7 +9528,7 @@
               </a:ln>
               <a:extLst>
                 <a:ext uri="{91240B29-F687-4f45-9708-019B960494DF}">
-                  <a14:hiddenLine xmlns="" xmlns:a14="http://schemas.microsoft.com/office/drawing/2010/main" w="9525">
+                  <a14:hiddenLine xmlns:a14="http://schemas.microsoft.com/office/drawing/2010/main" xmlns="" w="9525">
                     <a:solidFill>
                       <a:srgbClr val="000000"/>
                     </a:solidFill>
@@ -9590,7 +9590,7 @@
               </a:ln>
               <a:extLst>
                 <a:ext uri="{91240B29-F687-4f45-9708-019B960494DF}">
-                  <a14:hiddenLine xmlns="" xmlns:a14="http://schemas.microsoft.com/office/drawing/2010/main" w="9525">
+                  <a14:hiddenLine xmlns:a14="http://schemas.microsoft.com/office/drawing/2010/main" xmlns="" w="9525">
                     <a:solidFill>
                       <a:srgbClr val="000000"/>
                     </a:solidFill>
@@ -9680,7 +9680,7 @@
               </a:ln>
               <a:extLst>
                 <a:ext uri="{91240B29-F687-4f45-9708-019B960494DF}">
-                  <a14:hiddenLine xmlns="" xmlns:a14="http://schemas.microsoft.com/office/drawing/2010/main" w="9525">
+                  <a14:hiddenLine xmlns:a14="http://schemas.microsoft.com/office/drawing/2010/main" xmlns="" w="9525">
                     <a:solidFill>
                       <a:srgbClr val="000000"/>
                     </a:solidFill>
@@ -9770,7 +9770,7 @@
               </a:ln>
               <a:extLst>
                 <a:ext uri="{91240B29-F687-4f45-9708-019B960494DF}">
-                  <a14:hiddenLine xmlns="" xmlns:a14="http://schemas.microsoft.com/office/drawing/2010/main" w="9525">
+                  <a14:hiddenLine xmlns:a14="http://schemas.microsoft.com/office/drawing/2010/main" xmlns="" w="9525">
                     <a:solidFill>
                       <a:srgbClr val="000000"/>
                     </a:solidFill>
@@ -9832,7 +9832,7 @@
               </a:ln>
               <a:extLst>
                 <a:ext uri="{91240B29-F687-4f45-9708-019B960494DF}">
-                  <a14:hiddenLine xmlns="" xmlns:a14="http://schemas.microsoft.com/office/drawing/2010/main" w="9525">
+                  <a14:hiddenLine xmlns:a14="http://schemas.microsoft.com/office/drawing/2010/main" xmlns="" w="9525">
                     <a:solidFill>
                       <a:srgbClr val="000000"/>
                     </a:solidFill>
@@ -9942,7 +9942,7 @@
               </a:ln>
               <a:extLst>
                 <a:ext uri="{91240B29-F687-4f45-9708-019B960494DF}">
-                  <a14:hiddenLine xmlns="" xmlns:a14="http://schemas.microsoft.com/office/drawing/2010/main" w="9525">
+                  <a14:hiddenLine xmlns:a14="http://schemas.microsoft.com/office/drawing/2010/main" xmlns="" w="9525">
                     <a:solidFill>
                       <a:srgbClr val="000000"/>
                     </a:solidFill>
@@ -10026,7 +10026,7 @@
               </a:ln>
               <a:extLst>
                 <a:ext uri="{91240B29-F687-4f45-9708-019B960494DF}">
-                  <a14:hiddenLine xmlns="" xmlns:a14="http://schemas.microsoft.com/office/drawing/2010/main" w="9525">
+                  <a14:hiddenLine xmlns:a14="http://schemas.microsoft.com/office/drawing/2010/main" xmlns="" w="9525">
                     <a:solidFill>
                       <a:srgbClr val="000000"/>
                     </a:solidFill>
@@ -10088,7 +10088,7 @@
               </a:ln>
               <a:extLst>
                 <a:ext uri="{91240B29-F687-4f45-9708-019B960494DF}">
-                  <a14:hiddenLine xmlns="" xmlns:a14="http://schemas.microsoft.com/office/drawing/2010/main" w="9525">
+                  <a14:hiddenLine xmlns:a14="http://schemas.microsoft.com/office/drawing/2010/main" xmlns="" w="9525">
                     <a:solidFill>
                       <a:srgbClr val="000000"/>
                     </a:solidFill>
@@ -10150,7 +10150,7 @@
               </a:ln>
               <a:extLst>
                 <a:ext uri="{91240B29-F687-4f45-9708-019B960494DF}">
-                  <a14:hiddenLine xmlns="" xmlns:a14="http://schemas.microsoft.com/office/drawing/2010/main" w="9525">
+                  <a14:hiddenLine xmlns:a14="http://schemas.microsoft.com/office/drawing/2010/main" xmlns="" w="9525">
                     <a:solidFill>
                       <a:srgbClr val="000000"/>
                     </a:solidFill>
@@ -10240,7 +10240,7 @@
               </a:ln>
               <a:extLst>
                 <a:ext uri="{91240B29-F687-4f45-9708-019B960494DF}">
-                  <a14:hiddenLine xmlns="" xmlns:a14="http://schemas.microsoft.com/office/drawing/2010/main" w="9525">
+                  <a14:hiddenLine xmlns:a14="http://schemas.microsoft.com/office/drawing/2010/main" xmlns="" w="9525">
                     <a:solidFill>
                       <a:srgbClr val="000000"/>
                     </a:solidFill>
@@ -10274,7 +10274,7 @@
               </a:ln>
               <a:extLst>
                 <a:ext uri="{91240B29-F687-4f45-9708-019B960494DF}">
-                  <a14:hiddenLine xmlns="" xmlns:a14="http://schemas.microsoft.com/office/drawing/2010/main" w="9525">
+                  <a14:hiddenLine xmlns:a14="http://schemas.microsoft.com/office/drawing/2010/main" xmlns="" w="9525">
                     <a:solidFill>
                       <a:srgbClr val="000000"/>
                     </a:solidFill>
@@ -10339,7 +10339,7 @@
               </a:ln>
               <a:extLst>
                 <a:ext uri="{91240B29-F687-4f45-9708-019B960494DF}">
-                  <a14:hiddenLine xmlns="" xmlns:a14="http://schemas.microsoft.com/office/drawing/2010/main" w="9525">
+                  <a14:hiddenLine xmlns:a14="http://schemas.microsoft.com/office/drawing/2010/main" xmlns="" w="9525">
                     <a:solidFill>
                       <a:srgbClr val="000000"/>
                     </a:solidFill>
@@ -10429,7 +10429,7 @@
               </a:ln>
               <a:extLst>
                 <a:ext uri="{91240B29-F687-4f45-9708-019B960494DF}">
-                  <a14:hiddenLine xmlns="" xmlns:a14="http://schemas.microsoft.com/office/drawing/2010/main" w="9525">
+                  <a14:hiddenLine xmlns:a14="http://schemas.microsoft.com/office/drawing/2010/main" xmlns="" w="9525">
                     <a:solidFill>
                       <a:srgbClr val="000000"/>
                     </a:solidFill>
@@ -10491,7 +10491,7 @@
               </a:ln>
               <a:extLst>
                 <a:ext uri="{91240B29-F687-4f45-9708-019B960494DF}">
-                  <a14:hiddenLine xmlns="" xmlns:a14="http://schemas.microsoft.com/office/drawing/2010/main" w="9525">
+                  <a14:hiddenLine xmlns:a14="http://schemas.microsoft.com/office/drawing/2010/main" xmlns="" w="9525">
                     <a:solidFill>
                       <a:srgbClr val="000000"/>
                     </a:solidFill>
@@ -10581,7 +10581,7 @@
               </a:ln>
               <a:extLst>
                 <a:ext uri="{91240B29-F687-4f45-9708-019B960494DF}">
-                  <a14:hiddenLine xmlns="" xmlns:a14="http://schemas.microsoft.com/office/drawing/2010/main" w="9525">
+                  <a14:hiddenLine xmlns:a14="http://schemas.microsoft.com/office/drawing/2010/main" xmlns="" w="9525">
                     <a:solidFill>
                       <a:srgbClr val="000000"/>
                     </a:solidFill>
@@ -10646,7 +10646,7 @@
               </a:ln>
               <a:extLst>
                 <a:ext uri="{91240B29-F687-4f45-9708-019B960494DF}">
-                  <a14:hiddenLine xmlns="" xmlns:a14="http://schemas.microsoft.com/office/drawing/2010/main" w="9525">
+                  <a14:hiddenLine xmlns:a14="http://schemas.microsoft.com/office/drawing/2010/main" xmlns="" w="9525">
                     <a:solidFill>
                       <a:srgbClr val="000000"/>
                     </a:solidFill>
@@ -10708,7 +10708,7 @@
               </a:ln>
               <a:extLst>
                 <a:ext uri="{91240B29-F687-4f45-9708-019B960494DF}">
-                  <a14:hiddenLine xmlns="" xmlns:a14="http://schemas.microsoft.com/office/drawing/2010/main" w="9525">
+                  <a14:hiddenLine xmlns:a14="http://schemas.microsoft.com/office/drawing/2010/main" xmlns="" w="9525">
                     <a:solidFill>
                       <a:srgbClr val="000000"/>
                     </a:solidFill>
@@ -10798,7 +10798,7 @@
               </a:ln>
               <a:extLst>
                 <a:ext uri="{91240B29-F687-4f45-9708-019B960494DF}">
-                  <a14:hiddenLine xmlns="" xmlns:a14="http://schemas.microsoft.com/office/drawing/2010/main" w="9525">
+                  <a14:hiddenLine xmlns:a14="http://schemas.microsoft.com/office/drawing/2010/main" xmlns="" w="9525">
                     <a:solidFill>
                       <a:srgbClr val="000000"/>
                     </a:solidFill>
@@ -10888,7 +10888,7 @@
               </a:ln>
               <a:extLst>
                 <a:ext uri="{91240B29-F687-4f45-9708-019B960494DF}">
-                  <a14:hiddenLine xmlns="" xmlns:a14="http://schemas.microsoft.com/office/drawing/2010/main" w="9525">
+                  <a14:hiddenLine xmlns:a14="http://schemas.microsoft.com/office/drawing/2010/main" xmlns="" w="9525">
                     <a:solidFill>
                       <a:srgbClr val="000000"/>
                     </a:solidFill>
@@ -10953,7 +10953,7 @@
               </a:ln>
               <a:extLst>
                 <a:ext uri="{91240B29-F687-4f45-9708-019B960494DF}">
-                  <a14:hiddenLine xmlns="" xmlns:a14="http://schemas.microsoft.com/office/drawing/2010/main" w="9525">
+                  <a14:hiddenLine xmlns:a14="http://schemas.microsoft.com/office/drawing/2010/main" xmlns="" w="9525">
                     <a:solidFill>
                       <a:srgbClr val="000000"/>
                     </a:solidFill>
@@ -11073,7 +11073,7 @@
               </a:ln>
               <a:extLst>
                 <a:ext uri="{91240B29-F687-4f45-9708-019B960494DF}">
-                  <a14:hiddenLine xmlns="" xmlns:a14="http://schemas.microsoft.com/office/drawing/2010/main" w="9525">
+                  <a14:hiddenLine xmlns:a14="http://schemas.microsoft.com/office/drawing/2010/main" xmlns="" w="9525">
                     <a:solidFill>
                       <a:srgbClr val="000000"/>
                     </a:solidFill>
@@ -11171,7 +11171,7 @@
               </a:ln>
               <a:extLst>
                 <a:ext uri="{91240B29-F687-4f45-9708-019B960494DF}">
-                  <a14:hiddenLine xmlns="" xmlns:a14="http://schemas.microsoft.com/office/drawing/2010/main" w="9525">
+                  <a14:hiddenLine xmlns:a14="http://schemas.microsoft.com/office/drawing/2010/main" xmlns="" w="9525">
                     <a:solidFill>
                       <a:srgbClr val="000000"/>
                     </a:solidFill>
@@ -11286,7 +11286,7 @@
               </a:ln>
               <a:extLst>
                 <a:ext uri="{91240B29-F687-4f45-9708-019B960494DF}">
-                  <a14:hiddenLine xmlns="" xmlns:a14="http://schemas.microsoft.com/office/drawing/2010/main" w="9525">
+                  <a14:hiddenLine xmlns:a14="http://schemas.microsoft.com/office/drawing/2010/main" xmlns="" w="9525">
                     <a:solidFill>
                       <a:srgbClr val="000000"/>
                     </a:solidFill>
@@ -11376,7 +11376,7 @@
               </a:ln>
               <a:extLst>
                 <a:ext uri="{91240B29-F687-4f45-9708-019B960494DF}">
-                  <a14:hiddenLine xmlns="" xmlns:a14="http://schemas.microsoft.com/office/drawing/2010/main" w="9525">
+                  <a14:hiddenLine xmlns:a14="http://schemas.microsoft.com/office/drawing/2010/main" xmlns="" w="9525">
                     <a:solidFill>
                       <a:srgbClr val="000000"/>
                     </a:solidFill>
@@ -11441,7 +11441,7 @@
               </a:ln>
               <a:extLst>
                 <a:ext uri="{91240B29-F687-4f45-9708-019B960494DF}">
-                  <a14:hiddenLine xmlns="" xmlns:a14="http://schemas.microsoft.com/office/drawing/2010/main" w="9525">
+                  <a14:hiddenLine xmlns:a14="http://schemas.microsoft.com/office/drawing/2010/main" xmlns="" w="9525">
                     <a:solidFill>
                       <a:srgbClr val="000000"/>
                     </a:solidFill>
@@ -11531,7 +11531,7 @@
               </a:ln>
               <a:extLst>
                 <a:ext uri="{91240B29-F687-4f45-9708-019B960494DF}">
-                  <a14:hiddenLine xmlns="" xmlns:a14="http://schemas.microsoft.com/office/drawing/2010/main" w="9525">
+                  <a14:hiddenLine xmlns:a14="http://schemas.microsoft.com/office/drawing/2010/main" xmlns="" w="9525">
                     <a:solidFill>
                       <a:srgbClr val="000000"/>
                     </a:solidFill>
@@ -11599,7 +11599,7 @@
               </a:ln>
               <a:extLst>
                 <a:ext uri="{91240B29-F687-4f45-9708-019B960494DF}">
-                  <a14:hiddenLine xmlns="" xmlns:a14="http://schemas.microsoft.com/office/drawing/2010/main" w="9525">
+                  <a14:hiddenLine xmlns:a14="http://schemas.microsoft.com/office/drawing/2010/main" xmlns="" w="9525">
                     <a:solidFill>
                       <a:srgbClr val="000000"/>
                     </a:solidFill>
@@ -11689,7 +11689,7 @@
               </a:ln>
               <a:extLst>
                 <a:ext uri="{91240B29-F687-4f45-9708-019B960494DF}">
-                  <a14:hiddenLine xmlns="" xmlns:a14="http://schemas.microsoft.com/office/drawing/2010/main" w="9525">
+                  <a14:hiddenLine xmlns:a14="http://schemas.microsoft.com/office/drawing/2010/main" xmlns="" w="9525">
                     <a:solidFill>
                       <a:srgbClr val="000000"/>
                     </a:solidFill>
@@ -11757,7 +11757,7 @@
               </a:ln>
               <a:extLst>
                 <a:ext uri="{91240B29-F687-4f45-9708-019B960494DF}">
-                  <a14:hiddenLine xmlns="" xmlns:a14="http://schemas.microsoft.com/office/drawing/2010/main" w="9525">
+                  <a14:hiddenLine xmlns:a14="http://schemas.microsoft.com/office/drawing/2010/main" xmlns="" w="9525">
                     <a:solidFill>
                       <a:srgbClr val="000000"/>
                     </a:solidFill>
@@ -11847,7 +11847,7 @@
               </a:ln>
               <a:extLst>
                 <a:ext uri="{91240B29-F687-4f45-9708-019B960494DF}">
-                  <a14:hiddenLine xmlns="" xmlns:a14="http://schemas.microsoft.com/office/drawing/2010/main" w="9525">
+                  <a14:hiddenLine xmlns:a14="http://schemas.microsoft.com/office/drawing/2010/main" xmlns="" w="9525">
                     <a:solidFill>
                       <a:srgbClr val="000000"/>
                     </a:solidFill>
@@ -11881,7 +11881,7 @@
               </a:ln>
               <a:extLst>
                 <a:ext uri="{91240B29-F687-4f45-9708-019B960494DF}">
-                  <a14:hiddenLine xmlns="" xmlns:a14="http://schemas.microsoft.com/office/drawing/2010/main" w="9525">
+                  <a14:hiddenLine xmlns:a14="http://schemas.microsoft.com/office/drawing/2010/main" xmlns="" w="9525">
                     <a:solidFill>
                       <a:srgbClr val="000000"/>
                     </a:solidFill>
@@ -12021,7 +12021,7 @@
           <a:p>
             <a:fld id="{8B6C2AFC-E312-4DF4-802C-A2004B667576}" type="datetimeFigureOut">
               <a:rPr lang="en-GB" smtClean="0"/>
-              <a:t>18/05/2020</a:t>
+              <a:t>01/06/2020</a:t>
             </a:fld>
             <a:endParaRPr lang="en-GB"/>
           </a:p>
@@ -12810,11 +12810,17 @@
           <a:p>
             <a:r>
               <a:rPr lang="en-GB" dirty="0"/>
-              <a:t>The core idea remains the same, the only difference comes in the way one adds a penalty system in the </a:t>
+              <a:t>The core idea remains the same, the only difference comes in the way one adds a penalty system in the loss function.</a:t>
+            </a:r>
+          </a:p>
+          <a:p>
+            <a:r>
+              <a:rPr lang="en-GB" dirty="0"/>
+              <a:t>We bias the values of data towards lower bounds, by adding a </a:t>
             </a:r>
             <a:r>
               <a:rPr lang="en-GB"/>
-              <a:t>loss function.</a:t>
+              <a:t>penalty term.</a:t>
             </a:r>
             <a:endParaRPr lang="en-GB" dirty="0"/>
           </a:p>

--- a/CS383/honours/presentation.pptx
+++ b/CS383/honours/presentation.pptx
@@ -9,8 +9,7 @@
     <p:sldId id="257" r:id="rId3"/>
     <p:sldId id="261" r:id="rId4"/>
     <p:sldId id="259" r:id="rId5"/>
-    <p:sldId id="258" r:id="rId6"/>
-    <p:sldId id="260" r:id="rId7"/>
+    <p:sldId id="260" r:id="rId6"/>
   </p:sldIdLst>
   <p:sldSz cx="12192000" cy="6858000"/>
   <p:notesSz cx="6858000" cy="9144000"/>
@@ -167,7 +166,7 @@
           <a:noFill/>
           <a:extLst>
             <a:ext uri="{909E8E84-426E-40dd-AFC4-6F175D3DCCD1}">
-              <a14:hiddenFill xmlns:a14="http://schemas.microsoft.com/office/drawing/2010/main" xmlns="">
+              <a14:hiddenFill xmlns="" xmlns:a14="http://schemas.microsoft.com/office/drawing/2010/main">
                 <a:solidFill>
                   <a:srgbClr val="FFFFFF"/>
                 </a:solidFill>
@@ -227,7 +226,7 @@
             </a:ln>
             <a:extLst>
               <a:ext uri="{91240B29-F687-4f45-9708-019B960494DF}">
-                <a14:hiddenLine xmlns:a14="http://schemas.microsoft.com/office/drawing/2010/main" xmlns="" w="9525">
+                <a14:hiddenLine xmlns="" xmlns:a14="http://schemas.microsoft.com/office/drawing/2010/main" w="9525">
                   <a:solidFill>
                     <a:srgbClr val="000000"/>
                   </a:solidFill>
@@ -317,7 +316,7 @@
             </a:ln>
             <a:extLst>
               <a:ext uri="{91240B29-F687-4f45-9708-019B960494DF}">
-                <a14:hiddenLine xmlns:a14="http://schemas.microsoft.com/office/drawing/2010/main" xmlns="" w="9525">
+                <a14:hiddenLine xmlns="" xmlns:a14="http://schemas.microsoft.com/office/drawing/2010/main" w="9525">
                   <a:solidFill>
                     <a:srgbClr val="000000"/>
                   </a:solidFill>
@@ -407,7 +406,7 @@
             </a:ln>
             <a:extLst>
               <a:ext uri="{91240B29-F687-4f45-9708-019B960494DF}">
-                <a14:hiddenLine xmlns:a14="http://schemas.microsoft.com/office/drawing/2010/main" xmlns="" w="9525">
+                <a14:hiddenLine xmlns="" xmlns:a14="http://schemas.microsoft.com/office/drawing/2010/main" w="9525">
                   <a:solidFill>
                     <a:srgbClr val="000000"/>
                   </a:solidFill>
@@ -441,7 +440,7 @@
             </a:ln>
             <a:extLst>
               <a:ext uri="{91240B29-F687-4f45-9708-019B960494DF}">
-                <a14:hiddenLine xmlns:a14="http://schemas.microsoft.com/office/drawing/2010/main" xmlns="" w="9525">
+                <a14:hiddenLine xmlns="" xmlns:a14="http://schemas.microsoft.com/office/drawing/2010/main" w="9525">
                   <a:solidFill>
                     <a:srgbClr val="000000"/>
                   </a:solidFill>
@@ -531,7 +530,7 @@
             </a:ln>
             <a:extLst>
               <a:ext uri="{91240B29-F687-4f45-9708-019B960494DF}">
-                <a14:hiddenLine xmlns:a14="http://schemas.microsoft.com/office/drawing/2010/main" xmlns="" w="9525">
+                <a14:hiddenLine xmlns="" xmlns:a14="http://schemas.microsoft.com/office/drawing/2010/main" w="9525">
                   <a:solidFill>
                     <a:srgbClr val="000000"/>
                   </a:solidFill>
@@ -593,7 +592,7 @@
             </a:ln>
             <a:extLst>
               <a:ext uri="{91240B29-F687-4f45-9708-019B960494DF}">
-                <a14:hiddenLine xmlns:a14="http://schemas.microsoft.com/office/drawing/2010/main" xmlns="" w="9525">
+                <a14:hiddenLine xmlns="" xmlns:a14="http://schemas.microsoft.com/office/drawing/2010/main" w="9525">
                   <a:solidFill>
                     <a:srgbClr val="000000"/>
                   </a:solidFill>
@@ -655,7 +654,7 @@
             </a:ln>
             <a:extLst>
               <a:ext uri="{91240B29-F687-4f45-9708-019B960494DF}">
-                <a14:hiddenLine xmlns:a14="http://schemas.microsoft.com/office/drawing/2010/main" xmlns="" w="9525">
+                <a14:hiddenLine xmlns="" xmlns:a14="http://schemas.microsoft.com/office/drawing/2010/main" w="9525">
                   <a:solidFill>
                     <a:srgbClr val="000000"/>
                   </a:solidFill>
@@ -745,7 +744,7 @@
             </a:ln>
             <a:extLst>
               <a:ext uri="{91240B29-F687-4f45-9708-019B960494DF}">
-                <a14:hiddenLine xmlns:a14="http://schemas.microsoft.com/office/drawing/2010/main" xmlns="" w="9525">
+                <a14:hiddenLine xmlns="" xmlns:a14="http://schemas.microsoft.com/office/drawing/2010/main" w="9525">
                   <a:solidFill>
                     <a:srgbClr val="000000"/>
                   </a:solidFill>
@@ -807,7 +806,7 @@
             </a:ln>
             <a:extLst>
               <a:ext uri="{91240B29-F687-4f45-9708-019B960494DF}">
-                <a14:hiddenLine xmlns:a14="http://schemas.microsoft.com/office/drawing/2010/main" xmlns="" w="9525">
+                <a14:hiddenLine xmlns="" xmlns:a14="http://schemas.microsoft.com/office/drawing/2010/main" w="9525">
                   <a:solidFill>
                     <a:srgbClr val="000000"/>
                   </a:solidFill>
@@ -869,7 +868,7 @@
             </a:ln>
             <a:extLst>
               <a:ext uri="{91240B29-F687-4f45-9708-019B960494DF}">
-                <a14:hiddenLine xmlns:a14="http://schemas.microsoft.com/office/drawing/2010/main" xmlns="" w="9525">
+                <a14:hiddenLine xmlns="" xmlns:a14="http://schemas.microsoft.com/office/drawing/2010/main" w="9525">
                   <a:solidFill>
                     <a:srgbClr val="000000"/>
                   </a:solidFill>
@@ -959,7 +958,7 @@
             </a:ln>
             <a:extLst>
               <a:ext uri="{91240B29-F687-4f45-9708-019B960494DF}">
-                <a14:hiddenLine xmlns:a14="http://schemas.microsoft.com/office/drawing/2010/main" xmlns="" w="9525">
+                <a14:hiddenLine xmlns="" xmlns:a14="http://schemas.microsoft.com/office/drawing/2010/main" w="9525">
                   <a:solidFill>
                     <a:srgbClr val="000000"/>
                   </a:solidFill>
@@ -1049,7 +1048,7 @@
             </a:ln>
             <a:extLst>
               <a:ext uri="{91240B29-F687-4f45-9708-019B960494DF}">
-                <a14:hiddenLine xmlns:a14="http://schemas.microsoft.com/office/drawing/2010/main" xmlns="" w="9525">
+                <a14:hiddenLine xmlns="" xmlns:a14="http://schemas.microsoft.com/office/drawing/2010/main" w="9525">
                   <a:solidFill>
                     <a:srgbClr val="000000"/>
                   </a:solidFill>
@@ -1111,7 +1110,7 @@
             </a:ln>
             <a:extLst>
               <a:ext uri="{91240B29-F687-4f45-9708-019B960494DF}">
-                <a14:hiddenLine xmlns:a14="http://schemas.microsoft.com/office/drawing/2010/main" xmlns="" w="9525">
+                <a14:hiddenLine xmlns="" xmlns:a14="http://schemas.microsoft.com/office/drawing/2010/main" w="9525">
                   <a:solidFill>
                     <a:srgbClr val="000000"/>
                   </a:solidFill>
@@ -1221,7 +1220,7 @@
             </a:ln>
             <a:extLst>
               <a:ext uri="{91240B29-F687-4f45-9708-019B960494DF}">
-                <a14:hiddenLine xmlns:a14="http://schemas.microsoft.com/office/drawing/2010/main" xmlns="" w="9525">
+                <a14:hiddenLine xmlns="" xmlns:a14="http://schemas.microsoft.com/office/drawing/2010/main" w="9525">
                   <a:solidFill>
                     <a:srgbClr val="000000"/>
                   </a:solidFill>
@@ -1283,7 +1282,7 @@
             </a:ln>
             <a:extLst>
               <a:ext uri="{91240B29-F687-4f45-9708-019B960494DF}">
-                <a14:hiddenLine xmlns:a14="http://schemas.microsoft.com/office/drawing/2010/main" xmlns="" w="9525">
+                <a14:hiddenLine xmlns="" xmlns:a14="http://schemas.microsoft.com/office/drawing/2010/main" w="9525">
                   <a:solidFill>
                     <a:srgbClr val="000000"/>
                   </a:solidFill>
@@ -1373,7 +1372,7 @@
             </a:ln>
             <a:extLst>
               <a:ext uri="{91240B29-F687-4f45-9708-019B960494DF}">
-                <a14:hiddenLine xmlns:a14="http://schemas.microsoft.com/office/drawing/2010/main" xmlns="" w="9525">
+                <a14:hiddenLine xmlns="" xmlns:a14="http://schemas.microsoft.com/office/drawing/2010/main" w="9525">
                   <a:solidFill>
                     <a:srgbClr val="000000"/>
                   </a:solidFill>
@@ -1463,7 +1462,7 @@
             </a:ln>
             <a:extLst>
               <a:ext uri="{91240B29-F687-4f45-9708-019B960494DF}">
-                <a14:hiddenLine xmlns:a14="http://schemas.microsoft.com/office/drawing/2010/main" xmlns="" w="9525">
+                <a14:hiddenLine xmlns="" xmlns:a14="http://schemas.microsoft.com/office/drawing/2010/main" w="9525">
                   <a:solidFill>
                     <a:srgbClr val="000000"/>
                   </a:solidFill>
@@ -1525,7 +1524,7 @@
             </a:ln>
             <a:extLst>
               <a:ext uri="{91240B29-F687-4f45-9708-019B960494DF}">
-                <a14:hiddenLine xmlns:a14="http://schemas.microsoft.com/office/drawing/2010/main" xmlns="" w="9525">
+                <a14:hiddenLine xmlns="" xmlns:a14="http://schemas.microsoft.com/office/drawing/2010/main" w="9525">
                   <a:solidFill>
                     <a:srgbClr val="000000"/>
                   </a:solidFill>
@@ -1615,7 +1614,7 @@
             </a:ln>
             <a:extLst>
               <a:ext uri="{91240B29-F687-4f45-9708-019B960494DF}">
-                <a14:hiddenLine xmlns:a14="http://schemas.microsoft.com/office/drawing/2010/main" xmlns="" w="9525">
+                <a14:hiddenLine xmlns="" xmlns:a14="http://schemas.microsoft.com/office/drawing/2010/main" w="9525">
                   <a:solidFill>
                     <a:srgbClr val="000000"/>
                   </a:solidFill>
@@ -1705,7 +1704,7 @@
             </a:ln>
             <a:extLst>
               <a:ext uri="{91240B29-F687-4f45-9708-019B960494DF}">
-                <a14:hiddenLine xmlns:a14="http://schemas.microsoft.com/office/drawing/2010/main" xmlns="" w="9525">
+                <a14:hiddenLine xmlns="" xmlns:a14="http://schemas.microsoft.com/office/drawing/2010/main" w="9525">
                   <a:solidFill>
                     <a:srgbClr val="000000"/>
                   </a:solidFill>
@@ -1761,7 +1760,7 @@
             </a:ln>
             <a:extLst>
               <a:ext uri="{91240B29-F687-4f45-9708-019B960494DF}">
-                <a14:hiddenLine xmlns:a14="http://schemas.microsoft.com/office/drawing/2010/main" xmlns="" w="9525">
+                <a14:hiddenLine xmlns="" xmlns:a14="http://schemas.microsoft.com/office/drawing/2010/main" w="9525">
                   <a:solidFill>
                     <a:srgbClr val="000000"/>
                   </a:solidFill>
@@ -1851,7 +1850,7 @@
             </a:ln>
             <a:extLst>
               <a:ext uri="{91240B29-F687-4f45-9708-019B960494DF}">
-                <a14:hiddenLine xmlns:a14="http://schemas.microsoft.com/office/drawing/2010/main" xmlns="" w="9525">
+                <a14:hiddenLine xmlns="" xmlns:a14="http://schemas.microsoft.com/office/drawing/2010/main" w="9525">
                   <a:solidFill>
                     <a:srgbClr val="000000"/>
                   </a:solidFill>
@@ -1907,7 +1906,7 @@
             </a:ln>
             <a:extLst>
               <a:ext uri="{91240B29-F687-4f45-9708-019B960494DF}">
-                <a14:hiddenLine xmlns:a14="http://schemas.microsoft.com/office/drawing/2010/main" xmlns="" w="9525">
+                <a14:hiddenLine xmlns="" xmlns:a14="http://schemas.microsoft.com/office/drawing/2010/main" w="9525">
                   <a:solidFill>
                     <a:srgbClr val="000000"/>
                   </a:solidFill>
@@ -1997,7 +1996,7 @@
             </a:ln>
             <a:extLst>
               <a:ext uri="{91240B29-F687-4f45-9708-019B960494DF}">
-                <a14:hiddenLine xmlns:a14="http://schemas.microsoft.com/office/drawing/2010/main" xmlns="" w="9525">
+                <a14:hiddenLine xmlns="" xmlns:a14="http://schemas.microsoft.com/office/drawing/2010/main" w="9525">
                   <a:solidFill>
                     <a:srgbClr val="000000"/>
                   </a:solidFill>
@@ -2065,7 +2064,7 @@
             </a:ln>
             <a:extLst>
               <a:ext uri="{91240B29-F687-4f45-9708-019B960494DF}">
-                <a14:hiddenLine xmlns:a14="http://schemas.microsoft.com/office/drawing/2010/main" xmlns="" w="9525">
+                <a14:hiddenLine xmlns="" xmlns:a14="http://schemas.microsoft.com/office/drawing/2010/main" w="9525">
                   <a:solidFill>
                     <a:srgbClr val="000000"/>
                   </a:solidFill>
@@ -2155,7 +2154,7 @@
             </a:ln>
             <a:extLst>
               <a:ext uri="{91240B29-F687-4f45-9708-019B960494DF}">
-                <a14:hiddenLine xmlns:a14="http://schemas.microsoft.com/office/drawing/2010/main" xmlns="" w="9525">
+                <a14:hiddenLine xmlns="" xmlns:a14="http://schemas.microsoft.com/office/drawing/2010/main" w="9525">
                   <a:solidFill>
                     <a:srgbClr val="000000"/>
                   </a:solidFill>
@@ -2223,7 +2222,7 @@
             </a:ln>
             <a:extLst>
               <a:ext uri="{91240B29-F687-4f45-9708-019B960494DF}">
-                <a14:hiddenLine xmlns:a14="http://schemas.microsoft.com/office/drawing/2010/main" xmlns="" w="9525">
+                <a14:hiddenLine xmlns="" xmlns:a14="http://schemas.microsoft.com/office/drawing/2010/main" w="9525">
                   <a:solidFill>
                     <a:srgbClr val="000000"/>
                   </a:solidFill>
@@ -2313,7 +2312,7 @@
             </a:ln>
             <a:extLst>
               <a:ext uri="{91240B29-F687-4f45-9708-019B960494DF}">
-                <a14:hiddenLine xmlns:a14="http://schemas.microsoft.com/office/drawing/2010/main" xmlns="" w="9525">
+                <a14:hiddenLine xmlns="" xmlns:a14="http://schemas.microsoft.com/office/drawing/2010/main" w="9525">
                   <a:solidFill>
                     <a:srgbClr val="000000"/>
                   </a:solidFill>
@@ -2347,7 +2346,7 @@
             </a:ln>
             <a:extLst>
               <a:ext uri="{91240B29-F687-4f45-9708-019B960494DF}">
-                <a14:hiddenLine xmlns:a14="http://schemas.microsoft.com/office/drawing/2010/main" xmlns="" w="9525">
+                <a14:hiddenLine xmlns="" xmlns:a14="http://schemas.microsoft.com/office/drawing/2010/main" w="9525">
                   <a:solidFill>
                     <a:srgbClr val="000000"/>
                   </a:solidFill>
@@ -2437,7 +2436,7 @@
             </a:ln>
             <a:extLst>
               <a:ext uri="{91240B29-F687-4f45-9708-019B960494DF}">
-                <a14:hiddenLine xmlns:a14="http://schemas.microsoft.com/office/drawing/2010/main" xmlns="" w="9525">
+                <a14:hiddenLine xmlns="" xmlns:a14="http://schemas.microsoft.com/office/drawing/2010/main" w="9525">
                   <a:solidFill>
                     <a:srgbClr val="000000"/>
                   </a:solidFill>
@@ -2499,7 +2498,7 @@
             </a:ln>
             <a:extLst>
               <a:ext uri="{91240B29-F687-4f45-9708-019B960494DF}">
-                <a14:hiddenLine xmlns:a14="http://schemas.microsoft.com/office/drawing/2010/main" xmlns="" w="9525">
+                <a14:hiddenLine xmlns="" xmlns:a14="http://schemas.microsoft.com/office/drawing/2010/main" w="9525">
                   <a:solidFill>
                     <a:srgbClr val="000000"/>
                   </a:solidFill>
@@ -2561,7 +2560,7 @@
             </a:ln>
             <a:extLst>
               <a:ext uri="{91240B29-F687-4f45-9708-019B960494DF}">
-                <a14:hiddenLine xmlns:a14="http://schemas.microsoft.com/office/drawing/2010/main" xmlns="" w="9525">
+                <a14:hiddenLine xmlns="" xmlns:a14="http://schemas.microsoft.com/office/drawing/2010/main" w="9525">
                   <a:solidFill>
                     <a:srgbClr val="000000"/>
                   </a:solidFill>
@@ -2651,7 +2650,7 @@
             </a:ln>
             <a:extLst>
               <a:ext uri="{91240B29-F687-4f45-9708-019B960494DF}">
-                <a14:hiddenLine xmlns:a14="http://schemas.microsoft.com/office/drawing/2010/main" xmlns="" w="9525">
+                <a14:hiddenLine xmlns="" xmlns:a14="http://schemas.microsoft.com/office/drawing/2010/main" w="9525">
                   <a:solidFill>
                     <a:srgbClr val="000000"/>
                   </a:solidFill>
@@ -2719,7 +2718,7 @@
             </a:ln>
             <a:extLst>
               <a:ext uri="{91240B29-F687-4f45-9708-019B960494DF}">
-                <a14:hiddenLine xmlns:a14="http://schemas.microsoft.com/office/drawing/2010/main" xmlns="" w="9525">
+                <a14:hiddenLine xmlns="" xmlns:a14="http://schemas.microsoft.com/office/drawing/2010/main" w="9525">
                   <a:solidFill>
                     <a:srgbClr val="000000"/>
                   </a:solidFill>
@@ -2781,7 +2780,7 @@
             </a:ln>
             <a:extLst>
               <a:ext uri="{91240B29-F687-4f45-9708-019B960494DF}">
-                <a14:hiddenLine xmlns:a14="http://schemas.microsoft.com/office/drawing/2010/main" xmlns="" w="9525">
+                <a14:hiddenLine xmlns="" xmlns:a14="http://schemas.microsoft.com/office/drawing/2010/main" w="9525">
                   <a:solidFill>
                     <a:srgbClr val="000000"/>
                   </a:solidFill>
@@ -2871,7 +2870,7 @@
             </a:ln>
             <a:extLst>
               <a:ext uri="{91240B29-F687-4f45-9708-019B960494DF}">
-                <a14:hiddenLine xmlns:a14="http://schemas.microsoft.com/office/drawing/2010/main" xmlns="" w="9525">
+                <a14:hiddenLine xmlns="" xmlns:a14="http://schemas.microsoft.com/office/drawing/2010/main" w="9525">
                   <a:solidFill>
                     <a:srgbClr val="000000"/>
                   </a:solidFill>
@@ -2933,7 +2932,7 @@
             </a:ln>
             <a:extLst>
               <a:ext uri="{91240B29-F687-4f45-9708-019B960494DF}">
-                <a14:hiddenLine xmlns:a14="http://schemas.microsoft.com/office/drawing/2010/main" xmlns="" w="9525">
+                <a14:hiddenLine xmlns="" xmlns:a14="http://schemas.microsoft.com/office/drawing/2010/main" w="9525">
                   <a:solidFill>
                     <a:srgbClr val="000000"/>
                   </a:solidFill>
@@ -3023,7 +3022,7 @@
             </a:ln>
             <a:extLst>
               <a:ext uri="{91240B29-F687-4f45-9708-019B960494DF}">
-                <a14:hiddenLine xmlns:a14="http://schemas.microsoft.com/office/drawing/2010/main" xmlns="" w="9525">
+                <a14:hiddenLine xmlns="" xmlns:a14="http://schemas.microsoft.com/office/drawing/2010/main" w="9525">
                   <a:solidFill>
                     <a:srgbClr val="000000"/>
                   </a:solidFill>
@@ -3085,7 +3084,7 @@
             </a:ln>
             <a:extLst>
               <a:ext uri="{91240B29-F687-4f45-9708-019B960494DF}">
-                <a14:hiddenLine xmlns:a14="http://schemas.microsoft.com/office/drawing/2010/main" xmlns="" w="9525">
+                <a14:hiddenLine xmlns="" xmlns:a14="http://schemas.microsoft.com/office/drawing/2010/main" w="9525">
                   <a:solidFill>
                     <a:srgbClr val="000000"/>
                   </a:solidFill>
@@ -3175,7 +3174,7 @@
             </a:ln>
             <a:extLst>
               <a:ext uri="{91240B29-F687-4f45-9708-019B960494DF}">
-                <a14:hiddenLine xmlns:a14="http://schemas.microsoft.com/office/drawing/2010/main" xmlns="" w="9525">
+                <a14:hiddenLine xmlns="" xmlns:a14="http://schemas.microsoft.com/office/drawing/2010/main" w="9525">
                   <a:solidFill>
                     <a:srgbClr val="000000"/>
                   </a:solidFill>
@@ -3209,7 +3208,7 @@
             </a:ln>
             <a:extLst>
               <a:ext uri="{91240B29-F687-4f45-9708-019B960494DF}">
-                <a14:hiddenLine xmlns:a14="http://schemas.microsoft.com/office/drawing/2010/main" xmlns="" w="9525">
+                <a14:hiddenLine xmlns="" xmlns:a14="http://schemas.microsoft.com/office/drawing/2010/main" w="9525">
                   <a:solidFill>
                     <a:srgbClr val="000000"/>
                   </a:solidFill>
@@ -3274,7 +3273,7 @@
             </a:ln>
             <a:extLst>
               <a:ext uri="{91240B29-F687-4f45-9708-019B960494DF}">
-                <a14:hiddenLine xmlns:a14="http://schemas.microsoft.com/office/drawing/2010/main" xmlns="" w="9525">
+                <a14:hiddenLine xmlns="" xmlns:a14="http://schemas.microsoft.com/office/drawing/2010/main" w="9525">
                   <a:solidFill>
                     <a:srgbClr val="000000"/>
                   </a:solidFill>
@@ -3364,7 +3363,7 @@
             </a:ln>
             <a:extLst>
               <a:ext uri="{91240B29-F687-4f45-9708-019B960494DF}">
-                <a14:hiddenLine xmlns:a14="http://schemas.microsoft.com/office/drawing/2010/main" xmlns="" w="9525">
+                <a14:hiddenLine xmlns="" xmlns:a14="http://schemas.microsoft.com/office/drawing/2010/main" w="9525">
                   <a:solidFill>
                     <a:srgbClr val="000000"/>
                   </a:solidFill>
@@ -3426,7 +3425,7 @@
             </a:ln>
             <a:extLst>
               <a:ext uri="{91240B29-F687-4f45-9708-019B960494DF}">
-                <a14:hiddenLine xmlns:a14="http://schemas.microsoft.com/office/drawing/2010/main" xmlns="" w="9525">
+                <a14:hiddenLine xmlns="" xmlns:a14="http://schemas.microsoft.com/office/drawing/2010/main" w="9525">
                   <a:solidFill>
                     <a:srgbClr val="000000"/>
                   </a:solidFill>
@@ -3516,7 +3515,7 @@
             </a:ln>
             <a:extLst>
               <a:ext uri="{91240B29-F687-4f45-9708-019B960494DF}">
-                <a14:hiddenLine xmlns:a14="http://schemas.microsoft.com/office/drawing/2010/main" xmlns="" w="9525">
+                <a14:hiddenLine xmlns="" xmlns:a14="http://schemas.microsoft.com/office/drawing/2010/main" w="9525">
                   <a:solidFill>
                     <a:srgbClr val="000000"/>
                   </a:solidFill>
@@ -3606,7 +3605,7 @@
             </a:ln>
             <a:extLst>
               <a:ext uri="{91240B29-F687-4f45-9708-019B960494DF}">
-                <a14:hiddenLine xmlns:a14="http://schemas.microsoft.com/office/drawing/2010/main" xmlns="" w="9525">
+                <a14:hiddenLine xmlns="" xmlns:a14="http://schemas.microsoft.com/office/drawing/2010/main" w="9525">
                   <a:solidFill>
                     <a:srgbClr val="000000"/>
                   </a:solidFill>
@@ -3671,7 +3670,7 @@
             </a:ln>
             <a:extLst>
               <a:ext uri="{91240B29-F687-4f45-9708-019B960494DF}">
-                <a14:hiddenLine xmlns:a14="http://schemas.microsoft.com/office/drawing/2010/main" xmlns="" w="9525">
+                <a14:hiddenLine xmlns="" xmlns:a14="http://schemas.microsoft.com/office/drawing/2010/main" w="9525">
                   <a:solidFill>
                     <a:srgbClr val="000000"/>
                   </a:solidFill>
@@ -3733,7 +3732,7 @@
             </a:ln>
             <a:extLst>
               <a:ext uri="{91240B29-F687-4f45-9708-019B960494DF}">
-                <a14:hiddenLine xmlns:a14="http://schemas.microsoft.com/office/drawing/2010/main" xmlns="" w="9525">
+                <a14:hiddenLine xmlns="" xmlns:a14="http://schemas.microsoft.com/office/drawing/2010/main" w="9525">
                   <a:solidFill>
                     <a:srgbClr val="000000"/>
                   </a:solidFill>
@@ -3823,7 +3822,7 @@
             </a:ln>
             <a:extLst>
               <a:ext uri="{91240B29-F687-4f45-9708-019B960494DF}">
-                <a14:hiddenLine xmlns:a14="http://schemas.microsoft.com/office/drawing/2010/main" xmlns="" w="9525">
+                <a14:hiddenLine xmlns="" xmlns:a14="http://schemas.microsoft.com/office/drawing/2010/main" w="9525">
                   <a:solidFill>
                     <a:srgbClr val="000000"/>
                   </a:solidFill>
@@ -3913,7 +3912,7 @@
             </a:ln>
             <a:extLst>
               <a:ext uri="{91240B29-F687-4f45-9708-019B960494DF}">
-                <a14:hiddenLine xmlns:a14="http://schemas.microsoft.com/office/drawing/2010/main" xmlns="" w="9525">
+                <a14:hiddenLine xmlns="" xmlns:a14="http://schemas.microsoft.com/office/drawing/2010/main" w="9525">
                   <a:solidFill>
                     <a:srgbClr val="000000"/>
                   </a:solidFill>
@@ -3975,7 +3974,7 @@
             </a:ln>
             <a:extLst>
               <a:ext uri="{91240B29-F687-4f45-9708-019B960494DF}">
-                <a14:hiddenLine xmlns:a14="http://schemas.microsoft.com/office/drawing/2010/main" xmlns="" w="9525">
+                <a14:hiddenLine xmlns="" xmlns:a14="http://schemas.microsoft.com/office/drawing/2010/main" w="9525">
                   <a:solidFill>
                     <a:srgbClr val="000000"/>
                   </a:solidFill>
@@ -4095,7 +4094,7 @@
             </a:ln>
             <a:extLst>
               <a:ext uri="{91240B29-F687-4f45-9708-019B960494DF}">
-                <a14:hiddenLine xmlns:a14="http://schemas.microsoft.com/office/drawing/2010/main" xmlns="" w="9525">
+                <a14:hiddenLine xmlns="" xmlns:a14="http://schemas.microsoft.com/office/drawing/2010/main" w="9525">
                   <a:solidFill>
                     <a:srgbClr val="000000"/>
                   </a:solidFill>
@@ -4163,7 +4162,7 @@
             </a:ln>
             <a:extLst>
               <a:ext uri="{91240B29-F687-4f45-9708-019B960494DF}">
-                <a14:hiddenLine xmlns:a14="http://schemas.microsoft.com/office/drawing/2010/main" xmlns="" w="9525">
+                <a14:hiddenLine xmlns="" xmlns:a14="http://schemas.microsoft.com/office/drawing/2010/main" w="9525">
                   <a:solidFill>
                     <a:srgbClr val="000000"/>
                   </a:solidFill>
@@ -4253,7 +4252,7 @@
             </a:ln>
             <a:extLst>
               <a:ext uri="{91240B29-F687-4f45-9708-019B960494DF}">
-                <a14:hiddenLine xmlns:a14="http://schemas.microsoft.com/office/drawing/2010/main" xmlns="" w="9525">
+                <a14:hiddenLine xmlns="" xmlns:a14="http://schemas.microsoft.com/office/drawing/2010/main" w="9525">
                   <a:solidFill>
                     <a:srgbClr val="000000"/>
                   </a:solidFill>
@@ -4393,7 +4392,7 @@
           <a:p>
             <a:fld id="{8B6C2AFC-E312-4DF4-802C-A2004B667576}" type="datetimeFigureOut">
               <a:rPr lang="en-GB" smtClean="0"/>
-              <a:t>01/06/2020</a:t>
+              <a:t>06/06/2020</a:t>
             </a:fld>
             <a:endParaRPr lang="en-GB"/>
           </a:p>
@@ -4660,7 +4659,7 @@
           <a:p>
             <a:fld id="{8B6C2AFC-E312-4DF4-802C-A2004B667576}" type="datetimeFigureOut">
               <a:rPr lang="en-GB" smtClean="0"/>
-              <a:t>01/06/2020</a:t>
+              <a:t>06/06/2020</a:t>
             </a:fld>
             <a:endParaRPr lang="en-GB"/>
           </a:p>
@@ -4856,7 +4855,7 @@
           <a:p>
             <a:fld id="{8B6C2AFC-E312-4DF4-802C-A2004B667576}" type="datetimeFigureOut">
               <a:rPr lang="en-GB" smtClean="0"/>
-              <a:t>01/06/2020</a:t>
+              <a:t>06/06/2020</a:t>
             </a:fld>
             <a:endParaRPr lang="en-GB"/>
           </a:p>
@@ -5119,7 +5118,7 @@
           <a:p>
             <a:fld id="{8B6C2AFC-E312-4DF4-802C-A2004B667576}" type="datetimeFigureOut">
               <a:rPr lang="en-GB" smtClean="0"/>
-              <a:t>01/06/2020</a:t>
+              <a:t>06/06/2020</a:t>
             </a:fld>
             <a:endParaRPr lang="en-GB"/>
           </a:p>
@@ -5553,7 +5552,7 @@
           <a:p>
             <a:fld id="{8B6C2AFC-E312-4DF4-802C-A2004B667576}" type="datetimeFigureOut">
               <a:rPr lang="en-GB" smtClean="0"/>
-              <a:t>01/06/2020</a:t>
+              <a:t>06/06/2020</a:t>
             </a:fld>
             <a:endParaRPr lang="en-GB"/>
           </a:p>
@@ -6099,7 +6098,7 @@
           <a:p>
             <a:fld id="{8B6C2AFC-E312-4DF4-802C-A2004B667576}" type="datetimeFigureOut">
               <a:rPr lang="en-GB" smtClean="0"/>
-              <a:t>01/06/2020</a:t>
+              <a:t>06/06/2020</a:t>
             </a:fld>
             <a:endParaRPr lang="en-GB"/>
           </a:p>
@@ -6819,7 +6818,7 @@
           <a:p>
             <a:fld id="{8B6C2AFC-E312-4DF4-802C-A2004B667576}" type="datetimeFigureOut">
               <a:rPr lang="en-GB" smtClean="0"/>
-              <a:t>01/06/2020</a:t>
+              <a:t>06/06/2020</a:t>
             </a:fld>
             <a:endParaRPr lang="en-GB"/>
           </a:p>
@@ -6989,7 +6988,7 @@
           <a:p>
             <a:fld id="{8B6C2AFC-E312-4DF4-802C-A2004B667576}" type="datetimeFigureOut">
               <a:rPr lang="en-GB" smtClean="0"/>
-              <a:t>01/06/2020</a:t>
+              <a:t>06/06/2020</a:t>
             </a:fld>
             <a:endParaRPr lang="en-GB"/>
           </a:p>
@@ -7169,7 +7168,7 @@
           <a:p>
             <a:fld id="{8B6C2AFC-E312-4DF4-802C-A2004B667576}" type="datetimeFigureOut">
               <a:rPr lang="en-GB" smtClean="0"/>
-              <a:t>01/06/2020</a:t>
+              <a:t>06/06/2020</a:t>
             </a:fld>
             <a:endParaRPr lang="en-GB"/>
           </a:p>
@@ -7339,7 +7338,7 @@
           <a:p>
             <a:fld id="{8B6C2AFC-E312-4DF4-802C-A2004B667576}" type="datetimeFigureOut">
               <a:rPr lang="en-GB" smtClean="0"/>
-              <a:t>01/06/2020</a:t>
+              <a:t>06/06/2020</a:t>
             </a:fld>
             <a:endParaRPr lang="en-GB"/>
           </a:p>
@@ -7589,7 +7588,7 @@
           <a:p>
             <a:fld id="{8B6C2AFC-E312-4DF4-802C-A2004B667576}" type="datetimeFigureOut">
               <a:rPr lang="en-GB" smtClean="0"/>
-              <a:t>01/06/2020</a:t>
+              <a:t>06/06/2020</a:t>
             </a:fld>
             <a:endParaRPr lang="en-GB"/>
           </a:p>
@@ -7821,7 +7820,7 @@
           <a:p>
             <a:fld id="{8B6C2AFC-E312-4DF4-802C-A2004B667576}" type="datetimeFigureOut">
               <a:rPr lang="en-GB" smtClean="0"/>
-              <a:t>01/06/2020</a:t>
+              <a:t>06/06/2020</a:t>
             </a:fld>
             <a:endParaRPr lang="en-GB"/>
           </a:p>
@@ -8202,7 +8201,7 @@
           <a:p>
             <a:fld id="{8B6C2AFC-E312-4DF4-802C-A2004B667576}" type="datetimeFigureOut">
               <a:rPr lang="en-GB" smtClean="0"/>
-              <a:t>01/06/2020</a:t>
+              <a:t>06/06/2020</a:t>
             </a:fld>
             <a:endParaRPr lang="en-GB"/>
           </a:p>
@@ -8320,7 +8319,7 @@
           <a:p>
             <a:fld id="{8B6C2AFC-E312-4DF4-802C-A2004B667576}" type="datetimeFigureOut">
               <a:rPr lang="en-GB" smtClean="0"/>
-              <a:t>01/06/2020</a:t>
+              <a:t>06/06/2020</a:t>
             </a:fld>
             <a:endParaRPr lang="en-GB"/>
           </a:p>
@@ -8415,7 +8414,7 @@
           <a:p>
             <a:fld id="{8B6C2AFC-E312-4DF4-802C-A2004B667576}" type="datetimeFigureOut">
               <a:rPr lang="en-GB" smtClean="0"/>
-              <a:t>01/06/2020</a:t>
+              <a:t>06/06/2020</a:t>
             </a:fld>
             <a:endParaRPr lang="en-GB"/>
           </a:p>
@@ -8664,7 +8663,7 @@
           <a:p>
             <a:fld id="{8B6C2AFC-E312-4DF4-802C-A2004B667576}" type="datetimeFigureOut">
               <a:rPr lang="en-GB" smtClean="0"/>
-              <a:t>01/06/2020</a:t>
+              <a:t>06/06/2020</a:t>
             </a:fld>
             <a:endParaRPr lang="en-GB"/>
           </a:p>
@@ -8944,7 +8943,7 @@
           <a:p>
             <a:fld id="{8B6C2AFC-E312-4DF4-802C-A2004B667576}" type="datetimeFigureOut">
               <a:rPr lang="en-GB" smtClean="0"/>
-              <a:t>01/06/2020</a:t>
+              <a:t>06/06/2020</a:t>
             </a:fld>
             <a:endParaRPr lang="en-GB"/>
           </a:p>
@@ -9060,7 +9059,7 @@
           <a:noFill/>
           <a:extLst>
             <a:ext uri="{909E8E84-426E-40dd-AFC4-6F175D3DCCD1}">
-              <a14:hiddenFill xmlns:a14="http://schemas.microsoft.com/office/drawing/2010/main" xmlns="">
+              <a14:hiddenFill xmlns="" xmlns:a14="http://schemas.microsoft.com/office/drawing/2010/main">
                 <a:solidFill>
                   <a:srgbClr val="FFFFFF"/>
                 </a:solidFill>
@@ -9134,7 +9133,7 @@
               </a:ln>
               <a:extLst>
                 <a:ext uri="{91240B29-F687-4f45-9708-019B960494DF}">
-                  <a14:hiddenLine xmlns:a14="http://schemas.microsoft.com/office/drawing/2010/main" xmlns="" w="9525">
+                  <a14:hiddenLine xmlns="" xmlns:a14="http://schemas.microsoft.com/office/drawing/2010/main" w="9525">
                     <a:solidFill>
                       <a:srgbClr val="000000"/>
                     </a:solidFill>
@@ -9224,7 +9223,7 @@
               </a:ln>
               <a:extLst>
                 <a:ext uri="{91240B29-F687-4f45-9708-019B960494DF}">
-                  <a14:hiddenLine xmlns:a14="http://schemas.microsoft.com/office/drawing/2010/main" xmlns="" w="9525">
+                  <a14:hiddenLine xmlns="" xmlns:a14="http://schemas.microsoft.com/office/drawing/2010/main" w="9525">
                     <a:solidFill>
                       <a:srgbClr val="000000"/>
                     </a:solidFill>
@@ -9314,7 +9313,7 @@
               </a:ln>
               <a:extLst>
                 <a:ext uri="{91240B29-F687-4f45-9708-019B960494DF}">
-                  <a14:hiddenLine xmlns:a14="http://schemas.microsoft.com/office/drawing/2010/main" xmlns="" w="9525">
+                  <a14:hiddenLine xmlns="" xmlns:a14="http://schemas.microsoft.com/office/drawing/2010/main" w="9525">
                     <a:solidFill>
                       <a:srgbClr val="000000"/>
                     </a:solidFill>
@@ -9376,7 +9375,7 @@
               </a:ln>
               <a:extLst>
                 <a:ext uri="{91240B29-F687-4f45-9708-019B960494DF}">
-                  <a14:hiddenLine xmlns:a14="http://schemas.microsoft.com/office/drawing/2010/main" xmlns="" w="9525">
+                  <a14:hiddenLine xmlns="" xmlns:a14="http://schemas.microsoft.com/office/drawing/2010/main" w="9525">
                     <a:solidFill>
                       <a:srgbClr val="000000"/>
                     </a:solidFill>
@@ -9466,7 +9465,7 @@
               </a:ln>
               <a:extLst>
                 <a:ext uri="{91240B29-F687-4f45-9708-019B960494DF}">
-                  <a14:hiddenLine xmlns:a14="http://schemas.microsoft.com/office/drawing/2010/main" xmlns="" w="9525">
+                  <a14:hiddenLine xmlns="" xmlns:a14="http://schemas.microsoft.com/office/drawing/2010/main" w="9525">
                     <a:solidFill>
                       <a:srgbClr val="000000"/>
                     </a:solidFill>
@@ -9528,7 +9527,7 @@
               </a:ln>
               <a:extLst>
                 <a:ext uri="{91240B29-F687-4f45-9708-019B960494DF}">
-                  <a14:hiddenLine xmlns:a14="http://schemas.microsoft.com/office/drawing/2010/main" xmlns="" w="9525">
+                  <a14:hiddenLine xmlns="" xmlns:a14="http://schemas.microsoft.com/office/drawing/2010/main" w="9525">
                     <a:solidFill>
                       <a:srgbClr val="000000"/>
                     </a:solidFill>
@@ -9590,7 +9589,7 @@
               </a:ln>
               <a:extLst>
                 <a:ext uri="{91240B29-F687-4f45-9708-019B960494DF}">
-                  <a14:hiddenLine xmlns:a14="http://schemas.microsoft.com/office/drawing/2010/main" xmlns="" w="9525">
+                  <a14:hiddenLine xmlns="" xmlns:a14="http://schemas.microsoft.com/office/drawing/2010/main" w="9525">
                     <a:solidFill>
                       <a:srgbClr val="000000"/>
                     </a:solidFill>
@@ -9680,7 +9679,7 @@
               </a:ln>
               <a:extLst>
                 <a:ext uri="{91240B29-F687-4f45-9708-019B960494DF}">
-                  <a14:hiddenLine xmlns:a14="http://schemas.microsoft.com/office/drawing/2010/main" xmlns="" w="9525">
+                  <a14:hiddenLine xmlns="" xmlns:a14="http://schemas.microsoft.com/office/drawing/2010/main" w="9525">
                     <a:solidFill>
                       <a:srgbClr val="000000"/>
                     </a:solidFill>
@@ -9770,7 +9769,7 @@
               </a:ln>
               <a:extLst>
                 <a:ext uri="{91240B29-F687-4f45-9708-019B960494DF}">
-                  <a14:hiddenLine xmlns:a14="http://schemas.microsoft.com/office/drawing/2010/main" xmlns="" w="9525">
+                  <a14:hiddenLine xmlns="" xmlns:a14="http://schemas.microsoft.com/office/drawing/2010/main" w="9525">
                     <a:solidFill>
                       <a:srgbClr val="000000"/>
                     </a:solidFill>
@@ -9832,7 +9831,7 @@
               </a:ln>
               <a:extLst>
                 <a:ext uri="{91240B29-F687-4f45-9708-019B960494DF}">
-                  <a14:hiddenLine xmlns:a14="http://schemas.microsoft.com/office/drawing/2010/main" xmlns="" w="9525">
+                  <a14:hiddenLine xmlns="" xmlns:a14="http://schemas.microsoft.com/office/drawing/2010/main" w="9525">
                     <a:solidFill>
                       <a:srgbClr val="000000"/>
                     </a:solidFill>
@@ -9942,7 +9941,7 @@
               </a:ln>
               <a:extLst>
                 <a:ext uri="{91240B29-F687-4f45-9708-019B960494DF}">
-                  <a14:hiddenLine xmlns:a14="http://schemas.microsoft.com/office/drawing/2010/main" xmlns="" w="9525">
+                  <a14:hiddenLine xmlns="" xmlns:a14="http://schemas.microsoft.com/office/drawing/2010/main" w="9525">
                     <a:solidFill>
                       <a:srgbClr val="000000"/>
                     </a:solidFill>
@@ -10026,7 +10025,7 @@
               </a:ln>
               <a:extLst>
                 <a:ext uri="{91240B29-F687-4f45-9708-019B960494DF}">
-                  <a14:hiddenLine xmlns:a14="http://schemas.microsoft.com/office/drawing/2010/main" xmlns="" w="9525">
+                  <a14:hiddenLine xmlns="" xmlns:a14="http://schemas.microsoft.com/office/drawing/2010/main" w="9525">
                     <a:solidFill>
                       <a:srgbClr val="000000"/>
                     </a:solidFill>
@@ -10088,7 +10087,7 @@
               </a:ln>
               <a:extLst>
                 <a:ext uri="{91240B29-F687-4f45-9708-019B960494DF}">
-                  <a14:hiddenLine xmlns:a14="http://schemas.microsoft.com/office/drawing/2010/main" xmlns="" w="9525">
+                  <a14:hiddenLine xmlns="" xmlns:a14="http://schemas.microsoft.com/office/drawing/2010/main" w="9525">
                     <a:solidFill>
                       <a:srgbClr val="000000"/>
                     </a:solidFill>
@@ -10150,7 +10149,7 @@
               </a:ln>
               <a:extLst>
                 <a:ext uri="{91240B29-F687-4f45-9708-019B960494DF}">
-                  <a14:hiddenLine xmlns:a14="http://schemas.microsoft.com/office/drawing/2010/main" xmlns="" w="9525">
+                  <a14:hiddenLine xmlns="" xmlns:a14="http://schemas.microsoft.com/office/drawing/2010/main" w="9525">
                     <a:solidFill>
                       <a:srgbClr val="000000"/>
                     </a:solidFill>
@@ -10240,7 +10239,7 @@
               </a:ln>
               <a:extLst>
                 <a:ext uri="{91240B29-F687-4f45-9708-019B960494DF}">
-                  <a14:hiddenLine xmlns:a14="http://schemas.microsoft.com/office/drawing/2010/main" xmlns="" w="9525">
+                  <a14:hiddenLine xmlns="" xmlns:a14="http://schemas.microsoft.com/office/drawing/2010/main" w="9525">
                     <a:solidFill>
                       <a:srgbClr val="000000"/>
                     </a:solidFill>
@@ -10274,7 +10273,7 @@
               </a:ln>
               <a:extLst>
                 <a:ext uri="{91240B29-F687-4f45-9708-019B960494DF}">
-                  <a14:hiddenLine xmlns:a14="http://schemas.microsoft.com/office/drawing/2010/main" xmlns="" w="9525">
+                  <a14:hiddenLine xmlns="" xmlns:a14="http://schemas.microsoft.com/office/drawing/2010/main" w="9525">
                     <a:solidFill>
                       <a:srgbClr val="000000"/>
                     </a:solidFill>
@@ -10339,7 +10338,7 @@
               </a:ln>
               <a:extLst>
                 <a:ext uri="{91240B29-F687-4f45-9708-019B960494DF}">
-                  <a14:hiddenLine xmlns:a14="http://schemas.microsoft.com/office/drawing/2010/main" xmlns="" w="9525">
+                  <a14:hiddenLine xmlns="" xmlns:a14="http://schemas.microsoft.com/office/drawing/2010/main" w="9525">
                     <a:solidFill>
                       <a:srgbClr val="000000"/>
                     </a:solidFill>
@@ -10429,7 +10428,7 @@
               </a:ln>
               <a:extLst>
                 <a:ext uri="{91240B29-F687-4f45-9708-019B960494DF}">
-                  <a14:hiddenLine xmlns:a14="http://schemas.microsoft.com/office/drawing/2010/main" xmlns="" w="9525">
+                  <a14:hiddenLine xmlns="" xmlns:a14="http://schemas.microsoft.com/office/drawing/2010/main" w="9525">
                     <a:solidFill>
                       <a:srgbClr val="000000"/>
                     </a:solidFill>
@@ -10491,7 +10490,7 @@
               </a:ln>
               <a:extLst>
                 <a:ext uri="{91240B29-F687-4f45-9708-019B960494DF}">
-                  <a14:hiddenLine xmlns:a14="http://schemas.microsoft.com/office/drawing/2010/main" xmlns="" w="9525">
+                  <a14:hiddenLine xmlns="" xmlns:a14="http://schemas.microsoft.com/office/drawing/2010/main" w="9525">
                     <a:solidFill>
                       <a:srgbClr val="000000"/>
                     </a:solidFill>
@@ -10581,7 +10580,7 @@
               </a:ln>
               <a:extLst>
                 <a:ext uri="{91240B29-F687-4f45-9708-019B960494DF}">
-                  <a14:hiddenLine xmlns:a14="http://schemas.microsoft.com/office/drawing/2010/main" xmlns="" w="9525">
+                  <a14:hiddenLine xmlns="" xmlns:a14="http://schemas.microsoft.com/office/drawing/2010/main" w="9525">
                     <a:solidFill>
                       <a:srgbClr val="000000"/>
                     </a:solidFill>
@@ -10646,7 +10645,7 @@
               </a:ln>
               <a:extLst>
                 <a:ext uri="{91240B29-F687-4f45-9708-019B960494DF}">
-                  <a14:hiddenLine xmlns:a14="http://schemas.microsoft.com/office/drawing/2010/main" xmlns="" w="9525">
+                  <a14:hiddenLine xmlns="" xmlns:a14="http://schemas.microsoft.com/office/drawing/2010/main" w="9525">
                     <a:solidFill>
                       <a:srgbClr val="000000"/>
                     </a:solidFill>
@@ -10708,7 +10707,7 @@
               </a:ln>
               <a:extLst>
                 <a:ext uri="{91240B29-F687-4f45-9708-019B960494DF}">
-                  <a14:hiddenLine xmlns:a14="http://schemas.microsoft.com/office/drawing/2010/main" xmlns="" w="9525">
+                  <a14:hiddenLine xmlns="" xmlns:a14="http://schemas.microsoft.com/office/drawing/2010/main" w="9525">
                     <a:solidFill>
                       <a:srgbClr val="000000"/>
                     </a:solidFill>
@@ -10798,7 +10797,7 @@
               </a:ln>
               <a:extLst>
                 <a:ext uri="{91240B29-F687-4f45-9708-019B960494DF}">
-                  <a14:hiddenLine xmlns:a14="http://schemas.microsoft.com/office/drawing/2010/main" xmlns="" w="9525">
+                  <a14:hiddenLine xmlns="" xmlns:a14="http://schemas.microsoft.com/office/drawing/2010/main" w="9525">
                     <a:solidFill>
                       <a:srgbClr val="000000"/>
                     </a:solidFill>
@@ -10888,7 +10887,7 @@
               </a:ln>
               <a:extLst>
                 <a:ext uri="{91240B29-F687-4f45-9708-019B960494DF}">
-                  <a14:hiddenLine xmlns:a14="http://schemas.microsoft.com/office/drawing/2010/main" xmlns="" w="9525">
+                  <a14:hiddenLine xmlns="" xmlns:a14="http://schemas.microsoft.com/office/drawing/2010/main" w="9525">
                     <a:solidFill>
                       <a:srgbClr val="000000"/>
                     </a:solidFill>
@@ -10953,7 +10952,7 @@
               </a:ln>
               <a:extLst>
                 <a:ext uri="{91240B29-F687-4f45-9708-019B960494DF}">
-                  <a14:hiddenLine xmlns:a14="http://schemas.microsoft.com/office/drawing/2010/main" xmlns="" w="9525">
+                  <a14:hiddenLine xmlns="" xmlns:a14="http://schemas.microsoft.com/office/drawing/2010/main" w="9525">
                     <a:solidFill>
                       <a:srgbClr val="000000"/>
                     </a:solidFill>
@@ -11073,7 +11072,7 @@
               </a:ln>
               <a:extLst>
                 <a:ext uri="{91240B29-F687-4f45-9708-019B960494DF}">
-                  <a14:hiddenLine xmlns:a14="http://schemas.microsoft.com/office/drawing/2010/main" xmlns="" w="9525">
+                  <a14:hiddenLine xmlns="" xmlns:a14="http://schemas.microsoft.com/office/drawing/2010/main" w="9525">
                     <a:solidFill>
                       <a:srgbClr val="000000"/>
                     </a:solidFill>
@@ -11171,7 +11170,7 @@
               </a:ln>
               <a:extLst>
                 <a:ext uri="{91240B29-F687-4f45-9708-019B960494DF}">
-                  <a14:hiddenLine xmlns:a14="http://schemas.microsoft.com/office/drawing/2010/main" xmlns="" w="9525">
+                  <a14:hiddenLine xmlns="" xmlns:a14="http://schemas.microsoft.com/office/drawing/2010/main" w="9525">
                     <a:solidFill>
                       <a:srgbClr val="000000"/>
                     </a:solidFill>
@@ -11286,7 +11285,7 @@
               </a:ln>
               <a:extLst>
                 <a:ext uri="{91240B29-F687-4f45-9708-019B960494DF}">
-                  <a14:hiddenLine xmlns:a14="http://schemas.microsoft.com/office/drawing/2010/main" xmlns="" w="9525">
+                  <a14:hiddenLine xmlns="" xmlns:a14="http://schemas.microsoft.com/office/drawing/2010/main" w="9525">
                     <a:solidFill>
                       <a:srgbClr val="000000"/>
                     </a:solidFill>
@@ -11376,7 +11375,7 @@
               </a:ln>
               <a:extLst>
                 <a:ext uri="{91240B29-F687-4f45-9708-019B960494DF}">
-                  <a14:hiddenLine xmlns:a14="http://schemas.microsoft.com/office/drawing/2010/main" xmlns="" w="9525">
+                  <a14:hiddenLine xmlns="" xmlns:a14="http://schemas.microsoft.com/office/drawing/2010/main" w="9525">
                     <a:solidFill>
                       <a:srgbClr val="000000"/>
                     </a:solidFill>
@@ -11441,7 +11440,7 @@
               </a:ln>
               <a:extLst>
                 <a:ext uri="{91240B29-F687-4f45-9708-019B960494DF}">
-                  <a14:hiddenLine xmlns:a14="http://schemas.microsoft.com/office/drawing/2010/main" xmlns="" w="9525">
+                  <a14:hiddenLine xmlns="" xmlns:a14="http://schemas.microsoft.com/office/drawing/2010/main" w="9525">
                     <a:solidFill>
                       <a:srgbClr val="000000"/>
                     </a:solidFill>
@@ -11531,7 +11530,7 @@
               </a:ln>
               <a:extLst>
                 <a:ext uri="{91240B29-F687-4f45-9708-019B960494DF}">
-                  <a14:hiddenLine xmlns:a14="http://schemas.microsoft.com/office/drawing/2010/main" xmlns="" w="9525">
+                  <a14:hiddenLine xmlns="" xmlns:a14="http://schemas.microsoft.com/office/drawing/2010/main" w="9525">
                     <a:solidFill>
                       <a:srgbClr val="000000"/>
                     </a:solidFill>
@@ -11599,7 +11598,7 @@
               </a:ln>
               <a:extLst>
                 <a:ext uri="{91240B29-F687-4f45-9708-019B960494DF}">
-                  <a14:hiddenLine xmlns:a14="http://schemas.microsoft.com/office/drawing/2010/main" xmlns="" w="9525">
+                  <a14:hiddenLine xmlns="" xmlns:a14="http://schemas.microsoft.com/office/drawing/2010/main" w="9525">
                     <a:solidFill>
                       <a:srgbClr val="000000"/>
                     </a:solidFill>
@@ -11689,7 +11688,7 @@
               </a:ln>
               <a:extLst>
                 <a:ext uri="{91240B29-F687-4f45-9708-019B960494DF}">
-                  <a14:hiddenLine xmlns:a14="http://schemas.microsoft.com/office/drawing/2010/main" xmlns="" w="9525">
+                  <a14:hiddenLine xmlns="" xmlns:a14="http://schemas.microsoft.com/office/drawing/2010/main" w="9525">
                     <a:solidFill>
                       <a:srgbClr val="000000"/>
                     </a:solidFill>
@@ -11757,7 +11756,7 @@
               </a:ln>
               <a:extLst>
                 <a:ext uri="{91240B29-F687-4f45-9708-019B960494DF}">
-                  <a14:hiddenLine xmlns:a14="http://schemas.microsoft.com/office/drawing/2010/main" xmlns="" w="9525">
+                  <a14:hiddenLine xmlns="" xmlns:a14="http://schemas.microsoft.com/office/drawing/2010/main" w="9525">
                     <a:solidFill>
                       <a:srgbClr val="000000"/>
                     </a:solidFill>
@@ -11847,7 +11846,7 @@
               </a:ln>
               <a:extLst>
                 <a:ext uri="{91240B29-F687-4f45-9708-019B960494DF}">
-                  <a14:hiddenLine xmlns:a14="http://schemas.microsoft.com/office/drawing/2010/main" xmlns="" w="9525">
+                  <a14:hiddenLine xmlns="" xmlns:a14="http://schemas.microsoft.com/office/drawing/2010/main" w="9525">
                     <a:solidFill>
                       <a:srgbClr val="000000"/>
                     </a:solidFill>
@@ -11881,7 +11880,7 @@
               </a:ln>
               <a:extLst>
                 <a:ext uri="{91240B29-F687-4f45-9708-019B960494DF}">
-                  <a14:hiddenLine xmlns:a14="http://schemas.microsoft.com/office/drawing/2010/main" xmlns="" w="9525">
+                  <a14:hiddenLine xmlns="" xmlns:a14="http://schemas.microsoft.com/office/drawing/2010/main" w="9525">
                     <a:solidFill>
                       <a:srgbClr val="000000"/>
                     </a:solidFill>
@@ -12021,7 +12020,7 @@
           <a:p>
             <a:fld id="{8B6C2AFC-E312-4DF4-802C-A2004B667576}" type="datetimeFigureOut">
               <a:rPr lang="en-GB" smtClean="0"/>
-              <a:t>01/06/2020</a:t>
+              <a:t>06/06/2020</a:t>
             </a:fld>
             <a:endParaRPr lang="en-GB"/>
           </a:p>
@@ -12861,96 +12860,6 @@
           <p:cNvPr id="2" name="Title 1">
             <a:extLst>
               <a:ext uri="{FF2B5EF4-FFF2-40B4-BE49-F238E27FC236}">
-                <a16:creationId xmlns:a16="http://schemas.microsoft.com/office/drawing/2014/main" id="{72481AD0-5051-4772-B46D-1578215D9B96}"/>
-              </a:ext>
-            </a:extLst>
-          </p:cNvPr>
-          <p:cNvSpPr>
-            <a:spLocks noGrp="1"/>
-          </p:cNvSpPr>
-          <p:nvPr>
-            <p:ph type="title"/>
-          </p:nvPr>
-        </p:nvSpPr>
-        <p:spPr/>
-        <p:txBody>
-          <a:bodyPr/>
-          <a:lstStyle/>
-          <a:p>
-            <a:r>
-              <a:rPr lang="en-US" dirty="0"/>
-              <a:t>Procedure</a:t>
-            </a:r>
-            <a:endParaRPr lang="en-GB" dirty="0"/>
-          </a:p>
-        </p:txBody>
-      </p:sp>
-      <p:sp>
-        <p:nvSpPr>
-          <p:cNvPr id="3" name="Content Placeholder 2">
-            <a:extLst>
-              <a:ext uri="{FF2B5EF4-FFF2-40B4-BE49-F238E27FC236}">
-                <a16:creationId xmlns:a16="http://schemas.microsoft.com/office/drawing/2014/main" id="{CDC28017-D8FD-48EB-9D5B-E8DC2EDE3856}"/>
-              </a:ext>
-            </a:extLst>
-          </p:cNvPr>
-          <p:cNvSpPr>
-            <a:spLocks noGrp="1"/>
-          </p:cNvSpPr>
-          <p:nvPr>
-            <p:ph idx="1"/>
-          </p:nvPr>
-        </p:nvSpPr>
-        <p:spPr/>
-        <p:txBody>
-          <a:bodyPr/>
-          <a:lstStyle/>
-          <a:p>
-            <a:r>
-              <a:rPr lang="en-US" dirty="0"/>
-              <a:t>In this project, I used L1 norm to implement regularization in the model.</a:t>
-            </a:r>
-          </a:p>
-          <a:p>
-            <a:endParaRPr lang="en-GB" dirty="0"/>
-          </a:p>
-        </p:txBody>
-      </p:sp>
-    </p:spTree>
-    <p:extLst>
-      <p:ext uri="{BB962C8B-B14F-4D97-AF65-F5344CB8AC3E}">
-        <p14:creationId xmlns:p14="http://schemas.microsoft.com/office/powerpoint/2010/main" val="3645544339"/>
-      </p:ext>
-    </p:extLst>
-  </p:cSld>
-  <p:clrMapOvr>
-    <a:masterClrMapping/>
-  </p:clrMapOvr>
-</p:sld>
-</file>
-
-<file path=ppt/slides/slide6.xml><?xml version="1.0" encoding="utf-8"?>
-<p:sld xmlns:a="http://schemas.openxmlformats.org/drawingml/2006/main" xmlns:r="http://schemas.openxmlformats.org/officeDocument/2006/relationships" xmlns:p="http://schemas.openxmlformats.org/presentationml/2006/main">
-  <p:cSld>
-    <p:spTree>
-      <p:nvGrpSpPr>
-        <p:cNvPr id="1" name=""/>
-        <p:cNvGrpSpPr/>
-        <p:nvPr/>
-      </p:nvGrpSpPr>
-      <p:grpSpPr>
-        <a:xfrm>
-          <a:off x="0" y="0"/>
-          <a:ext cx="0" cy="0"/>
-          <a:chOff x="0" y="0"/>
-          <a:chExt cx="0" cy="0"/>
-        </a:xfrm>
-      </p:grpSpPr>
-      <p:sp>
-        <p:nvSpPr>
-          <p:cNvPr id="2" name="Title 1">
-            <a:extLst>
-              <a:ext uri="{FF2B5EF4-FFF2-40B4-BE49-F238E27FC236}">
                 <a16:creationId xmlns:a16="http://schemas.microsoft.com/office/drawing/2014/main" id="{356B7E62-5FB4-4B73-8772-7180C8C29903}"/>
               </a:ext>
             </a:extLst>
@@ -12991,15 +12900,54 @@
             <p:ph idx="1"/>
           </p:nvPr>
         </p:nvSpPr>
-        <p:spPr/>
+        <p:spPr>
+          <a:xfrm>
+            <a:off x="1141412" y="2249487"/>
+            <a:ext cx="4951681" cy="3541714"/>
+          </a:xfrm>
+        </p:spPr>
         <p:txBody>
           <a:bodyPr/>
           <a:lstStyle/>
           <a:p>
-            <a:endParaRPr lang="en-GB"/>
+            <a:r>
+              <a:rPr lang="en-US" dirty="0"/>
+              <a:t>This tells us that the ‘Age’ attribute is more significant to the model than ‘Temp of Water’</a:t>
+            </a:r>
+            <a:endParaRPr lang="en-GB" dirty="0"/>
           </a:p>
         </p:txBody>
       </p:sp>
+      <p:pic>
+        <p:nvPicPr>
+          <p:cNvPr id="4" name="Picture 3">
+            <a:extLst>
+              <a:ext uri="{FF2B5EF4-FFF2-40B4-BE49-F238E27FC236}">
+                <a16:creationId xmlns:a16="http://schemas.microsoft.com/office/drawing/2014/main" id="{D9FD0F67-D5E2-4294-BC16-A05A0D2D2E20}"/>
+              </a:ext>
+            </a:extLst>
+          </p:cNvPr>
+          <p:cNvPicPr>
+            <a:picLocks noChangeAspect="1"/>
+          </p:cNvPicPr>
+          <p:nvPr/>
+        </p:nvPicPr>
+        <p:blipFill>
+          <a:blip r:embed="rId2"/>
+          <a:stretch>
+            <a:fillRect/>
+          </a:stretch>
+        </p:blipFill>
+        <p:spPr>
+          <a:xfrm>
+            <a:off x="6093094" y="2249487"/>
+            <a:ext cx="6098905" cy="4082889"/>
+          </a:xfrm>
+          <a:prstGeom prst="rect">
+            <a:avLst/>
+          </a:prstGeom>
+        </p:spPr>
+      </p:pic>
     </p:spTree>
     <p:extLst>
       <p:ext uri="{BB962C8B-B14F-4D97-AF65-F5344CB8AC3E}">

--- a/CS383/honours/presentation.pptx
+++ b/CS383/honours/presentation.pptx
@@ -166,7 +166,7 @@
           <a:noFill/>
           <a:extLst>
             <a:ext uri="{909E8E84-426E-40dd-AFC4-6F175D3DCCD1}">
-              <a14:hiddenFill xmlns="" xmlns:a14="http://schemas.microsoft.com/office/drawing/2010/main">
+              <a14:hiddenFill xmlns:a14="http://schemas.microsoft.com/office/drawing/2010/main" xmlns="">
                 <a:solidFill>
                   <a:srgbClr val="FFFFFF"/>
                 </a:solidFill>
@@ -226,7 +226,7 @@
             </a:ln>
             <a:extLst>
               <a:ext uri="{91240B29-F687-4f45-9708-019B960494DF}">
-                <a14:hiddenLine xmlns="" xmlns:a14="http://schemas.microsoft.com/office/drawing/2010/main" w="9525">
+                <a14:hiddenLine xmlns:a14="http://schemas.microsoft.com/office/drawing/2010/main" xmlns="" w="9525">
                   <a:solidFill>
                     <a:srgbClr val="000000"/>
                   </a:solidFill>
@@ -316,7 +316,7 @@
             </a:ln>
             <a:extLst>
               <a:ext uri="{91240B29-F687-4f45-9708-019B960494DF}">
-                <a14:hiddenLine xmlns="" xmlns:a14="http://schemas.microsoft.com/office/drawing/2010/main" w="9525">
+                <a14:hiddenLine xmlns:a14="http://schemas.microsoft.com/office/drawing/2010/main" xmlns="" w="9525">
                   <a:solidFill>
                     <a:srgbClr val="000000"/>
                   </a:solidFill>
@@ -406,7 +406,7 @@
             </a:ln>
             <a:extLst>
               <a:ext uri="{91240B29-F687-4f45-9708-019B960494DF}">
-                <a14:hiddenLine xmlns="" xmlns:a14="http://schemas.microsoft.com/office/drawing/2010/main" w="9525">
+                <a14:hiddenLine xmlns:a14="http://schemas.microsoft.com/office/drawing/2010/main" xmlns="" w="9525">
                   <a:solidFill>
                     <a:srgbClr val="000000"/>
                   </a:solidFill>
@@ -440,7 +440,7 @@
             </a:ln>
             <a:extLst>
               <a:ext uri="{91240B29-F687-4f45-9708-019B960494DF}">
-                <a14:hiddenLine xmlns="" xmlns:a14="http://schemas.microsoft.com/office/drawing/2010/main" w="9525">
+                <a14:hiddenLine xmlns:a14="http://schemas.microsoft.com/office/drawing/2010/main" xmlns="" w="9525">
                   <a:solidFill>
                     <a:srgbClr val="000000"/>
                   </a:solidFill>
@@ -530,7 +530,7 @@
             </a:ln>
             <a:extLst>
               <a:ext uri="{91240B29-F687-4f45-9708-019B960494DF}">
-                <a14:hiddenLine xmlns="" xmlns:a14="http://schemas.microsoft.com/office/drawing/2010/main" w="9525">
+                <a14:hiddenLine xmlns:a14="http://schemas.microsoft.com/office/drawing/2010/main" xmlns="" w="9525">
                   <a:solidFill>
                     <a:srgbClr val="000000"/>
                   </a:solidFill>
@@ -592,7 +592,7 @@
             </a:ln>
             <a:extLst>
               <a:ext uri="{91240B29-F687-4f45-9708-019B960494DF}">
-                <a14:hiddenLine xmlns="" xmlns:a14="http://schemas.microsoft.com/office/drawing/2010/main" w="9525">
+                <a14:hiddenLine xmlns:a14="http://schemas.microsoft.com/office/drawing/2010/main" xmlns="" w="9525">
                   <a:solidFill>
                     <a:srgbClr val="000000"/>
                   </a:solidFill>
@@ -654,7 +654,7 @@
             </a:ln>
             <a:extLst>
               <a:ext uri="{91240B29-F687-4f45-9708-019B960494DF}">
-                <a14:hiddenLine xmlns="" xmlns:a14="http://schemas.microsoft.com/office/drawing/2010/main" w="9525">
+                <a14:hiddenLine xmlns:a14="http://schemas.microsoft.com/office/drawing/2010/main" xmlns="" w="9525">
                   <a:solidFill>
                     <a:srgbClr val="000000"/>
                   </a:solidFill>
@@ -744,7 +744,7 @@
             </a:ln>
             <a:extLst>
               <a:ext uri="{91240B29-F687-4f45-9708-019B960494DF}">
-                <a14:hiddenLine xmlns="" xmlns:a14="http://schemas.microsoft.com/office/drawing/2010/main" w="9525">
+                <a14:hiddenLine xmlns:a14="http://schemas.microsoft.com/office/drawing/2010/main" xmlns="" w="9525">
                   <a:solidFill>
                     <a:srgbClr val="000000"/>
                   </a:solidFill>
@@ -806,7 +806,7 @@
             </a:ln>
             <a:extLst>
               <a:ext uri="{91240B29-F687-4f45-9708-019B960494DF}">
-                <a14:hiddenLine xmlns="" xmlns:a14="http://schemas.microsoft.com/office/drawing/2010/main" w="9525">
+                <a14:hiddenLine xmlns:a14="http://schemas.microsoft.com/office/drawing/2010/main" xmlns="" w="9525">
                   <a:solidFill>
                     <a:srgbClr val="000000"/>
                   </a:solidFill>
@@ -868,7 +868,7 @@
             </a:ln>
             <a:extLst>
               <a:ext uri="{91240B29-F687-4f45-9708-019B960494DF}">
-                <a14:hiddenLine xmlns="" xmlns:a14="http://schemas.microsoft.com/office/drawing/2010/main" w="9525">
+                <a14:hiddenLine xmlns:a14="http://schemas.microsoft.com/office/drawing/2010/main" xmlns="" w="9525">
                   <a:solidFill>
                     <a:srgbClr val="000000"/>
                   </a:solidFill>
@@ -958,7 +958,7 @@
             </a:ln>
             <a:extLst>
               <a:ext uri="{91240B29-F687-4f45-9708-019B960494DF}">
-                <a14:hiddenLine xmlns="" xmlns:a14="http://schemas.microsoft.com/office/drawing/2010/main" w="9525">
+                <a14:hiddenLine xmlns:a14="http://schemas.microsoft.com/office/drawing/2010/main" xmlns="" w="9525">
                   <a:solidFill>
                     <a:srgbClr val="000000"/>
                   </a:solidFill>
@@ -1048,7 +1048,7 @@
             </a:ln>
             <a:extLst>
               <a:ext uri="{91240B29-F687-4f45-9708-019B960494DF}">
-                <a14:hiddenLine xmlns="" xmlns:a14="http://schemas.microsoft.com/office/drawing/2010/main" w="9525">
+                <a14:hiddenLine xmlns:a14="http://schemas.microsoft.com/office/drawing/2010/main" xmlns="" w="9525">
                   <a:solidFill>
                     <a:srgbClr val="000000"/>
                   </a:solidFill>
@@ -1110,7 +1110,7 @@
             </a:ln>
             <a:extLst>
               <a:ext uri="{91240B29-F687-4f45-9708-019B960494DF}">
-                <a14:hiddenLine xmlns="" xmlns:a14="http://schemas.microsoft.com/office/drawing/2010/main" w="9525">
+                <a14:hiddenLine xmlns:a14="http://schemas.microsoft.com/office/drawing/2010/main" xmlns="" w="9525">
                   <a:solidFill>
                     <a:srgbClr val="000000"/>
                   </a:solidFill>
@@ -1220,7 +1220,7 @@
             </a:ln>
             <a:extLst>
               <a:ext uri="{91240B29-F687-4f45-9708-019B960494DF}">
-                <a14:hiddenLine xmlns="" xmlns:a14="http://schemas.microsoft.com/office/drawing/2010/main" w="9525">
+                <a14:hiddenLine xmlns:a14="http://schemas.microsoft.com/office/drawing/2010/main" xmlns="" w="9525">
                   <a:solidFill>
                     <a:srgbClr val="000000"/>
                   </a:solidFill>
@@ -1282,7 +1282,7 @@
             </a:ln>
             <a:extLst>
               <a:ext uri="{91240B29-F687-4f45-9708-019B960494DF}">
-                <a14:hiddenLine xmlns="" xmlns:a14="http://schemas.microsoft.com/office/drawing/2010/main" w="9525">
+                <a14:hiddenLine xmlns:a14="http://schemas.microsoft.com/office/drawing/2010/main" xmlns="" w="9525">
                   <a:solidFill>
                     <a:srgbClr val="000000"/>
                   </a:solidFill>
@@ -1372,7 +1372,7 @@
             </a:ln>
             <a:extLst>
               <a:ext uri="{91240B29-F687-4f45-9708-019B960494DF}">
-                <a14:hiddenLine xmlns="" xmlns:a14="http://schemas.microsoft.com/office/drawing/2010/main" w="9525">
+                <a14:hiddenLine xmlns:a14="http://schemas.microsoft.com/office/drawing/2010/main" xmlns="" w="9525">
                   <a:solidFill>
                     <a:srgbClr val="000000"/>
                   </a:solidFill>
@@ -1462,7 +1462,7 @@
             </a:ln>
             <a:extLst>
               <a:ext uri="{91240B29-F687-4f45-9708-019B960494DF}">
-                <a14:hiddenLine xmlns="" xmlns:a14="http://schemas.microsoft.com/office/drawing/2010/main" w="9525">
+                <a14:hiddenLine xmlns:a14="http://schemas.microsoft.com/office/drawing/2010/main" xmlns="" w="9525">
                   <a:solidFill>
                     <a:srgbClr val="000000"/>
                   </a:solidFill>
@@ -1524,7 +1524,7 @@
             </a:ln>
             <a:extLst>
               <a:ext uri="{91240B29-F687-4f45-9708-019B960494DF}">
-                <a14:hiddenLine xmlns="" xmlns:a14="http://schemas.microsoft.com/office/drawing/2010/main" w="9525">
+                <a14:hiddenLine xmlns:a14="http://schemas.microsoft.com/office/drawing/2010/main" xmlns="" w="9525">
                   <a:solidFill>
                     <a:srgbClr val="000000"/>
                   </a:solidFill>
@@ -1614,7 +1614,7 @@
             </a:ln>
             <a:extLst>
               <a:ext uri="{91240B29-F687-4f45-9708-019B960494DF}">
-                <a14:hiddenLine xmlns="" xmlns:a14="http://schemas.microsoft.com/office/drawing/2010/main" w="9525">
+                <a14:hiddenLine xmlns:a14="http://schemas.microsoft.com/office/drawing/2010/main" xmlns="" w="9525">
                   <a:solidFill>
                     <a:srgbClr val="000000"/>
                   </a:solidFill>
@@ -1704,7 +1704,7 @@
             </a:ln>
             <a:extLst>
               <a:ext uri="{91240B29-F687-4f45-9708-019B960494DF}">
-                <a14:hiddenLine xmlns="" xmlns:a14="http://schemas.microsoft.com/office/drawing/2010/main" w="9525">
+                <a14:hiddenLine xmlns:a14="http://schemas.microsoft.com/office/drawing/2010/main" xmlns="" w="9525">
                   <a:solidFill>
                     <a:srgbClr val="000000"/>
                   </a:solidFill>
@@ -1760,7 +1760,7 @@
             </a:ln>
             <a:extLst>
               <a:ext uri="{91240B29-F687-4f45-9708-019B960494DF}">
-                <a14:hiddenLine xmlns="" xmlns:a14="http://schemas.microsoft.com/office/drawing/2010/main" w="9525">
+                <a14:hiddenLine xmlns:a14="http://schemas.microsoft.com/office/drawing/2010/main" xmlns="" w="9525">
                   <a:solidFill>
                     <a:srgbClr val="000000"/>
                   </a:solidFill>
@@ -1850,7 +1850,7 @@
             </a:ln>
             <a:extLst>
               <a:ext uri="{91240B29-F687-4f45-9708-019B960494DF}">
-                <a14:hiddenLine xmlns="" xmlns:a14="http://schemas.microsoft.com/office/drawing/2010/main" w="9525">
+                <a14:hiddenLine xmlns:a14="http://schemas.microsoft.com/office/drawing/2010/main" xmlns="" w="9525">
                   <a:solidFill>
                     <a:srgbClr val="000000"/>
                   </a:solidFill>
@@ -1906,7 +1906,7 @@
             </a:ln>
             <a:extLst>
               <a:ext uri="{91240B29-F687-4f45-9708-019B960494DF}">
-                <a14:hiddenLine xmlns="" xmlns:a14="http://schemas.microsoft.com/office/drawing/2010/main" w="9525">
+                <a14:hiddenLine xmlns:a14="http://schemas.microsoft.com/office/drawing/2010/main" xmlns="" w="9525">
                   <a:solidFill>
                     <a:srgbClr val="000000"/>
                   </a:solidFill>
@@ -1996,7 +1996,7 @@
             </a:ln>
             <a:extLst>
               <a:ext uri="{91240B29-F687-4f45-9708-019B960494DF}">
-                <a14:hiddenLine xmlns="" xmlns:a14="http://schemas.microsoft.com/office/drawing/2010/main" w="9525">
+                <a14:hiddenLine xmlns:a14="http://schemas.microsoft.com/office/drawing/2010/main" xmlns="" w="9525">
                   <a:solidFill>
                     <a:srgbClr val="000000"/>
                   </a:solidFill>
@@ -2064,7 +2064,7 @@
             </a:ln>
             <a:extLst>
               <a:ext uri="{91240B29-F687-4f45-9708-019B960494DF}">
-                <a14:hiddenLine xmlns="" xmlns:a14="http://schemas.microsoft.com/office/drawing/2010/main" w="9525">
+                <a14:hiddenLine xmlns:a14="http://schemas.microsoft.com/office/drawing/2010/main" xmlns="" w="9525">
                   <a:solidFill>
                     <a:srgbClr val="000000"/>
                   </a:solidFill>
@@ -2154,7 +2154,7 @@
             </a:ln>
             <a:extLst>
               <a:ext uri="{91240B29-F687-4f45-9708-019B960494DF}">
-                <a14:hiddenLine xmlns="" xmlns:a14="http://schemas.microsoft.com/office/drawing/2010/main" w="9525">
+                <a14:hiddenLine xmlns:a14="http://schemas.microsoft.com/office/drawing/2010/main" xmlns="" w="9525">
                   <a:solidFill>
                     <a:srgbClr val="000000"/>
                   </a:solidFill>
@@ -2222,7 +2222,7 @@
             </a:ln>
             <a:extLst>
               <a:ext uri="{91240B29-F687-4f45-9708-019B960494DF}">
-                <a14:hiddenLine xmlns="" xmlns:a14="http://schemas.microsoft.com/office/drawing/2010/main" w="9525">
+                <a14:hiddenLine xmlns:a14="http://schemas.microsoft.com/office/drawing/2010/main" xmlns="" w="9525">
                   <a:solidFill>
                     <a:srgbClr val="000000"/>
                   </a:solidFill>
@@ -2312,7 +2312,7 @@
             </a:ln>
             <a:extLst>
               <a:ext uri="{91240B29-F687-4f45-9708-019B960494DF}">
-                <a14:hiddenLine xmlns="" xmlns:a14="http://schemas.microsoft.com/office/drawing/2010/main" w="9525">
+                <a14:hiddenLine xmlns:a14="http://schemas.microsoft.com/office/drawing/2010/main" xmlns="" w="9525">
                   <a:solidFill>
                     <a:srgbClr val="000000"/>
                   </a:solidFill>
@@ -2346,7 +2346,7 @@
             </a:ln>
             <a:extLst>
               <a:ext uri="{91240B29-F687-4f45-9708-019B960494DF}">
-                <a14:hiddenLine xmlns="" xmlns:a14="http://schemas.microsoft.com/office/drawing/2010/main" w="9525">
+                <a14:hiddenLine xmlns:a14="http://schemas.microsoft.com/office/drawing/2010/main" xmlns="" w="9525">
                   <a:solidFill>
                     <a:srgbClr val="000000"/>
                   </a:solidFill>
@@ -2436,7 +2436,7 @@
             </a:ln>
             <a:extLst>
               <a:ext uri="{91240B29-F687-4f45-9708-019B960494DF}">
-                <a14:hiddenLine xmlns="" xmlns:a14="http://schemas.microsoft.com/office/drawing/2010/main" w="9525">
+                <a14:hiddenLine xmlns:a14="http://schemas.microsoft.com/office/drawing/2010/main" xmlns="" w="9525">
                   <a:solidFill>
                     <a:srgbClr val="000000"/>
                   </a:solidFill>
@@ -2498,7 +2498,7 @@
             </a:ln>
             <a:extLst>
               <a:ext uri="{91240B29-F687-4f45-9708-019B960494DF}">
-                <a14:hiddenLine xmlns="" xmlns:a14="http://schemas.microsoft.com/office/drawing/2010/main" w="9525">
+                <a14:hiddenLine xmlns:a14="http://schemas.microsoft.com/office/drawing/2010/main" xmlns="" w="9525">
                   <a:solidFill>
                     <a:srgbClr val="000000"/>
                   </a:solidFill>
@@ -2560,7 +2560,7 @@
             </a:ln>
             <a:extLst>
               <a:ext uri="{91240B29-F687-4f45-9708-019B960494DF}">
-                <a14:hiddenLine xmlns="" xmlns:a14="http://schemas.microsoft.com/office/drawing/2010/main" w="9525">
+                <a14:hiddenLine xmlns:a14="http://schemas.microsoft.com/office/drawing/2010/main" xmlns="" w="9525">
                   <a:solidFill>
                     <a:srgbClr val="000000"/>
                   </a:solidFill>
@@ -2650,7 +2650,7 @@
             </a:ln>
             <a:extLst>
               <a:ext uri="{91240B29-F687-4f45-9708-019B960494DF}">
-                <a14:hiddenLine xmlns="" xmlns:a14="http://schemas.microsoft.com/office/drawing/2010/main" w="9525">
+                <a14:hiddenLine xmlns:a14="http://schemas.microsoft.com/office/drawing/2010/main" xmlns="" w="9525">
                   <a:solidFill>
                     <a:srgbClr val="000000"/>
                   </a:solidFill>
@@ -2718,7 +2718,7 @@
             </a:ln>
             <a:extLst>
               <a:ext uri="{91240B29-F687-4f45-9708-019B960494DF}">
-                <a14:hiddenLine xmlns="" xmlns:a14="http://schemas.microsoft.com/office/drawing/2010/main" w="9525">
+                <a14:hiddenLine xmlns:a14="http://schemas.microsoft.com/office/drawing/2010/main" xmlns="" w="9525">
                   <a:solidFill>
                     <a:srgbClr val="000000"/>
                   </a:solidFill>
@@ -2780,7 +2780,7 @@
             </a:ln>
             <a:extLst>
               <a:ext uri="{91240B29-F687-4f45-9708-019B960494DF}">
-                <a14:hiddenLine xmlns="" xmlns:a14="http://schemas.microsoft.com/office/drawing/2010/main" w="9525">
+                <a14:hiddenLine xmlns:a14="http://schemas.microsoft.com/office/drawing/2010/main" xmlns="" w="9525">
                   <a:solidFill>
                     <a:srgbClr val="000000"/>
                   </a:solidFill>
@@ -2870,7 +2870,7 @@
             </a:ln>
             <a:extLst>
               <a:ext uri="{91240B29-F687-4f45-9708-019B960494DF}">
-                <a14:hiddenLine xmlns="" xmlns:a14="http://schemas.microsoft.com/office/drawing/2010/main" w="9525">
+                <a14:hiddenLine xmlns:a14="http://schemas.microsoft.com/office/drawing/2010/main" xmlns="" w="9525">
                   <a:solidFill>
                     <a:srgbClr val="000000"/>
                   </a:solidFill>
@@ -2932,7 +2932,7 @@
             </a:ln>
             <a:extLst>
               <a:ext uri="{91240B29-F687-4f45-9708-019B960494DF}">
-                <a14:hiddenLine xmlns="" xmlns:a14="http://schemas.microsoft.com/office/drawing/2010/main" w="9525">
+                <a14:hiddenLine xmlns:a14="http://schemas.microsoft.com/office/drawing/2010/main" xmlns="" w="9525">
                   <a:solidFill>
                     <a:srgbClr val="000000"/>
                   </a:solidFill>
@@ -3022,7 +3022,7 @@
             </a:ln>
             <a:extLst>
               <a:ext uri="{91240B29-F687-4f45-9708-019B960494DF}">
-                <a14:hiddenLine xmlns="" xmlns:a14="http://schemas.microsoft.com/office/drawing/2010/main" w="9525">
+                <a14:hiddenLine xmlns:a14="http://schemas.microsoft.com/office/drawing/2010/main" xmlns="" w="9525">
                   <a:solidFill>
                     <a:srgbClr val="000000"/>
                   </a:solidFill>
@@ -3084,7 +3084,7 @@
             </a:ln>
             <a:extLst>
               <a:ext uri="{91240B29-F687-4f45-9708-019B960494DF}">
-                <a14:hiddenLine xmlns="" xmlns:a14="http://schemas.microsoft.com/office/drawing/2010/main" w="9525">
+                <a14:hiddenLine xmlns:a14="http://schemas.microsoft.com/office/drawing/2010/main" xmlns="" w="9525">
                   <a:solidFill>
                     <a:srgbClr val="000000"/>
                   </a:solidFill>
@@ -3174,7 +3174,7 @@
             </a:ln>
             <a:extLst>
               <a:ext uri="{91240B29-F687-4f45-9708-019B960494DF}">
-                <a14:hiddenLine xmlns="" xmlns:a14="http://schemas.microsoft.com/office/drawing/2010/main" w="9525">
+                <a14:hiddenLine xmlns:a14="http://schemas.microsoft.com/office/drawing/2010/main" xmlns="" w="9525">
                   <a:solidFill>
                     <a:srgbClr val="000000"/>
                   </a:solidFill>
@@ -3208,7 +3208,7 @@
             </a:ln>
             <a:extLst>
               <a:ext uri="{91240B29-F687-4f45-9708-019B960494DF}">
-                <a14:hiddenLine xmlns="" xmlns:a14="http://schemas.microsoft.com/office/drawing/2010/main" w="9525">
+                <a14:hiddenLine xmlns:a14="http://schemas.microsoft.com/office/drawing/2010/main" xmlns="" w="9525">
                   <a:solidFill>
                     <a:srgbClr val="000000"/>
                   </a:solidFill>
@@ -3273,7 +3273,7 @@
             </a:ln>
             <a:extLst>
               <a:ext uri="{91240B29-F687-4f45-9708-019B960494DF}">
-                <a14:hiddenLine xmlns="" xmlns:a14="http://schemas.microsoft.com/office/drawing/2010/main" w="9525">
+                <a14:hiddenLine xmlns:a14="http://schemas.microsoft.com/office/drawing/2010/main" xmlns="" w="9525">
                   <a:solidFill>
                     <a:srgbClr val="000000"/>
                   </a:solidFill>
@@ -3363,7 +3363,7 @@
             </a:ln>
             <a:extLst>
               <a:ext uri="{91240B29-F687-4f45-9708-019B960494DF}">
-                <a14:hiddenLine xmlns="" xmlns:a14="http://schemas.microsoft.com/office/drawing/2010/main" w="9525">
+                <a14:hiddenLine xmlns:a14="http://schemas.microsoft.com/office/drawing/2010/main" xmlns="" w="9525">
                   <a:solidFill>
                     <a:srgbClr val="000000"/>
                   </a:solidFill>
@@ -3425,7 +3425,7 @@
             </a:ln>
             <a:extLst>
               <a:ext uri="{91240B29-F687-4f45-9708-019B960494DF}">
-                <a14:hiddenLine xmlns="" xmlns:a14="http://schemas.microsoft.com/office/drawing/2010/main" w="9525">
+                <a14:hiddenLine xmlns:a14="http://schemas.microsoft.com/office/drawing/2010/main" xmlns="" w="9525">
                   <a:solidFill>
                     <a:srgbClr val="000000"/>
                   </a:solidFill>
@@ -3515,7 +3515,7 @@
             </a:ln>
             <a:extLst>
               <a:ext uri="{91240B29-F687-4f45-9708-019B960494DF}">
-                <a14:hiddenLine xmlns="" xmlns:a14="http://schemas.microsoft.com/office/drawing/2010/main" w="9525">
+                <a14:hiddenLine xmlns:a14="http://schemas.microsoft.com/office/drawing/2010/main" xmlns="" w="9525">
                   <a:solidFill>
                     <a:srgbClr val="000000"/>
                   </a:solidFill>
@@ -3605,7 +3605,7 @@
             </a:ln>
             <a:extLst>
               <a:ext uri="{91240B29-F687-4f45-9708-019B960494DF}">
-                <a14:hiddenLine xmlns="" xmlns:a14="http://schemas.microsoft.com/office/drawing/2010/main" w="9525">
+                <a14:hiddenLine xmlns:a14="http://schemas.microsoft.com/office/drawing/2010/main" xmlns="" w="9525">
                   <a:solidFill>
                     <a:srgbClr val="000000"/>
                   </a:solidFill>
@@ -3670,7 +3670,7 @@
             </a:ln>
             <a:extLst>
               <a:ext uri="{91240B29-F687-4f45-9708-019B960494DF}">
-                <a14:hiddenLine xmlns="" xmlns:a14="http://schemas.microsoft.com/office/drawing/2010/main" w="9525">
+                <a14:hiddenLine xmlns:a14="http://schemas.microsoft.com/office/drawing/2010/main" xmlns="" w="9525">
                   <a:solidFill>
                     <a:srgbClr val="000000"/>
                   </a:solidFill>
@@ -3732,7 +3732,7 @@
             </a:ln>
             <a:extLst>
               <a:ext uri="{91240B29-F687-4f45-9708-019B960494DF}">
-                <a14:hiddenLine xmlns="" xmlns:a14="http://schemas.microsoft.com/office/drawing/2010/main" w="9525">
+                <a14:hiddenLine xmlns:a14="http://schemas.microsoft.com/office/drawing/2010/main" xmlns="" w="9525">
                   <a:solidFill>
                     <a:srgbClr val="000000"/>
                   </a:solidFill>
@@ -3822,7 +3822,7 @@
             </a:ln>
             <a:extLst>
               <a:ext uri="{91240B29-F687-4f45-9708-019B960494DF}">
-                <a14:hiddenLine xmlns="" xmlns:a14="http://schemas.microsoft.com/office/drawing/2010/main" w="9525">
+                <a14:hiddenLine xmlns:a14="http://schemas.microsoft.com/office/drawing/2010/main" xmlns="" w="9525">
                   <a:solidFill>
                     <a:srgbClr val="000000"/>
                   </a:solidFill>
@@ -3912,7 +3912,7 @@
             </a:ln>
             <a:extLst>
               <a:ext uri="{91240B29-F687-4f45-9708-019B960494DF}">
-                <a14:hiddenLine xmlns="" xmlns:a14="http://schemas.microsoft.com/office/drawing/2010/main" w="9525">
+                <a14:hiddenLine xmlns:a14="http://schemas.microsoft.com/office/drawing/2010/main" xmlns="" w="9525">
                   <a:solidFill>
                     <a:srgbClr val="000000"/>
                   </a:solidFill>
@@ -3974,7 +3974,7 @@
             </a:ln>
             <a:extLst>
               <a:ext uri="{91240B29-F687-4f45-9708-019B960494DF}">
-                <a14:hiddenLine xmlns="" xmlns:a14="http://schemas.microsoft.com/office/drawing/2010/main" w="9525">
+                <a14:hiddenLine xmlns:a14="http://schemas.microsoft.com/office/drawing/2010/main" xmlns="" w="9525">
                   <a:solidFill>
                     <a:srgbClr val="000000"/>
                   </a:solidFill>
@@ -4094,7 +4094,7 @@
             </a:ln>
             <a:extLst>
               <a:ext uri="{91240B29-F687-4f45-9708-019B960494DF}">
-                <a14:hiddenLine xmlns="" xmlns:a14="http://schemas.microsoft.com/office/drawing/2010/main" w="9525">
+                <a14:hiddenLine xmlns:a14="http://schemas.microsoft.com/office/drawing/2010/main" xmlns="" w="9525">
                   <a:solidFill>
                     <a:srgbClr val="000000"/>
                   </a:solidFill>
@@ -4162,7 +4162,7 @@
             </a:ln>
             <a:extLst>
               <a:ext uri="{91240B29-F687-4f45-9708-019B960494DF}">
-                <a14:hiddenLine xmlns="" xmlns:a14="http://schemas.microsoft.com/office/drawing/2010/main" w="9525">
+                <a14:hiddenLine xmlns:a14="http://schemas.microsoft.com/office/drawing/2010/main" xmlns="" w="9525">
                   <a:solidFill>
                     <a:srgbClr val="000000"/>
                   </a:solidFill>
@@ -4252,7 +4252,7 @@
             </a:ln>
             <a:extLst>
               <a:ext uri="{91240B29-F687-4f45-9708-019B960494DF}">
-                <a14:hiddenLine xmlns="" xmlns:a14="http://schemas.microsoft.com/office/drawing/2010/main" w="9525">
+                <a14:hiddenLine xmlns:a14="http://schemas.microsoft.com/office/drawing/2010/main" xmlns="" w="9525">
                   <a:solidFill>
                     <a:srgbClr val="000000"/>
                   </a:solidFill>
@@ -4392,7 +4392,7 @@
           <a:p>
             <a:fld id="{8B6C2AFC-E312-4DF4-802C-A2004B667576}" type="datetimeFigureOut">
               <a:rPr lang="en-GB" smtClean="0"/>
-              <a:t>06/06/2020</a:t>
+              <a:t>08/06/2020</a:t>
             </a:fld>
             <a:endParaRPr lang="en-GB"/>
           </a:p>
@@ -4659,7 +4659,7 @@
           <a:p>
             <a:fld id="{8B6C2AFC-E312-4DF4-802C-A2004B667576}" type="datetimeFigureOut">
               <a:rPr lang="en-GB" smtClean="0"/>
-              <a:t>06/06/2020</a:t>
+              <a:t>08/06/2020</a:t>
             </a:fld>
             <a:endParaRPr lang="en-GB"/>
           </a:p>
@@ -4855,7 +4855,7 @@
           <a:p>
             <a:fld id="{8B6C2AFC-E312-4DF4-802C-A2004B667576}" type="datetimeFigureOut">
               <a:rPr lang="en-GB" smtClean="0"/>
-              <a:t>06/06/2020</a:t>
+              <a:t>08/06/2020</a:t>
             </a:fld>
             <a:endParaRPr lang="en-GB"/>
           </a:p>
@@ -5118,7 +5118,7 @@
           <a:p>
             <a:fld id="{8B6C2AFC-E312-4DF4-802C-A2004B667576}" type="datetimeFigureOut">
               <a:rPr lang="en-GB" smtClean="0"/>
-              <a:t>06/06/2020</a:t>
+              <a:t>08/06/2020</a:t>
             </a:fld>
             <a:endParaRPr lang="en-GB"/>
           </a:p>
@@ -5552,7 +5552,7 @@
           <a:p>
             <a:fld id="{8B6C2AFC-E312-4DF4-802C-A2004B667576}" type="datetimeFigureOut">
               <a:rPr lang="en-GB" smtClean="0"/>
-              <a:t>06/06/2020</a:t>
+              <a:t>08/06/2020</a:t>
             </a:fld>
             <a:endParaRPr lang="en-GB"/>
           </a:p>
@@ -6098,7 +6098,7 @@
           <a:p>
             <a:fld id="{8B6C2AFC-E312-4DF4-802C-A2004B667576}" type="datetimeFigureOut">
               <a:rPr lang="en-GB" smtClean="0"/>
-              <a:t>06/06/2020</a:t>
+              <a:t>08/06/2020</a:t>
             </a:fld>
             <a:endParaRPr lang="en-GB"/>
           </a:p>
@@ -6818,7 +6818,7 @@
           <a:p>
             <a:fld id="{8B6C2AFC-E312-4DF4-802C-A2004B667576}" type="datetimeFigureOut">
               <a:rPr lang="en-GB" smtClean="0"/>
-              <a:t>06/06/2020</a:t>
+              <a:t>08/06/2020</a:t>
             </a:fld>
             <a:endParaRPr lang="en-GB"/>
           </a:p>
@@ -6988,7 +6988,7 @@
           <a:p>
             <a:fld id="{8B6C2AFC-E312-4DF4-802C-A2004B667576}" type="datetimeFigureOut">
               <a:rPr lang="en-GB" smtClean="0"/>
-              <a:t>06/06/2020</a:t>
+              <a:t>08/06/2020</a:t>
             </a:fld>
             <a:endParaRPr lang="en-GB"/>
           </a:p>
@@ -7168,7 +7168,7 @@
           <a:p>
             <a:fld id="{8B6C2AFC-E312-4DF4-802C-A2004B667576}" type="datetimeFigureOut">
               <a:rPr lang="en-GB" smtClean="0"/>
-              <a:t>06/06/2020</a:t>
+              <a:t>08/06/2020</a:t>
             </a:fld>
             <a:endParaRPr lang="en-GB"/>
           </a:p>
@@ -7338,7 +7338,7 @@
           <a:p>
             <a:fld id="{8B6C2AFC-E312-4DF4-802C-A2004B667576}" type="datetimeFigureOut">
               <a:rPr lang="en-GB" smtClean="0"/>
-              <a:t>06/06/2020</a:t>
+              <a:t>08/06/2020</a:t>
             </a:fld>
             <a:endParaRPr lang="en-GB"/>
           </a:p>
@@ -7588,7 +7588,7 @@
           <a:p>
             <a:fld id="{8B6C2AFC-E312-4DF4-802C-A2004B667576}" type="datetimeFigureOut">
               <a:rPr lang="en-GB" smtClean="0"/>
-              <a:t>06/06/2020</a:t>
+              <a:t>08/06/2020</a:t>
             </a:fld>
             <a:endParaRPr lang="en-GB"/>
           </a:p>
@@ -7820,7 +7820,7 @@
           <a:p>
             <a:fld id="{8B6C2AFC-E312-4DF4-802C-A2004B667576}" type="datetimeFigureOut">
               <a:rPr lang="en-GB" smtClean="0"/>
-              <a:t>06/06/2020</a:t>
+              <a:t>08/06/2020</a:t>
             </a:fld>
             <a:endParaRPr lang="en-GB"/>
           </a:p>
@@ -8201,7 +8201,7 @@
           <a:p>
             <a:fld id="{8B6C2AFC-E312-4DF4-802C-A2004B667576}" type="datetimeFigureOut">
               <a:rPr lang="en-GB" smtClean="0"/>
-              <a:t>06/06/2020</a:t>
+              <a:t>08/06/2020</a:t>
             </a:fld>
             <a:endParaRPr lang="en-GB"/>
           </a:p>
@@ -8319,7 +8319,7 @@
           <a:p>
             <a:fld id="{8B6C2AFC-E312-4DF4-802C-A2004B667576}" type="datetimeFigureOut">
               <a:rPr lang="en-GB" smtClean="0"/>
-              <a:t>06/06/2020</a:t>
+              <a:t>08/06/2020</a:t>
             </a:fld>
             <a:endParaRPr lang="en-GB"/>
           </a:p>
@@ -8414,7 +8414,7 @@
           <a:p>
             <a:fld id="{8B6C2AFC-E312-4DF4-802C-A2004B667576}" type="datetimeFigureOut">
               <a:rPr lang="en-GB" smtClean="0"/>
-              <a:t>06/06/2020</a:t>
+              <a:t>08/06/2020</a:t>
             </a:fld>
             <a:endParaRPr lang="en-GB"/>
           </a:p>
@@ -8663,7 +8663,7 @@
           <a:p>
             <a:fld id="{8B6C2AFC-E312-4DF4-802C-A2004B667576}" type="datetimeFigureOut">
               <a:rPr lang="en-GB" smtClean="0"/>
-              <a:t>06/06/2020</a:t>
+              <a:t>08/06/2020</a:t>
             </a:fld>
             <a:endParaRPr lang="en-GB"/>
           </a:p>
@@ -8943,7 +8943,7 @@
           <a:p>
             <a:fld id="{8B6C2AFC-E312-4DF4-802C-A2004B667576}" type="datetimeFigureOut">
               <a:rPr lang="en-GB" smtClean="0"/>
-              <a:t>06/06/2020</a:t>
+              <a:t>08/06/2020</a:t>
             </a:fld>
             <a:endParaRPr lang="en-GB"/>
           </a:p>
@@ -9059,7 +9059,7 @@
           <a:noFill/>
           <a:extLst>
             <a:ext uri="{909E8E84-426E-40dd-AFC4-6F175D3DCCD1}">
-              <a14:hiddenFill xmlns="" xmlns:a14="http://schemas.microsoft.com/office/drawing/2010/main">
+              <a14:hiddenFill xmlns:a14="http://schemas.microsoft.com/office/drawing/2010/main" xmlns="">
                 <a:solidFill>
                   <a:srgbClr val="FFFFFF"/>
                 </a:solidFill>
@@ -9133,7 +9133,7 @@
               </a:ln>
               <a:extLst>
                 <a:ext uri="{91240B29-F687-4f45-9708-019B960494DF}">
-                  <a14:hiddenLine xmlns="" xmlns:a14="http://schemas.microsoft.com/office/drawing/2010/main" w="9525">
+                  <a14:hiddenLine xmlns:a14="http://schemas.microsoft.com/office/drawing/2010/main" xmlns="" w="9525">
                     <a:solidFill>
                       <a:srgbClr val="000000"/>
                     </a:solidFill>
@@ -9223,7 +9223,7 @@
               </a:ln>
               <a:extLst>
                 <a:ext uri="{91240B29-F687-4f45-9708-019B960494DF}">
-                  <a14:hiddenLine xmlns="" xmlns:a14="http://schemas.microsoft.com/office/drawing/2010/main" w="9525">
+                  <a14:hiddenLine xmlns:a14="http://schemas.microsoft.com/office/drawing/2010/main" xmlns="" w="9525">
                     <a:solidFill>
                       <a:srgbClr val="000000"/>
                     </a:solidFill>
@@ -9313,7 +9313,7 @@
               </a:ln>
               <a:extLst>
                 <a:ext uri="{91240B29-F687-4f45-9708-019B960494DF}">
-                  <a14:hiddenLine xmlns="" xmlns:a14="http://schemas.microsoft.com/office/drawing/2010/main" w="9525">
+                  <a14:hiddenLine xmlns:a14="http://schemas.microsoft.com/office/drawing/2010/main" xmlns="" w="9525">
                     <a:solidFill>
                       <a:srgbClr val="000000"/>
                     </a:solidFill>
@@ -9375,7 +9375,7 @@
               </a:ln>
               <a:extLst>
                 <a:ext uri="{91240B29-F687-4f45-9708-019B960494DF}">
-                  <a14:hiddenLine xmlns="" xmlns:a14="http://schemas.microsoft.com/office/drawing/2010/main" w="9525">
+                  <a14:hiddenLine xmlns:a14="http://schemas.microsoft.com/office/drawing/2010/main" xmlns="" w="9525">
                     <a:solidFill>
                       <a:srgbClr val="000000"/>
                     </a:solidFill>
@@ -9465,7 +9465,7 @@
               </a:ln>
               <a:extLst>
                 <a:ext uri="{91240B29-F687-4f45-9708-019B960494DF}">
-                  <a14:hiddenLine xmlns="" xmlns:a14="http://schemas.microsoft.com/office/drawing/2010/main" w="9525">
+                  <a14:hiddenLine xmlns:a14="http://schemas.microsoft.com/office/drawing/2010/main" xmlns="" w="9525">
                     <a:solidFill>
                       <a:srgbClr val="000000"/>
                     </a:solidFill>
@@ -9527,7 +9527,7 @@
               </a:ln>
               <a:extLst>
                 <a:ext uri="{91240B29-F687-4f45-9708-019B960494DF}">
-                  <a14:hiddenLine xmlns="" xmlns:a14="http://schemas.microsoft.com/office/drawing/2010/main" w="9525">
+                  <a14:hiddenLine xmlns:a14="http://schemas.microsoft.com/office/drawing/2010/main" xmlns="" w="9525">
                     <a:solidFill>
                       <a:srgbClr val="000000"/>
                     </a:solidFill>
@@ -9589,7 +9589,7 @@
               </a:ln>
               <a:extLst>
                 <a:ext uri="{91240B29-F687-4f45-9708-019B960494DF}">
-                  <a14:hiddenLine xmlns="" xmlns:a14="http://schemas.microsoft.com/office/drawing/2010/main" w="9525">
+                  <a14:hiddenLine xmlns:a14="http://schemas.microsoft.com/office/drawing/2010/main" xmlns="" w="9525">
                     <a:solidFill>
                       <a:srgbClr val="000000"/>
                     </a:solidFill>
@@ -9679,7 +9679,7 @@
               </a:ln>
               <a:extLst>
                 <a:ext uri="{91240B29-F687-4f45-9708-019B960494DF}">
-                  <a14:hiddenLine xmlns="" xmlns:a14="http://schemas.microsoft.com/office/drawing/2010/main" w="9525">
+                  <a14:hiddenLine xmlns:a14="http://schemas.microsoft.com/office/drawing/2010/main" xmlns="" w="9525">
                     <a:solidFill>
                       <a:srgbClr val="000000"/>
                     </a:solidFill>
@@ -9769,7 +9769,7 @@
               </a:ln>
               <a:extLst>
                 <a:ext uri="{91240B29-F687-4f45-9708-019B960494DF}">
-                  <a14:hiddenLine xmlns="" xmlns:a14="http://schemas.microsoft.com/office/drawing/2010/main" w="9525">
+                  <a14:hiddenLine xmlns:a14="http://schemas.microsoft.com/office/drawing/2010/main" xmlns="" w="9525">
                     <a:solidFill>
                       <a:srgbClr val="000000"/>
                     </a:solidFill>
@@ -9831,7 +9831,7 @@
               </a:ln>
               <a:extLst>
                 <a:ext uri="{91240B29-F687-4f45-9708-019B960494DF}">
-                  <a14:hiddenLine xmlns="" xmlns:a14="http://schemas.microsoft.com/office/drawing/2010/main" w="9525">
+                  <a14:hiddenLine xmlns:a14="http://schemas.microsoft.com/office/drawing/2010/main" xmlns="" w="9525">
                     <a:solidFill>
                       <a:srgbClr val="000000"/>
                     </a:solidFill>
@@ -9941,7 +9941,7 @@
               </a:ln>
               <a:extLst>
                 <a:ext uri="{91240B29-F687-4f45-9708-019B960494DF}">
-                  <a14:hiddenLine xmlns="" xmlns:a14="http://schemas.microsoft.com/office/drawing/2010/main" w="9525">
+                  <a14:hiddenLine xmlns:a14="http://schemas.microsoft.com/office/drawing/2010/main" xmlns="" w="9525">
                     <a:solidFill>
                       <a:srgbClr val="000000"/>
                     </a:solidFill>
@@ -10025,7 +10025,7 @@
               </a:ln>
               <a:extLst>
                 <a:ext uri="{91240B29-F687-4f45-9708-019B960494DF}">
-                  <a14:hiddenLine xmlns="" xmlns:a14="http://schemas.microsoft.com/office/drawing/2010/main" w="9525">
+                  <a14:hiddenLine xmlns:a14="http://schemas.microsoft.com/office/drawing/2010/main" xmlns="" w="9525">
                     <a:solidFill>
                       <a:srgbClr val="000000"/>
                     </a:solidFill>
@@ -10087,7 +10087,7 @@
               </a:ln>
               <a:extLst>
                 <a:ext uri="{91240B29-F687-4f45-9708-019B960494DF}">
-                  <a14:hiddenLine xmlns="" xmlns:a14="http://schemas.microsoft.com/office/drawing/2010/main" w="9525">
+                  <a14:hiddenLine xmlns:a14="http://schemas.microsoft.com/office/drawing/2010/main" xmlns="" w="9525">
                     <a:solidFill>
                       <a:srgbClr val="000000"/>
                     </a:solidFill>
@@ -10149,7 +10149,7 @@
               </a:ln>
               <a:extLst>
                 <a:ext uri="{91240B29-F687-4f45-9708-019B960494DF}">
-                  <a14:hiddenLine xmlns="" xmlns:a14="http://schemas.microsoft.com/office/drawing/2010/main" w="9525">
+                  <a14:hiddenLine xmlns:a14="http://schemas.microsoft.com/office/drawing/2010/main" xmlns="" w="9525">
                     <a:solidFill>
                       <a:srgbClr val="000000"/>
                     </a:solidFill>
@@ -10239,7 +10239,7 @@
               </a:ln>
               <a:extLst>
                 <a:ext uri="{91240B29-F687-4f45-9708-019B960494DF}">
-                  <a14:hiddenLine xmlns="" xmlns:a14="http://schemas.microsoft.com/office/drawing/2010/main" w="9525">
+                  <a14:hiddenLine xmlns:a14="http://schemas.microsoft.com/office/drawing/2010/main" xmlns="" w="9525">
                     <a:solidFill>
                       <a:srgbClr val="000000"/>
                     </a:solidFill>
@@ -10273,7 +10273,7 @@
               </a:ln>
               <a:extLst>
                 <a:ext uri="{91240B29-F687-4f45-9708-019B960494DF}">
-                  <a14:hiddenLine xmlns="" xmlns:a14="http://schemas.microsoft.com/office/drawing/2010/main" w="9525">
+                  <a14:hiddenLine xmlns:a14="http://schemas.microsoft.com/office/drawing/2010/main" xmlns="" w="9525">
                     <a:solidFill>
                       <a:srgbClr val="000000"/>
                     </a:solidFill>
@@ -10338,7 +10338,7 @@
               </a:ln>
               <a:extLst>
                 <a:ext uri="{91240B29-F687-4f45-9708-019B960494DF}">
-                  <a14:hiddenLine xmlns="" xmlns:a14="http://schemas.microsoft.com/office/drawing/2010/main" w="9525">
+                  <a14:hiddenLine xmlns:a14="http://schemas.microsoft.com/office/drawing/2010/main" xmlns="" w="9525">
                     <a:solidFill>
                       <a:srgbClr val="000000"/>
                     </a:solidFill>
@@ -10428,7 +10428,7 @@
               </a:ln>
               <a:extLst>
                 <a:ext uri="{91240B29-F687-4f45-9708-019B960494DF}">
-                  <a14:hiddenLine xmlns="" xmlns:a14="http://schemas.microsoft.com/office/drawing/2010/main" w="9525">
+                  <a14:hiddenLine xmlns:a14="http://schemas.microsoft.com/office/drawing/2010/main" xmlns="" w="9525">
                     <a:solidFill>
                       <a:srgbClr val="000000"/>
                     </a:solidFill>
@@ -10490,7 +10490,7 @@
               </a:ln>
               <a:extLst>
                 <a:ext uri="{91240B29-F687-4f45-9708-019B960494DF}">
-                  <a14:hiddenLine xmlns="" xmlns:a14="http://schemas.microsoft.com/office/drawing/2010/main" w="9525">
+                  <a14:hiddenLine xmlns:a14="http://schemas.microsoft.com/office/drawing/2010/main" xmlns="" w="9525">
                     <a:solidFill>
                       <a:srgbClr val="000000"/>
                     </a:solidFill>
@@ -10580,7 +10580,7 @@
               </a:ln>
               <a:extLst>
                 <a:ext uri="{91240B29-F687-4f45-9708-019B960494DF}">
-                  <a14:hiddenLine xmlns="" xmlns:a14="http://schemas.microsoft.com/office/drawing/2010/main" w="9525">
+                  <a14:hiddenLine xmlns:a14="http://schemas.microsoft.com/office/drawing/2010/main" xmlns="" w="9525">
                     <a:solidFill>
                       <a:srgbClr val="000000"/>
                     </a:solidFill>
@@ -10645,7 +10645,7 @@
               </a:ln>
               <a:extLst>
                 <a:ext uri="{91240B29-F687-4f45-9708-019B960494DF}">
-                  <a14:hiddenLine xmlns="" xmlns:a14="http://schemas.microsoft.com/office/drawing/2010/main" w="9525">
+                  <a14:hiddenLine xmlns:a14="http://schemas.microsoft.com/office/drawing/2010/main" xmlns="" w="9525">
                     <a:solidFill>
                       <a:srgbClr val="000000"/>
                     </a:solidFill>
@@ -10707,7 +10707,7 @@
               </a:ln>
               <a:extLst>
                 <a:ext uri="{91240B29-F687-4f45-9708-019B960494DF}">
-                  <a14:hiddenLine xmlns="" xmlns:a14="http://schemas.microsoft.com/office/drawing/2010/main" w="9525">
+                  <a14:hiddenLine xmlns:a14="http://schemas.microsoft.com/office/drawing/2010/main" xmlns="" w="9525">
                     <a:solidFill>
                       <a:srgbClr val="000000"/>
                     </a:solidFill>
@@ -10797,7 +10797,7 @@
               </a:ln>
               <a:extLst>
                 <a:ext uri="{91240B29-F687-4f45-9708-019B960494DF}">
-                  <a14:hiddenLine xmlns="" xmlns:a14="http://schemas.microsoft.com/office/drawing/2010/main" w="9525">
+                  <a14:hiddenLine xmlns:a14="http://schemas.microsoft.com/office/drawing/2010/main" xmlns="" w="9525">
                     <a:solidFill>
                       <a:srgbClr val="000000"/>
                     </a:solidFill>
@@ -10887,7 +10887,7 @@
               </a:ln>
               <a:extLst>
                 <a:ext uri="{91240B29-F687-4f45-9708-019B960494DF}">
-                  <a14:hiddenLine xmlns="" xmlns:a14="http://schemas.microsoft.com/office/drawing/2010/main" w="9525">
+                  <a14:hiddenLine xmlns:a14="http://schemas.microsoft.com/office/drawing/2010/main" xmlns="" w="9525">
                     <a:solidFill>
                       <a:srgbClr val="000000"/>
                     </a:solidFill>
@@ -10952,7 +10952,7 @@
               </a:ln>
               <a:extLst>
                 <a:ext uri="{91240B29-F687-4f45-9708-019B960494DF}">
-                  <a14:hiddenLine xmlns="" xmlns:a14="http://schemas.microsoft.com/office/drawing/2010/main" w="9525">
+                  <a14:hiddenLine xmlns:a14="http://schemas.microsoft.com/office/drawing/2010/main" xmlns="" w="9525">
                     <a:solidFill>
                       <a:srgbClr val="000000"/>
                     </a:solidFill>
@@ -11072,7 +11072,7 @@
               </a:ln>
               <a:extLst>
                 <a:ext uri="{91240B29-F687-4f45-9708-019B960494DF}">
-                  <a14:hiddenLine xmlns="" xmlns:a14="http://schemas.microsoft.com/office/drawing/2010/main" w="9525">
+                  <a14:hiddenLine xmlns:a14="http://schemas.microsoft.com/office/drawing/2010/main" xmlns="" w="9525">
                     <a:solidFill>
                       <a:srgbClr val="000000"/>
                     </a:solidFill>
@@ -11170,7 +11170,7 @@
               </a:ln>
               <a:extLst>
                 <a:ext uri="{91240B29-F687-4f45-9708-019B960494DF}">
-                  <a14:hiddenLine xmlns="" xmlns:a14="http://schemas.microsoft.com/office/drawing/2010/main" w="9525">
+                  <a14:hiddenLine xmlns:a14="http://schemas.microsoft.com/office/drawing/2010/main" xmlns="" w="9525">
                     <a:solidFill>
                       <a:srgbClr val="000000"/>
                     </a:solidFill>
@@ -11285,7 +11285,7 @@
               </a:ln>
               <a:extLst>
                 <a:ext uri="{91240B29-F687-4f45-9708-019B960494DF}">
-                  <a14:hiddenLine xmlns="" xmlns:a14="http://schemas.microsoft.com/office/drawing/2010/main" w="9525">
+                  <a14:hiddenLine xmlns:a14="http://schemas.microsoft.com/office/drawing/2010/main" xmlns="" w="9525">
                     <a:solidFill>
                       <a:srgbClr val="000000"/>
                     </a:solidFill>
@@ -11375,7 +11375,7 @@
               </a:ln>
               <a:extLst>
                 <a:ext uri="{91240B29-F687-4f45-9708-019B960494DF}">
-                  <a14:hiddenLine xmlns="" xmlns:a14="http://schemas.microsoft.com/office/drawing/2010/main" w="9525">
+                  <a14:hiddenLine xmlns:a14="http://schemas.microsoft.com/office/drawing/2010/main" xmlns="" w="9525">
                     <a:solidFill>
                       <a:srgbClr val="000000"/>
                     </a:solidFill>
@@ -11440,7 +11440,7 @@
               </a:ln>
               <a:extLst>
                 <a:ext uri="{91240B29-F687-4f45-9708-019B960494DF}">
-                  <a14:hiddenLine xmlns="" xmlns:a14="http://schemas.microsoft.com/office/drawing/2010/main" w="9525">
+                  <a14:hiddenLine xmlns:a14="http://schemas.microsoft.com/office/drawing/2010/main" xmlns="" w="9525">
                     <a:solidFill>
                       <a:srgbClr val="000000"/>
                     </a:solidFill>
@@ -11530,7 +11530,7 @@
               </a:ln>
               <a:extLst>
                 <a:ext uri="{91240B29-F687-4f45-9708-019B960494DF}">
-                  <a14:hiddenLine xmlns="" xmlns:a14="http://schemas.microsoft.com/office/drawing/2010/main" w="9525">
+                  <a14:hiddenLine xmlns:a14="http://schemas.microsoft.com/office/drawing/2010/main" xmlns="" w="9525">
                     <a:solidFill>
                       <a:srgbClr val="000000"/>
                     </a:solidFill>
@@ -11598,7 +11598,7 @@
               </a:ln>
               <a:extLst>
                 <a:ext uri="{91240B29-F687-4f45-9708-019B960494DF}">
-                  <a14:hiddenLine xmlns="" xmlns:a14="http://schemas.microsoft.com/office/drawing/2010/main" w="9525">
+                  <a14:hiddenLine xmlns:a14="http://schemas.microsoft.com/office/drawing/2010/main" xmlns="" w="9525">
                     <a:solidFill>
                       <a:srgbClr val="000000"/>
                     </a:solidFill>
@@ -11688,7 +11688,7 @@
               </a:ln>
               <a:extLst>
                 <a:ext uri="{91240B29-F687-4f45-9708-019B960494DF}">
-                  <a14:hiddenLine xmlns="" xmlns:a14="http://schemas.microsoft.com/office/drawing/2010/main" w="9525">
+                  <a14:hiddenLine xmlns:a14="http://schemas.microsoft.com/office/drawing/2010/main" xmlns="" w="9525">
                     <a:solidFill>
                       <a:srgbClr val="000000"/>
                     </a:solidFill>
@@ -11756,7 +11756,7 @@
               </a:ln>
               <a:extLst>
                 <a:ext uri="{91240B29-F687-4f45-9708-019B960494DF}">
-                  <a14:hiddenLine xmlns="" xmlns:a14="http://schemas.microsoft.com/office/drawing/2010/main" w="9525">
+                  <a14:hiddenLine xmlns:a14="http://schemas.microsoft.com/office/drawing/2010/main" xmlns="" w="9525">
                     <a:solidFill>
                       <a:srgbClr val="000000"/>
                     </a:solidFill>
@@ -11846,7 +11846,7 @@
               </a:ln>
               <a:extLst>
                 <a:ext uri="{91240B29-F687-4f45-9708-019B960494DF}">
-                  <a14:hiddenLine xmlns="" xmlns:a14="http://schemas.microsoft.com/office/drawing/2010/main" w="9525">
+                  <a14:hiddenLine xmlns:a14="http://schemas.microsoft.com/office/drawing/2010/main" xmlns="" w="9525">
                     <a:solidFill>
                       <a:srgbClr val="000000"/>
                     </a:solidFill>
@@ -11880,7 +11880,7 @@
               </a:ln>
               <a:extLst>
                 <a:ext uri="{91240B29-F687-4f45-9708-019B960494DF}">
-                  <a14:hiddenLine xmlns="" xmlns:a14="http://schemas.microsoft.com/office/drawing/2010/main" w="9525">
+                  <a14:hiddenLine xmlns:a14="http://schemas.microsoft.com/office/drawing/2010/main" xmlns="" w="9525">
                     <a:solidFill>
                       <a:srgbClr val="000000"/>
                     </a:solidFill>
@@ -12020,7 +12020,7 @@
           <a:p>
             <a:fld id="{8B6C2AFC-E312-4DF4-802C-A2004B667576}" type="datetimeFigureOut">
               <a:rPr lang="en-GB" smtClean="0"/>
-              <a:t>06/06/2020</a:t>
+              <a:t>08/06/2020</a:t>
             </a:fld>
             <a:endParaRPr lang="en-GB"/>
           </a:p>
@@ -12684,12 +12684,6 @@
           <a:lstStyle/>
           <a:p>
             <a:r>
-              <a:rPr lang="en-US" dirty="0"/>
-              <a:t>//Needs a separate slide, because it’s an important issue</a:t>
-            </a:r>
-          </a:p>
-          <a:p>
-            <a:r>
               <a:rPr lang="en-GB" dirty="0"/>
               <a:t>“The production of an analysis which corresponds too closely or exactly to a particular set of data, and may therefore fail to fir additional data or predict future observations reliably.”</a:t>
             </a:r>
